--- a/Mini-Project.pptx
+++ b/Mini-Project.pptx
@@ -5,7 +5,7 @@
     <p:sldMasterId id="2147483660" r:id="rId1"/>
   </p:sldMasterIdLst>
   <p:notesMasterIdLst>
-    <p:notesMasterId r:id="rId13"/>
+    <p:notesMasterId r:id="rId16"/>
   </p:notesMasterIdLst>
   <p:sldIdLst>
     <p:sldId id="256" r:id="rId2"/>
@@ -19,6 +19,9 @@
     <p:sldId id="264" r:id="rId10"/>
     <p:sldId id="265" r:id="rId11"/>
     <p:sldId id="266" r:id="rId12"/>
+    <p:sldId id="267" r:id="rId13"/>
+    <p:sldId id="268" r:id="rId14"/>
+    <p:sldId id="269" r:id="rId15"/>
   </p:sldIdLst>
   <p:sldSz cx="12192000" cy="6858000"/>
   <p:notesSz cx="6858000" cy="9144000"/>
@@ -207,7 +210,7 @@
           <a:p>
             <a:fld id="{BC0EFADE-73B6-2446-AB9D-1234C578992C}" type="datetimeFigureOut">
               <a:rPr lang="en-US" smtClean="0"/>
-              <a:t>7/16/24</a:t>
+              <a:t>8/9/24</a:t>
             </a:fld>
             <a:endParaRPr lang="en-US"/>
           </a:p>
@@ -579,6 +582,174 @@
 </p:notes>
 </file>
 
+<file path=ppt/notesSlides/notesSlide10.xml><?xml version="1.0" encoding="utf-8"?>
+<p:notes xmlns:a="http://schemas.openxmlformats.org/drawingml/2006/main" xmlns:r="http://schemas.openxmlformats.org/officeDocument/2006/relationships" xmlns:p="http://schemas.openxmlformats.org/presentationml/2006/main">
+  <p:cSld>
+    <p:spTree>
+      <p:nvGrpSpPr>
+        <p:cNvPr id="1" name=""/>
+        <p:cNvGrpSpPr/>
+        <p:nvPr/>
+      </p:nvGrpSpPr>
+      <p:grpSpPr>
+        <a:xfrm>
+          <a:off x="0" y="0"/>
+          <a:ext cx="0" cy="0"/>
+          <a:chOff x="0" y="0"/>
+          <a:chExt cx="0" cy="0"/>
+        </a:xfrm>
+      </p:grpSpPr>
+      <p:sp>
+        <p:nvSpPr>
+          <p:cNvPr id="2" name="Slide Image Placeholder 1"/>
+          <p:cNvSpPr>
+            <a:spLocks noGrp="1" noRot="1" noChangeAspect="1"/>
+          </p:cNvSpPr>
+          <p:nvPr>
+            <p:ph type="sldImg"/>
+          </p:nvPr>
+        </p:nvSpPr>
+        <p:spPr/>
+      </p:sp>
+      <p:sp>
+        <p:nvSpPr>
+          <p:cNvPr id="3" name="Notes Placeholder 2"/>
+          <p:cNvSpPr>
+            <a:spLocks noGrp="1"/>
+          </p:cNvSpPr>
+          <p:nvPr>
+            <p:ph type="body" idx="1"/>
+          </p:nvPr>
+        </p:nvSpPr>
+        <p:spPr/>
+        <p:txBody>
+          <a:bodyPr/>
+          <a:lstStyle/>
+          <a:p>
+            <a:endParaRPr lang="en-US" dirty="0"/>
+          </a:p>
+        </p:txBody>
+      </p:sp>
+      <p:sp>
+        <p:nvSpPr>
+          <p:cNvPr id="4" name="Slide Number Placeholder 3"/>
+          <p:cNvSpPr>
+            <a:spLocks noGrp="1"/>
+          </p:cNvSpPr>
+          <p:nvPr>
+            <p:ph type="sldNum" sz="quarter" idx="5"/>
+          </p:nvPr>
+        </p:nvSpPr>
+        <p:spPr/>
+        <p:txBody>
+          <a:bodyPr/>
+          <a:lstStyle/>
+          <a:p>
+            <a:fld id="{C7E45814-62A0-CF4E-862B-93ACED20F3EA}" type="slidenum">
+              <a:rPr lang="en-US" smtClean="0"/>
+              <a:t>13</a:t>
+            </a:fld>
+            <a:endParaRPr lang="en-US"/>
+          </a:p>
+        </p:txBody>
+      </p:sp>
+    </p:spTree>
+    <p:extLst>
+      <p:ext uri="{BB962C8B-B14F-4D97-AF65-F5344CB8AC3E}">
+        <p14:creationId xmlns:p14="http://schemas.microsoft.com/office/powerpoint/2010/main" val="1174204361"/>
+      </p:ext>
+    </p:extLst>
+  </p:cSld>
+  <p:clrMapOvr>
+    <a:masterClrMapping/>
+  </p:clrMapOvr>
+</p:notes>
+</file>
+
+<file path=ppt/notesSlides/notesSlide11.xml><?xml version="1.0" encoding="utf-8"?>
+<p:notes xmlns:a="http://schemas.openxmlformats.org/drawingml/2006/main" xmlns:r="http://schemas.openxmlformats.org/officeDocument/2006/relationships" xmlns:p="http://schemas.openxmlformats.org/presentationml/2006/main">
+  <p:cSld>
+    <p:spTree>
+      <p:nvGrpSpPr>
+        <p:cNvPr id="1" name=""/>
+        <p:cNvGrpSpPr/>
+        <p:nvPr/>
+      </p:nvGrpSpPr>
+      <p:grpSpPr>
+        <a:xfrm>
+          <a:off x="0" y="0"/>
+          <a:ext cx="0" cy="0"/>
+          <a:chOff x="0" y="0"/>
+          <a:chExt cx="0" cy="0"/>
+        </a:xfrm>
+      </p:grpSpPr>
+      <p:sp>
+        <p:nvSpPr>
+          <p:cNvPr id="2" name="Slide Image Placeholder 1"/>
+          <p:cNvSpPr>
+            <a:spLocks noGrp="1" noRot="1" noChangeAspect="1"/>
+          </p:cNvSpPr>
+          <p:nvPr>
+            <p:ph type="sldImg"/>
+          </p:nvPr>
+        </p:nvSpPr>
+        <p:spPr/>
+      </p:sp>
+      <p:sp>
+        <p:nvSpPr>
+          <p:cNvPr id="3" name="Notes Placeholder 2"/>
+          <p:cNvSpPr>
+            <a:spLocks noGrp="1"/>
+          </p:cNvSpPr>
+          <p:nvPr>
+            <p:ph type="body" idx="1"/>
+          </p:nvPr>
+        </p:nvSpPr>
+        <p:spPr/>
+        <p:txBody>
+          <a:bodyPr/>
+          <a:lstStyle/>
+          <a:p>
+            <a:endParaRPr lang="en-US" dirty="0"/>
+          </a:p>
+        </p:txBody>
+      </p:sp>
+      <p:sp>
+        <p:nvSpPr>
+          <p:cNvPr id="4" name="Slide Number Placeholder 3"/>
+          <p:cNvSpPr>
+            <a:spLocks noGrp="1"/>
+          </p:cNvSpPr>
+          <p:nvPr>
+            <p:ph type="sldNum" sz="quarter" idx="5"/>
+          </p:nvPr>
+        </p:nvSpPr>
+        <p:spPr/>
+        <p:txBody>
+          <a:bodyPr/>
+          <a:lstStyle/>
+          <a:p>
+            <a:fld id="{C7E45814-62A0-CF4E-862B-93ACED20F3EA}" type="slidenum">
+              <a:rPr lang="en-US" smtClean="0"/>
+              <a:t>14</a:t>
+            </a:fld>
+            <a:endParaRPr lang="en-US"/>
+          </a:p>
+        </p:txBody>
+      </p:sp>
+    </p:spTree>
+    <p:extLst>
+      <p:ext uri="{BB962C8B-B14F-4D97-AF65-F5344CB8AC3E}">
+        <p14:creationId xmlns:p14="http://schemas.microsoft.com/office/powerpoint/2010/main" val="1437506851"/>
+      </p:ext>
+    </p:extLst>
+  </p:cSld>
+  <p:clrMapOvr>
+    <a:masterClrMapping/>
+  </p:clrMapOvr>
+</p:notes>
+</file>
+
 <file path=ppt/notesSlides/notesSlide2.xml><?xml version="1.0" encoding="utf-8"?>
 <p:notes xmlns:a="http://schemas.openxmlformats.org/drawingml/2006/main" xmlns:r="http://schemas.openxmlformats.org/officeDocument/2006/relationships" xmlns:p="http://schemas.openxmlformats.org/presentationml/2006/main">
   <p:cSld>
@@ -4515,6 +4686,90 @@
     <p:extLst>
       <p:ext uri="{BB962C8B-B14F-4D97-AF65-F5344CB8AC3E}">
         <p14:creationId xmlns:p14="http://schemas.microsoft.com/office/powerpoint/2010/main" val="1381532123"/>
+      </p:ext>
+    </p:extLst>
+  </p:cSld>
+  <p:clrMapOvr>
+    <a:masterClrMapping/>
+  </p:clrMapOvr>
+</p:notes>
+</file>
+
+<file path=ppt/notesSlides/notesSlide9.xml><?xml version="1.0" encoding="utf-8"?>
+<p:notes xmlns:a="http://schemas.openxmlformats.org/drawingml/2006/main" xmlns:r="http://schemas.openxmlformats.org/officeDocument/2006/relationships" xmlns:p="http://schemas.openxmlformats.org/presentationml/2006/main">
+  <p:cSld>
+    <p:spTree>
+      <p:nvGrpSpPr>
+        <p:cNvPr id="1" name=""/>
+        <p:cNvGrpSpPr/>
+        <p:nvPr/>
+      </p:nvGrpSpPr>
+      <p:grpSpPr>
+        <a:xfrm>
+          <a:off x="0" y="0"/>
+          <a:ext cx="0" cy="0"/>
+          <a:chOff x="0" y="0"/>
+          <a:chExt cx="0" cy="0"/>
+        </a:xfrm>
+      </p:grpSpPr>
+      <p:sp>
+        <p:nvSpPr>
+          <p:cNvPr id="2" name="Slide Image Placeholder 1"/>
+          <p:cNvSpPr>
+            <a:spLocks noGrp="1" noRot="1" noChangeAspect="1"/>
+          </p:cNvSpPr>
+          <p:nvPr>
+            <p:ph type="sldImg"/>
+          </p:nvPr>
+        </p:nvSpPr>
+        <p:spPr/>
+      </p:sp>
+      <p:sp>
+        <p:nvSpPr>
+          <p:cNvPr id="3" name="Notes Placeholder 2"/>
+          <p:cNvSpPr>
+            <a:spLocks noGrp="1"/>
+          </p:cNvSpPr>
+          <p:nvPr>
+            <p:ph type="body" idx="1"/>
+          </p:nvPr>
+        </p:nvSpPr>
+        <p:spPr/>
+        <p:txBody>
+          <a:bodyPr/>
+          <a:lstStyle/>
+          <a:p>
+            <a:endParaRPr lang="en-US" dirty="0"/>
+          </a:p>
+        </p:txBody>
+      </p:sp>
+      <p:sp>
+        <p:nvSpPr>
+          <p:cNvPr id="4" name="Slide Number Placeholder 3"/>
+          <p:cNvSpPr>
+            <a:spLocks noGrp="1"/>
+          </p:cNvSpPr>
+          <p:nvPr>
+            <p:ph type="sldNum" sz="quarter" idx="5"/>
+          </p:nvPr>
+        </p:nvSpPr>
+        <p:spPr/>
+        <p:txBody>
+          <a:bodyPr/>
+          <a:lstStyle/>
+          <a:p>
+            <a:fld id="{C7E45814-62A0-CF4E-862B-93ACED20F3EA}" type="slidenum">
+              <a:rPr lang="en-US" smtClean="0"/>
+              <a:t>12</a:t>
+            </a:fld>
+            <a:endParaRPr lang="en-US"/>
+          </a:p>
+        </p:txBody>
+      </p:sp>
+    </p:spTree>
+    <p:extLst>
+      <p:ext uri="{BB962C8B-B14F-4D97-AF65-F5344CB8AC3E}">
+        <p14:creationId xmlns:p14="http://schemas.microsoft.com/office/powerpoint/2010/main" val="3518866356"/>
       </p:ext>
     </p:extLst>
   </p:cSld>
@@ -4655,7 +4910,7 @@
           <a:p>
             <a:fld id="{48A87A34-81AB-432B-8DAE-1953F412C126}" type="datetimeFigureOut">
               <a:rPr lang="en-US" smtClean="0"/>
-              <a:t>7/16/24</a:t>
+              <a:t>8/9/24</a:t>
             </a:fld>
             <a:endParaRPr lang="en-US" dirty="0"/>
           </a:p>
@@ -4825,7 +5080,7 @@
           <a:p>
             <a:fld id="{48A87A34-81AB-432B-8DAE-1953F412C126}" type="datetimeFigureOut">
               <a:rPr lang="en-US" smtClean="0"/>
-              <a:t>7/16/24</a:t>
+              <a:t>8/9/24</a:t>
             </a:fld>
             <a:endParaRPr lang="en-US" dirty="0"/>
           </a:p>
@@ -5005,7 +5260,7 @@
           <a:p>
             <a:fld id="{48A87A34-81AB-432B-8DAE-1953F412C126}" type="datetimeFigureOut">
               <a:rPr lang="en-US" smtClean="0"/>
-              <a:t>7/16/24</a:t>
+              <a:t>8/9/24</a:t>
             </a:fld>
             <a:endParaRPr lang="en-US" dirty="0"/>
           </a:p>
@@ -5175,7 +5430,7 @@
           <a:p>
             <a:fld id="{48A87A34-81AB-432B-8DAE-1953F412C126}" type="datetimeFigureOut">
               <a:rPr lang="en-US" smtClean="0"/>
-              <a:t>7/16/24</a:t>
+              <a:t>8/9/24</a:t>
             </a:fld>
             <a:endParaRPr lang="en-US" dirty="0"/>
           </a:p>
@@ -5421,7 +5676,7 @@
           <a:p>
             <a:fld id="{48A87A34-81AB-432B-8DAE-1953F412C126}" type="datetimeFigureOut">
               <a:rPr lang="en-US" smtClean="0"/>
-              <a:t>7/16/24</a:t>
+              <a:t>8/9/24</a:t>
             </a:fld>
             <a:endParaRPr lang="en-US" dirty="0"/>
           </a:p>
@@ -5653,7 +5908,7 @@
           <a:p>
             <a:fld id="{48A87A34-81AB-432B-8DAE-1953F412C126}" type="datetimeFigureOut">
               <a:rPr lang="en-US" smtClean="0"/>
-              <a:t>7/16/24</a:t>
+              <a:t>8/9/24</a:t>
             </a:fld>
             <a:endParaRPr lang="en-US" dirty="0"/>
           </a:p>
@@ -6020,7 +6275,7 @@
           <a:p>
             <a:fld id="{48A87A34-81AB-432B-8DAE-1953F412C126}" type="datetimeFigureOut">
               <a:rPr lang="en-US" smtClean="0"/>
-              <a:t>7/16/24</a:t>
+              <a:t>8/9/24</a:t>
             </a:fld>
             <a:endParaRPr lang="en-US" dirty="0"/>
           </a:p>
@@ -6138,7 +6393,7 @@
           <a:p>
             <a:fld id="{48A87A34-81AB-432B-8DAE-1953F412C126}" type="datetimeFigureOut">
               <a:rPr lang="en-US" smtClean="0"/>
-              <a:t>7/16/24</a:t>
+              <a:t>8/9/24</a:t>
             </a:fld>
             <a:endParaRPr lang="en-US" dirty="0"/>
           </a:p>
@@ -6233,7 +6488,7 @@
           <a:p>
             <a:fld id="{48A87A34-81AB-432B-8DAE-1953F412C126}" type="datetimeFigureOut">
               <a:rPr lang="en-US" smtClean="0"/>
-              <a:t>7/16/24</a:t>
+              <a:t>8/9/24</a:t>
             </a:fld>
             <a:endParaRPr lang="en-US" dirty="0"/>
           </a:p>
@@ -6510,7 +6765,7 @@
           <a:p>
             <a:fld id="{48A87A34-81AB-432B-8DAE-1953F412C126}" type="datetimeFigureOut">
               <a:rPr lang="en-US" smtClean="0"/>
-              <a:t>7/16/24</a:t>
+              <a:t>8/9/24</a:t>
             </a:fld>
             <a:endParaRPr lang="en-US" dirty="0"/>
           </a:p>
@@ -6768,7 +7023,7 @@
             <a:fld id="{48A87A34-81AB-432B-8DAE-1953F412C126}" type="datetimeFigureOut">
               <a:rPr lang="en-US" smtClean="0"/>
               <a:pPr/>
-              <a:t>7/16/24</a:t>
+              <a:t>8/9/24</a:t>
             </a:fld>
             <a:endParaRPr lang="en-US" dirty="0"/>
           </a:p>
@@ -6982,7 +7237,7 @@
             <a:fld id="{48A87A34-81AB-432B-8DAE-1953F412C126}" type="datetimeFigureOut">
               <a:rPr lang="en-US" smtClean="0"/>
               <a:pPr/>
-              <a:t>7/16/24</a:t>
+              <a:t>8/9/24</a:t>
             </a:fld>
             <a:endParaRPr lang="en-US" dirty="0"/>
           </a:p>
@@ -7411,7 +7666,7 @@
           <a:p>
             <a:r>
               <a:rPr lang="en-US" dirty="0"/>
-              <a:t>Mini PROJECT – 1- EDA</a:t>
+              <a:t>Mini PROJECT – 2- ML</a:t>
             </a:r>
           </a:p>
         </p:txBody>
@@ -7503,12 +7758,8 @@
           <a:lstStyle/>
           <a:p>
             <a:r>
-              <a:rPr lang="en-US" dirty="0" err="1"/>
-              <a:t>Visualisation</a:t>
-            </a:r>
-            <a:r>
               <a:rPr lang="en-US" dirty="0"/>
-              <a:t> – </a:t>
+              <a:t>Visualization – </a:t>
             </a:r>
             <a:r>
               <a:rPr lang="en-US" sz="3600" dirty="0"/>
@@ -7697,12 +7948,8 @@
           <a:lstStyle/>
           <a:p>
             <a:r>
-              <a:rPr lang="en-US" dirty="0" err="1"/>
-              <a:t>Visualisation</a:t>
-            </a:r>
-            <a:r>
               <a:rPr lang="en-US" dirty="0"/>
-              <a:t> – </a:t>
+              <a:t>Visualization – </a:t>
             </a:r>
             <a:r>
               <a:rPr lang="en-US" sz="3600" dirty="0"/>
@@ -7836,6 +8083,524 @@
     <p:extLst>
       <p:ext uri="{BB962C8B-B14F-4D97-AF65-F5344CB8AC3E}">
         <p14:creationId xmlns:p14="http://schemas.microsoft.com/office/powerpoint/2010/main" val="3497731416"/>
+      </p:ext>
+    </p:extLst>
+  </p:cSld>
+  <p:clrMapOvr>
+    <a:masterClrMapping/>
+  </p:clrMapOvr>
+</p:sld>
+</file>
+
+<file path=ppt/slides/slide12.xml><?xml version="1.0" encoding="utf-8"?>
+<p:sld xmlns:a="http://schemas.openxmlformats.org/drawingml/2006/main" xmlns:r="http://schemas.openxmlformats.org/officeDocument/2006/relationships" xmlns:p="http://schemas.openxmlformats.org/presentationml/2006/main">
+  <p:cSld>
+    <p:spTree>
+      <p:nvGrpSpPr>
+        <p:cNvPr id="1" name=""/>
+        <p:cNvGrpSpPr/>
+        <p:nvPr/>
+      </p:nvGrpSpPr>
+      <p:grpSpPr>
+        <a:xfrm>
+          <a:off x="0" y="0"/>
+          <a:ext cx="0" cy="0"/>
+          <a:chOff x="0" y="0"/>
+          <a:chExt cx="0" cy="0"/>
+        </a:xfrm>
+      </p:grpSpPr>
+      <p:sp>
+        <p:nvSpPr>
+          <p:cNvPr id="2" name="Title 1">
+            <a:extLst>
+              <a:ext uri="{FF2B5EF4-FFF2-40B4-BE49-F238E27FC236}">
+                <a16:creationId xmlns:a16="http://schemas.microsoft.com/office/drawing/2014/main" id="{BFFBF79B-3C6A-8CCC-3BC3-EB177C40A349}"/>
+              </a:ext>
+            </a:extLst>
+          </p:cNvPr>
+          <p:cNvSpPr>
+            <a:spLocks noGrp="1"/>
+          </p:cNvSpPr>
+          <p:nvPr>
+            <p:ph type="ctrTitle"/>
+          </p:nvPr>
+        </p:nvSpPr>
+        <p:spPr/>
+        <p:txBody>
+          <a:bodyPr/>
+          <a:lstStyle/>
+          <a:p>
+            <a:r>
+              <a:rPr lang="en-US" dirty="0"/>
+              <a:t>Machine Learning</a:t>
+            </a:r>
+          </a:p>
+        </p:txBody>
+      </p:sp>
+    </p:spTree>
+    <p:extLst>
+      <p:ext uri="{BB962C8B-B14F-4D97-AF65-F5344CB8AC3E}">
+        <p14:creationId xmlns:p14="http://schemas.microsoft.com/office/powerpoint/2010/main" val="1479370202"/>
+      </p:ext>
+    </p:extLst>
+  </p:cSld>
+  <p:clrMapOvr>
+    <a:masterClrMapping/>
+  </p:clrMapOvr>
+</p:sld>
+</file>
+
+<file path=ppt/slides/slide13.xml><?xml version="1.0" encoding="utf-8"?>
+<p:sld xmlns:a="http://schemas.openxmlformats.org/drawingml/2006/main" xmlns:r="http://schemas.openxmlformats.org/officeDocument/2006/relationships" xmlns:p="http://schemas.openxmlformats.org/presentationml/2006/main">
+  <p:cSld>
+    <p:spTree>
+      <p:nvGrpSpPr>
+        <p:cNvPr id="1" name=""/>
+        <p:cNvGrpSpPr/>
+        <p:nvPr/>
+      </p:nvGrpSpPr>
+      <p:grpSpPr>
+        <a:xfrm>
+          <a:off x="0" y="0"/>
+          <a:ext cx="0" cy="0"/>
+          <a:chOff x="0" y="0"/>
+          <a:chExt cx="0" cy="0"/>
+        </a:xfrm>
+      </p:grpSpPr>
+      <p:sp>
+        <p:nvSpPr>
+          <p:cNvPr id="3" name="Title 1">
+            <a:extLst>
+              <a:ext uri="{FF2B5EF4-FFF2-40B4-BE49-F238E27FC236}">
+                <a16:creationId xmlns:a16="http://schemas.microsoft.com/office/drawing/2014/main" id="{374877E5-C7B9-52A7-FF01-34D543D76636}"/>
+              </a:ext>
+            </a:extLst>
+          </p:cNvPr>
+          <p:cNvSpPr txBox="1">
+            <a:spLocks/>
+          </p:cNvSpPr>
+          <p:nvPr/>
+        </p:nvSpPr>
+        <p:spPr>
+          <a:xfrm>
+            <a:off x="306572" y="258898"/>
+            <a:ext cx="12469091" cy="464215"/>
+          </a:xfrm>
+          <a:prstGeom prst="rect">
+            <a:avLst/>
+          </a:prstGeom>
+        </p:spPr>
+        <p:txBody>
+          <a:bodyPr vert="horz" lIns="91440" tIns="45720" rIns="91440" bIns="45720" rtlCol="0" anchor="b">
+            <a:normAutofit fontScale="82500" lnSpcReduction="20000"/>
+          </a:bodyPr>
+          <a:lstStyle>
+            <a:lvl1pPr algn="ctr" defTabSz="914400" rtl="0" eaLnBrk="1" latinLnBrk="0" hangingPunct="1">
+              <a:lnSpc>
+                <a:spcPct val="90000"/>
+              </a:lnSpc>
+              <a:spcBef>
+                <a:spcPct val="0"/>
+              </a:spcBef>
+              <a:buNone/>
+              <a:defRPr sz="6000" kern="1200">
+                <a:solidFill>
+                  <a:schemeClr val="tx1"/>
+                </a:solidFill>
+                <a:latin typeface="+mj-lt"/>
+                <a:ea typeface="+mj-ea"/>
+                <a:cs typeface="+mj-cs"/>
+              </a:defRPr>
+            </a:lvl1pPr>
+          </a:lstStyle>
+          <a:p>
+            <a:pPr algn="l"/>
+            <a:r>
+              <a:rPr lang="en-US" sz="3600" b="1" dirty="0"/>
+              <a:t>Key questions and steps for ML</a:t>
+            </a:r>
+          </a:p>
+        </p:txBody>
+      </p:sp>
+      <p:sp>
+        <p:nvSpPr>
+          <p:cNvPr id="8" name="TextBox 7">
+            <a:extLst>
+              <a:ext uri="{FF2B5EF4-FFF2-40B4-BE49-F238E27FC236}">
+                <a16:creationId xmlns:a16="http://schemas.microsoft.com/office/drawing/2014/main" id="{53FCBEEC-33DD-D8C7-B59D-E071066AEC7C}"/>
+              </a:ext>
+            </a:extLst>
+          </p:cNvPr>
+          <p:cNvSpPr txBox="1"/>
+          <p:nvPr/>
+        </p:nvSpPr>
+        <p:spPr>
+          <a:xfrm>
+            <a:off x="306572" y="1038554"/>
+            <a:ext cx="11566114" cy="5262979"/>
+          </a:xfrm>
+          <a:prstGeom prst="rect">
+            <a:avLst/>
+          </a:prstGeom>
+          <a:noFill/>
+        </p:spPr>
+        <p:txBody>
+          <a:bodyPr wrap="square">
+            <a:spAutoFit/>
+          </a:bodyPr>
+          <a:lstStyle/>
+          <a:p>
+            <a:r>
+              <a:rPr lang="en-US" sz="2400" b="1" dirty="0"/>
+              <a:t>Step 1 </a:t>
+            </a:r>
+            <a:r>
+              <a:rPr lang="en-US" sz="2400" dirty="0"/>
+              <a:t>: Define the problem or question</a:t>
+            </a:r>
+          </a:p>
+          <a:p>
+            <a:r>
+              <a:rPr lang="en-US" sz="2400" b="1" dirty="0"/>
+              <a:t>Ans 1 : </a:t>
+            </a:r>
+            <a:r>
+              <a:rPr lang="en-US" sz="2400" dirty="0"/>
+              <a:t>Based on the credit card client data set –predict if the person is going to be defaulted next month or not</a:t>
+            </a:r>
+          </a:p>
+          <a:p>
+            <a:r>
+              <a:rPr lang="en-US" sz="2400" b="1" dirty="0"/>
+              <a:t>Step 2: </a:t>
+            </a:r>
+            <a:r>
+              <a:rPr lang="en-US" sz="2400" dirty="0"/>
+              <a:t>Find the data</a:t>
+            </a:r>
+          </a:p>
+          <a:p>
+            <a:r>
+              <a:rPr lang="en-US" sz="2400" b="1" dirty="0"/>
+              <a:t>Ans 2 </a:t>
+            </a:r>
+            <a:r>
+              <a:rPr lang="en-US" sz="2400" dirty="0"/>
+              <a:t>: Data from universal data Set as suggested by </a:t>
+            </a:r>
+            <a:r>
+              <a:rPr lang="en-US" sz="2400" dirty="0" err="1"/>
+              <a:t>Laks</a:t>
+            </a:r>
+            <a:endParaRPr lang="en-US" sz="2400" dirty="0"/>
+          </a:p>
+          <a:p>
+            <a:r>
+              <a:rPr lang="en-US" sz="2400" b="1" dirty="0"/>
+              <a:t>Step 3 &amp; 4 &amp; 5 : </a:t>
+            </a:r>
+            <a:r>
+              <a:rPr lang="en-US" sz="2400" dirty="0"/>
+              <a:t>Read , clean and EDA + Prepare the data</a:t>
+            </a:r>
+          </a:p>
+          <a:p>
+            <a:r>
+              <a:rPr lang="en-US" sz="2400" b="1" dirty="0"/>
+              <a:t>Ans 3 &amp; 4 &amp; 5 : </a:t>
+            </a:r>
+            <a:r>
+              <a:rPr lang="en-US" sz="2400" dirty="0"/>
+              <a:t>As per Mini Project 1 and above slides the data</a:t>
+            </a:r>
+          </a:p>
+          <a:p>
+            <a:r>
+              <a:rPr lang="en-US" sz="2400" b="1" dirty="0"/>
+              <a:t>Step 6 : </a:t>
+            </a:r>
+            <a:r>
+              <a:rPr lang="en-US" sz="2400" dirty="0"/>
+              <a:t>Modelling</a:t>
+            </a:r>
+          </a:p>
+          <a:p>
+            <a:r>
+              <a:rPr lang="en-US" sz="2400" b="1" dirty="0"/>
+              <a:t>Ans 6 : </a:t>
+            </a:r>
+            <a:r>
+              <a:rPr lang="en-US" sz="2400" dirty="0"/>
+              <a:t>Input features are all the columns because I am using </a:t>
+            </a:r>
+            <a:r>
+              <a:rPr lang="en-US" sz="2400" dirty="0" err="1"/>
+              <a:t>gridsearch</a:t>
+            </a:r>
+            <a:r>
+              <a:rPr lang="en-US" sz="2400" dirty="0"/>
+              <a:t> and hyperparameter tunning. Output variable </a:t>
+            </a:r>
+            <a:r>
+              <a:rPr lang="en-US" sz="2400" dirty="0" err="1"/>
+              <a:t>Def_Pay</a:t>
+            </a:r>
+            <a:r>
+              <a:rPr lang="en-US" sz="2400" dirty="0"/>
+              <a:t> 0 or 1 , which is Binary , hence used classification Models and used Supervised learning. Ran all the models we know so far and captured the results. </a:t>
+            </a:r>
+          </a:p>
+          <a:p>
+            <a:r>
+              <a:rPr lang="en-US" sz="2400" dirty="0"/>
+              <a:t>	</a:t>
+            </a:r>
+            <a:r>
+              <a:rPr lang="en-NZ" sz="2400" b="1" dirty="0"/>
+              <a:t>models = ['</a:t>
+            </a:r>
+            <a:r>
+              <a:rPr lang="en-NZ" sz="2400" b="1" dirty="0" err="1"/>
+              <a:t>LogisticRegression</a:t>
+            </a:r>
+            <a:r>
+              <a:rPr lang="en-NZ" sz="2400" b="1" dirty="0"/>
+              <a:t>', '</a:t>
+            </a:r>
+            <a:r>
+              <a:rPr lang="en-NZ" sz="2400" b="1" dirty="0" err="1"/>
+              <a:t>DecisionTree</a:t>
+            </a:r>
+            <a:r>
+              <a:rPr lang="en-NZ" sz="2400" b="1" dirty="0"/>
+              <a:t>', '</a:t>
+            </a:r>
+            <a:r>
+              <a:rPr lang="en-NZ" sz="2400" b="1" dirty="0" err="1"/>
+              <a:t>RandomForest</a:t>
+            </a:r>
+            <a:r>
+              <a:rPr lang="en-NZ" sz="2400" b="1" dirty="0"/>
+              <a:t>', '</a:t>
+            </a:r>
+            <a:r>
+              <a:rPr lang="en-NZ" sz="2400" b="1" dirty="0" err="1"/>
+              <a:t>KNeighbors</a:t>
+            </a:r>
+            <a:r>
+              <a:rPr lang="en-NZ" sz="2400" b="1" dirty="0"/>
+              <a:t>’, 	'AdaBoost', '</a:t>
+            </a:r>
+            <a:r>
+              <a:rPr lang="en-NZ" sz="2400" b="1" dirty="0" err="1"/>
+              <a:t>XGBoost</a:t>
+            </a:r>
+            <a:r>
+              <a:rPr lang="en-NZ" sz="2400" b="1" dirty="0"/>
+              <a:t>', 'Bagging', 'Stacking</a:t>
+            </a:r>
+            <a:r>
+              <a:rPr lang="en-NZ" sz="2400" dirty="0"/>
+              <a:t>']</a:t>
+            </a:r>
+          </a:p>
+        </p:txBody>
+      </p:sp>
+    </p:spTree>
+    <p:extLst>
+      <p:ext uri="{BB962C8B-B14F-4D97-AF65-F5344CB8AC3E}">
+        <p14:creationId xmlns:p14="http://schemas.microsoft.com/office/powerpoint/2010/main" val="144585572"/>
+      </p:ext>
+    </p:extLst>
+  </p:cSld>
+  <p:clrMapOvr>
+    <a:masterClrMapping/>
+  </p:clrMapOvr>
+</p:sld>
+</file>
+
+<file path=ppt/slides/slide14.xml><?xml version="1.0" encoding="utf-8"?>
+<p:sld xmlns:a="http://schemas.openxmlformats.org/drawingml/2006/main" xmlns:r="http://schemas.openxmlformats.org/officeDocument/2006/relationships" xmlns:p="http://schemas.openxmlformats.org/presentationml/2006/main">
+  <p:cSld>
+    <p:spTree>
+      <p:nvGrpSpPr>
+        <p:cNvPr id="1" name=""/>
+        <p:cNvGrpSpPr/>
+        <p:nvPr/>
+      </p:nvGrpSpPr>
+      <p:grpSpPr>
+        <a:xfrm>
+          <a:off x="0" y="0"/>
+          <a:ext cx="0" cy="0"/>
+          <a:chOff x="0" y="0"/>
+          <a:chExt cx="0" cy="0"/>
+        </a:xfrm>
+      </p:grpSpPr>
+      <p:sp>
+        <p:nvSpPr>
+          <p:cNvPr id="3" name="Title 1">
+            <a:extLst>
+              <a:ext uri="{FF2B5EF4-FFF2-40B4-BE49-F238E27FC236}">
+                <a16:creationId xmlns:a16="http://schemas.microsoft.com/office/drawing/2014/main" id="{374877E5-C7B9-52A7-FF01-34D543D76636}"/>
+              </a:ext>
+            </a:extLst>
+          </p:cNvPr>
+          <p:cNvSpPr txBox="1">
+            <a:spLocks/>
+          </p:cNvSpPr>
+          <p:nvPr/>
+        </p:nvSpPr>
+        <p:spPr>
+          <a:xfrm>
+            <a:off x="306572" y="258898"/>
+            <a:ext cx="12469091" cy="464215"/>
+          </a:xfrm>
+          <a:prstGeom prst="rect">
+            <a:avLst/>
+          </a:prstGeom>
+        </p:spPr>
+        <p:txBody>
+          <a:bodyPr vert="horz" lIns="91440" tIns="45720" rIns="91440" bIns="45720" rtlCol="0" anchor="b">
+            <a:normAutofit fontScale="82500" lnSpcReduction="20000"/>
+          </a:bodyPr>
+          <a:lstStyle>
+            <a:lvl1pPr algn="ctr" defTabSz="914400" rtl="0" eaLnBrk="1" latinLnBrk="0" hangingPunct="1">
+              <a:lnSpc>
+                <a:spcPct val="90000"/>
+              </a:lnSpc>
+              <a:spcBef>
+                <a:spcPct val="0"/>
+              </a:spcBef>
+              <a:buNone/>
+              <a:defRPr sz="6000" kern="1200">
+                <a:solidFill>
+                  <a:schemeClr val="tx1"/>
+                </a:solidFill>
+                <a:latin typeface="+mj-lt"/>
+                <a:ea typeface="+mj-ea"/>
+                <a:cs typeface="+mj-cs"/>
+              </a:defRPr>
+            </a:lvl1pPr>
+          </a:lstStyle>
+          <a:p>
+            <a:pPr algn="l"/>
+            <a:r>
+              <a:rPr lang="en-US" sz="3600" b="1" dirty="0" err="1"/>
+              <a:t>LogisticRegression</a:t>
+            </a:r>
+            <a:endParaRPr lang="en-US" sz="3600" b="1" dirty="0"/>
+          </a:p>
+        </p:txBody>
+      </p:sp>
+      <p:pic>
+        <p:nvPicPr>
+          <p:cNvPr id="2" name="Picture 1">
+            <a:extLst>
+              <a:ext uri="{FF2B5EF4-FFF2-40B4-BE49-F238E27FC236}">
+                <a16:creationId xmlns:a16="http://schemas.microsoft.com/office/drawing/2014/main" id="{7EFAA2E7-161D-F1B5-D4EB-8DC4F096751D}"/>
+              </a:ext>
+            </a:extLst>
+          </p:cNvPr>
+          <p:cNvPicPr>
+            <a:picLocks noChangeAspect="1"/>
+          </p:cNvPicPr>
+          <p:nvPr/>
+        </p:nvPicPr>
+        <p:blipFill>
+          <a:blip r:embed="rId3"/>
+          <a:stretch>
+            <a:fillRect/>
+          </a:stretch>
+        </p:blipFill>
+        <p:spPr>
+          <a:xfrm>
+            <a:off x="242854" y="856343"/>
+            <a:ext cx="4007538" cy="3133344"/>
+          </a:xfrm>
+          <a:prstGeom prst="rect">
+            <a:avLst/>
+          </a:prstGeom>
+          <a:ln>
+            <a:solidFill>
+              <a:schemeClr val="accent1"/>
+            </a:solidFill>
+          </a:ln>
+        </p:spPr>
+      </p:pic>
+      <p:pic>
+        <p:nvPicPr>
+          <p:cNvPr id="4" name="Picture 3">
+            <a:extLst>
+              <a:ext uri="{FF2B5EF4-FFF2-40B4-BE49-F238E27FC236}">
+                <a16:creationId xmlns:a16="http://schemas.microsoft.com/office/drawing/2014/main" id="{0EF0A784-700C-574F-CFDB-032A160881BF}"/>
+              </a:ext>
+            </a:extLst>
+          </p:cNvPr>
+          <p:cNvPicPr>
+            <a:picLocks noChangeAspect="1"/>
+          </p:cNvPicPr>
+          <p:nvPr/>
+        </p:nvPicPr>
+        <p:blipFill>
+          <a:blip r:embed="rId4"/>
+          <a:stretch>
+            <a:fillRect/>
+          </a:stretch>
+        </p:blipFill>
+        <p:spPr>
+          <a:xfrm>
+            <a:off x="5073724" y="891328"/>
+            <a:ext cx="4007538" cy="2979964"/>
+          </a:xfrm>
+          <a:prstGeom prst="rect">
+            <a:avLst/>
+          </a:prstGeom>
+          <a:ln>
+            <a:solidFill>
+              <a:schemeClr val="accent1"/>
+            </a:solidFill>
+          </a:ln>
+        </p:spPr>
+      </p:pic>
+      <p:pic>
+        <p:nvPicPr>
+          <p:cNvPr id="5" name="Picture 4">
+            <a:extLst>
+              <a:ext uri="{FF2B5EF4-FFF2-40B4-BE49-F238E27FC236}">
+                <a16:creationId xmlns:a16="http://schemas.microsoft.com/office/drawing/2014/main" id="{CC744D5B-7992-5530-0DD9-43A659A2FB9C}"/>
+              </a:ext>
+            </a:extLst>
+          </p:cNvPr>
+          <p:cNvPicPr>
+            <a:picLocks noChangeAspect="1"/>
+          </p:cNvPicPr>
+          <p:nvPr/>
+        </p:nvPicPr>
+        <p:blipFill>
+          <a:blip r:embed="rId5"/>
+          <a:stretch>
+            <a:fillRect/>
+          </a:stretch>
+        </p:blipFill>
+        <p:spPr>
+          <a:xfrm>
+            <a:off x="193034" y="4039507"/>
+            <a:ext cx="4318334" cy="2818493"/>
+          </a:xfrm>
+          <a:prstGeom prst="rect">
+            <a:avLst/>
+          </a:prstGeom>
+          <a:ln>
+            <a:solidFill>
+              <a:schemeClr val="accent1"/>
+            </a:solidFill>
+          </a:ln>
+        </p:spPr>
+      </p:pic>
+    </p:spTree>
+    <p:extLst>
+      <p:ext uri="{BB962C8B-B14F-4D97-AF65-F5344CB8AC3E}">
+        <p14:creationId xmlns:p14="http://schemas.microsoft.com/office/powerpoint/2010/main" val="3512240919"/>
       </p:ext>
     </p:extLst>
   </p:cSld>

--- a/Mini-Project.pptx
+++ b/Mini-Project.pptx
@@ -5,7 +5,7 @@
     <p:sldMasterId id="2147483660" r:id="rId1"/>
   </p:sldMasterIdLst>
   <p:notesMasterIdLst>
-    <p:notesMasterId r:id="rId26"/>
+    <p:notesMasterId r:id="rId28"/>
   </p:notesMasterIdLst>
   <p:sldIdLst>
     <p:sldId id="256" r:id="rId2"/>
@@ -32,6 +32,8 @@
     <p:sldId id="278" r:id="rId23"/>
     <p:sldId id="279" r:id="rId24"/>
     <p:sldId id="280" r:id="rId25"/>
+    <p:sldId id="281" r:id="rId26"/>
+    <p:sldId id="282" r:id="rId27"/>
   </p:sldIdLst>
   <p:sldSz cx="12192000" cy="6858000"/>
   <p:notesSz cx="6858000" cy="9144000"/>
@@ -4004,7 +4006,7 @@
           <a:p>
             <a:fld id="{BC0EFADE-73B6-2446-AB9D-1234C578992C}" type="datetimeFigureOut">
               <a:rPr lang="en-US" smtClean="0"/>
-              <a:t>8/10/24</a:t>
+              <a:t>8/12/24</a:t>
             </a:fld>
             <a:endParaRPr lang="en-US"/>
           </a:p>
@@ -10111,7 +10113,7 @@
           <a:p>
             <a:fld id="{48A87A34-81AB-432B-8DAE-1953F412C126}" type="datetimeFigureOut">
               <a:rPr lang="en-US" smtClean="0"/>
-              <a:t>8/10/24</a:t>
+              <a:t>8/12/24</a:t>
             </a:fld>
             <a:endParaRPr lang="en-US" dirty="0"/>
           </a:p>
@@ -10281,7 +10283,7 @@
           <a:p>
             <a:fld id="{48A87A34-81AB-432B-8DAE-1953F412C126}" type="datetimeFigureOut">
               <a:rPr lang="en-US" smtClean="0"/>
-              <a:t>8/10/24</a:t>
+              <a:t>8/12/24</a:t>
             </a:fld>
             <a:endParaRPr lang="en-US" dirty="0"/>
           </a:p>
@@ -10461,7 +10463,7 @@
           <a:p>
             <a:fld id="{48A87A34-81AB-432B-8DAE-1953F412C126}" type="datetimeFigureOut">
               <a:rPr lang="en-US" smtClean="0"/>
-              <a:t>8/10/24</a:t>
+              <a:t>8/12/24</a:t>
             </a:fld>
             <a:endParaRPr lang="en-US" dirty="0"/>
           </a:p>
@@ -10631,7 +10633,7 @@
           <a:p>
             <a:fld id="{48A87A34-81AB-432B-8DAE-1953F412C126}" type="datetimeFigureOut">
               <a:rPr lang="en-US" smtClean="0"/>
-              <a:t>8/10/24</a:t>
+              <a:t>8/12/24</a:t>
             </a:fld>
             <a:endParaRPr lang="en-US" dirty="0"/>
           </a:p>
@@ -10877,7 +10879,7 @@
           <a:p>
             <a:fld id="{48A87A34-81AB-432B-8DAE-1953F412C126}" type="datetimeFigureOut">
               <a:rPr lang="en-US" smtClean="0"/>
-              <a:t>8/10/24</a:t>
+              <a:t>8/12/24</a:t>
             </a:fld>
             <a:endParaRPr lang="en-US" dirty="0"/>
           </a:p>
@@ -11109,7 +11111,7 @@
           <a:p>
             <a:fld id="{48A87A34-81AB-432B-8DAE-1953F412C126}" type="datetimeFigureOut">
               <a:rPr lang="en-US" smtClean="0"/>
-              <a:t>8/10/24</a:t>
+              <a:t>8/12/24</a:t>
             </a:fld>
             <a:endParaRPr lang="en-US" dirty="0"/>
           </a:p>
@@ -11476,7 +11478,7 @@
           <a:p>
             <a:fld id="{48A87A34-81AB-432B-8DAE-1953F412C126}" type="datetimeFigureOut">
               <a:rPr lang="en-US" smtClean="0"/>
-              <a:t>8/10/24</a:t>
+              <a:t>8/12/24</a:t>
             </a:fld>
             <a:endParaRPr lang="en-US" dirty="0"/>
           </a:p>
@@ -11594,7 +11596,7 @@
           <a:p>
             <a:fld id="{48A87A34-81AB-432B-8DAE-1953F412C126}" type="datetimeFigureOut">
               <a:rPr lang="en-US" smtClean="0"/>
-              <a:t>8/10/24</a:t>
+              <a:t>8/12/24</a:t>
             </a:fld>
             <a:endParaRPr lang="en-US" dirty="0"/>
           </a:p>
@@ -11689,7 +11691,7 @@
           <a:p>
             <a:fld id="{48A87A34-81AB-432B-8DAE-1953F412C126}" type="datetimeFigureOut">
               <a:rPr lang="en-US" smtClean="0"/>
-              <a:t>8/10/24</a:t>
+              <a:t>8/12/24</a:t>
             </a:fld>
             <a:endParaRPr lang="en-US" dirty="0"/>
           </a:p>
@@ -11966,7 +11968,7 @@
           <a:p>
             <a:fld id="{48A87A34-81AB-432B-8DAE-1953F412C126}" type="datetimeFigureOut">
               <a:rPr lang="en-US" smtClean="0"/>
-              <a:t>8/10/24</a:t>
+              <a:t>8/12/24</a:t>
             </a:fld>
             <a:endParaRPr lang="en-US" dirty="0"/>
           </a:p>
@@ -12224,7 +12226,7 @@
             <a:fld id="{48A87A34-81AB-432B-8DAE-1953F412C126}" type="datetimeFigureOut">
               <a:rPr lang="en-US" smtClean="0"/>
               <a:pPr/>
-              <a:t>8/10/24</a:t>
+              <a:t>8/12/24</a:t>
             </a:fld>
             <a:endParaRPr lang="en-US" dirty="0"/>
           </a:p>
@@ -12438,7 +12440,7 @@
             <a:fld id="{48A87A34-81AB-432B-8DAE-1953F412C126}" type="datetimeFigureOut">
               <a:rPr lang="en-US" smtClean="0"/>
               <a:pPr/>
-              <a:t>8/10/24</a:t>
+              <a:t>8/12/24</a:t>
             </a:fld>
             <a:endParaRPr lang="en-US" dirty="0"/>
           </a:p>
@@ -26421,7 +26423,7 @@
         </p:blipFill>
         <p:spPr>
           <a:xfrm>
-            <a:off x="182636" y="3522115"/>
+            <a:off x="182636" y="3369715"/>
             <a:ext cx="3792524" cy="3156017"/>
           </a:xfrm>
           <a:prstGeom prst="rect">
@@ -26792,7 +26794,7 @@
         </p:spPr>
         <p:txBody>
           <a:bodyPr vert="horz" lIns="91440" tIns="45720" rIns="91440" bIns="45720" rtlCol="0" anchor="ctr">
-            <a:normAutofit/>
+            <a:noAutofit/>
           </a:bodyPr>
           <a:lstStyle/>
           <a:p>
@@ -26805,7 +26807,7 @@
               </a:spcAft>
             </a:pPr>
             <a:r>
-              <a:rPr lang="en-US" sz="1400" dirty="0">
+              <a:rPr lang="en-US" sz="1550" dirty="0">
                 <a:effectLst/>
               </a:rPr>
               <a:t>Based on the analysis, here are the top two recommended models:</a:t>
@@ -26823,12 +26825,12 @@
               <a:buChar char="q"/>
             </a:pPr>
             <a:r>
-              <a:rPr lang="en-US" sz="1400" b="1" dirty="0">
+              <a:rPr lang="en-US" sz="1550" b="1" dirty="0">
                 <a:effectLst/>
               </a:rPr>
               <a:t>Random Forest</a:t>
             </a:r>
-            <a:endParaRPr lang="en-US" sz="1400" dirty="0">
+            <a:endParaRPr lang="en-US" sz="1550" dirty="0">
               <a:effectLst/>
             </a:endParaRPr>
           </a:p>
@@ -26848,13 +26850,13 @@
               </a:tabLst>
             </a:pPr>
             <a:r>
-              <a:rPr lang="en-US" sz="1400" b="1" dirty="0">
+              <a:rPr lang="en-US" sz="1550" b="1" dirty="0">
                 <a:effectLst/>
               </a:rPr>
               <a:t>Train/Test Accuracy</a:t>
             </a:r>
             <a:r>
-              <a:rPr lang="en-US" sz="1400" dirty="0">
+              <a:rPr lang="en-US" sz="1550" dirty="0">
                 <a:effectLst/>
               </a:rPr>
               <a:t>: 0.859/0.821 (Slight overfitting)</a:t>
@@ -26876,13 +26878,13 @@
               </a:tabLst>
             </a:pPr>
             <a:r>
-              <a:rPr lang="en-US" sz="1400" b="1" dirty="0">
+              <a:rPr lang="en-US" sz="1550" b="1" dirty="0">
                 <a:effectLst/>
               </a:rPr>
               <a:t>Precision/Recall/F1</a:t>
             </a:r>
             <a:r>
-              <a:rPr lang="en-US" sz="1400" dirty="0">
+              <a:rPr lang="en-US" sz="1550" dirty="0">
                 <a:effectLst/>
               </a:rPr>
               <a:t>: The F1 score on test data is 0.468, which is better than Logistic Regression and Decision Tree. Precision is decent, but recall could be better.</a:t>
@@ -26904,13 +26906,13 @@
               </a:tabLst>
             </a:pPr>
             <a:r>
-              <a:rPr lang="en-US" sz="1400" b="1" dirty="0">
+              <a:rPr lang="en-US" sz="1550" b="1" dirty="0">
                 <a:effectLst/>
               </a:rPr>
               <a:t>ROC AUC</a:t>
             </a:r>
             <a:r>
-              <a:rPr lang="en-US" sz="1400" dirty="0">
+              <a:rPr lang="en-US" sz="1550" dirty="0">
                 <a:effectLst/>
               </a:rPr>
               <a:t>: 0.774 (Good)</a:t>
@@ -26926,13 +26928,13 @@
               </a:spcAft>
             </a:pPr>
             <a:r>
-              <a:rPr lang="en-US" sz="1400" b="1" dirty="0">
+              <a:rPr lang="en-US" sz="1550" b="1" dirty="0">
                 <a:effectLst/>
               </a:rPr>
               <a:t>Why Recommend?</a:t>
             </a:r>
             <a:r>
-              <a:rPr lang="en-US" sz="1400" dirty="0">
+              <a:rPr lang="en-US" sz="1550" dirty="0">
                 <a:effectLst/>
               </a:rPr>
               <a:t> Random Forest offers a strong balance of accuracy, precision, and recall with minimal overfitting. It provides the best F1 score and a solid ROC AUC, indicating it generalizes well to the test data.</a:t>
@@ -26950,12 +26952,12 @@
               <a:buChar char="q"/>
             </a:pPr>
             <a:r>
-              <a:rPr lang="en-US" sz="1400" b="1" dirty="0" err="1">
+              <a:rPr lang="en-US" sz="1550" b="1" dirty="0" err="1">
                 <a:effectLst/>
               </a:rPr>
               <a:t>XGBoost</a:t>
             </a:r>
-            <a:endParaRPr lang="en-US" sz="1400" dirty="0">
+            <a:endParaRPr lang="en-US" sz="1550" dirty="0">
               <a:effectLst/>
             </a:endParaRPr>
           </a:p>
@@ -26975,13 +26977,13 @@
               </a:tabLst>
             </a:pPr>
             <a:r>
-              <a:rPr lang="en-US" sz="1400" b="1" dirty="0">
+              <a:rPr lang="en-US" sz="1550" b="1" dirty="0">
                 <a:effectLst/>
               </a:rPr>
               <a:t>Train/Test Accuracy</a:t>
             </a:r>
             <a:r>
-              <a:rPr lang="en-US" sz="1400" dirty="0">
+              <a:rPr lang="en-US" sz="1550" dirty="0">
                 <a:effectLst/>
               </a:rPr>
               <a:t>: 0.827/0.820 (Minimal overfitting)</a:t>
@@ -27003,13 +27005,13 @@
               </a:tabLst>
             </a:pPr>
             <a:r>
-              <a:rPr lang="en-US" sz="1400" b="1" dirty="0">
+              <a:rPr lang="en-US" sz="1550" b="1" dirty="0">
                 <a:effectLst/>
               </a:rPr>
               <a:t>Precision/Recall/F1</a:t>
             </a:r>
             <a:r>
-              <a:rPr lang="en-US" sz="1400" dirty="0">
+              <a:rPr lang="en-US" sz="1550" dirty="0">
                 <a:effectLst/>
               </a:rPr>
               <a:t>: The F1 score on test data is 0.458, which is slightly lower than Random Forest but still strong. It maintains a good balance between precision and recall.</a:t>
@@ -27031,13 +27033,13 @@
               </a:tabLst>
             </a:pPr>
             <a:r>
-              <a:rPr lang="en-US" sz="1400" b="1" dirty="0">
+              <a:rPr lang="en-US" sz="1550" b="1" dirty="0">
                 <a:effectLst/>
               </a:rPr>
               <a:t>ROC AUC</a:t>
             </a:r>
             <a:r>
-              <a:rPr lang="en-US" sz="1400" dirty="0">
+              <a:rPr lang="en-US" sz="1550" dirty="0">
                 <a:effectLst/>
               </a:rPr>
               <a:t>: 0.778 (Good)</a:t>
@@ -27053,25 +27055,25 @@
               </a:spcAft>
             </a:pPr>
             <a:r>
-              <a:rPr lang="en-US" sz="1400" b="1" dirty="0">
+              <a:rPr lang="en-US" sz="1550" b="1" dirty="0">
                 <a:effectLst/>
               </a:rPr>
               <a:t>Why Recommend?</a:t>
             </a:r>
             <a:r>
-              <a:rPr lang="en-US" sz="1400" dirty="0">
+              <a:rPr lang="en-US" sz="1550" dirty="0">
                 <a:effectLst/>
               </a:rPr>
               <a:t> </a:t>
             </a:r>
             <a:r>
-              <a:rPr lang="en-US" sz="1400" dirty="0" err="1">
+              <a:rPr lang="en-US" sz="1550" dirty="0" err="1">
                 <a:effectLst/>
               </a:rPr>
               <a:t>XGBoost</a:t>
             </a:r>
             <a:r>
-              <a:rPr lang="en-US" sz="1400" dirty="0">
+              <a:rPr lang="en-US" sz="1550" dirty="0">
                 <a:effectLst/>
               </a:rPr>
               <a:t> is another top-performing model with a strong ROC AUC and minimal overfitting. While its F1 score is slightly lower than that of Random Forest, its high ROC AUC indicates excellent predictive power and robustness.</a:t>
@@ -27089,12 +27091,12 @@
               <a:buChar char="v"/>
             </a:pPr>
             <a:r>
-              <a:rPr lang="en-US" sz="1400" b="1" dirty="0">
+              <a:rPr lang="en-US" sz="1550" b="1" dirty="0">
                 <a:effectLst/>
               </a:rPr>
               <a:t>Final Recommendation:</a:t>
             </a:r>
-            <a:endParaRPr lang="en-US" sz="1400" dirty="0">
+            <a:endParaRPr lang="en-US" sz="1550" dirty="0">
               <a:effectLst/>
             </a:endParaRPr>
           </a:p>
@@ -27105,13 +27107,13 @@
               </a:lnSpc>
             </a:pPr>
             <a:r>
-              <a:rPr lang="en-US" sz="1400" dirty="0">
+              <a:rPr lang="en-US" sz="1550" dirty="0">
                 <a:effectLst/>
               </a:rPr>
               <a:t>If you need to choose between these two, </a:t>
             </a:r>
             <a:r>
-              <a:rPr lang="en-US" sz="1400" b="1" dirty="0">
+              <a:rPr lang="en-US" sz="1550" b="1" dirty="0">
                 <a:effectLst/>
                 <a:highlight>
                   <a:srgbClr val="FFFF00"/>
@@ -27120,7 +27122,7 @@
               <a:t>Random Forest</a:t>
             </a:r>
             <a:r>
-              <a:rPr lang="en-US" sz="1400" dirty="0">
+              <a:rPr lang="en-US" sz="1550" dirty="0">
                 <a:effectLst/>
                 <a:highlight>
                   <a:srgbClr val="FFFF00"/>
@@ -27129,24 +27131,24 @@
               <a:t> is slightly preferable </a:t>
             </a:r>
             <a:r>
-              <a:rPr lang="en-US" sz="1400" dirty="0">
+              <a:rPr lang="en-US" sz="1550" dirty="0">
                 <a:effectLst/>
               </a:rPr>
               <a:t>for its higher F1 score, making it the top recommendation. However, </a:t>
             </a:r>
             <a:r>
-              <a:rPr lang="en-US" sz="1400" b="1" dirty="0" err="1">
+              <a:rPr lang="en-US" sz="1550" b="1" dirty="0" err="1">
                 <a:effectLst/>
               </a:rPr>
               <a:t>XGBoost</a:t>
             </a:r>
             <a:r>
-              <a:rPr lang="en-US" sz="1400" dirty="0">
+              <a:rPr lang="en-US" sz="1550" dirty="0">
                 <a:effectLst/>
               </a:rPr>
               <a:t> is a close second, </a:t>
             </a:r>
-            <a:endParaRPr lang="en-US" sz="1400" dirty="0"/>
+            <a:endParaRPr lang="en-US" sz="1550" dirty="0"/>
           </a:p>
         </p:txBody>
       </p:sp>
@@ -27154,6 +27156,220 @@
     <p:extLst>
       <p:ext uri="{BB962C8B-B14F-4D97-AF65-F5344CB8AC3E}">
         <p14:creationId xmlns:p14="http://schemas.microsoft.com/office/powerpoint/2010/main" val="2330301651"/>
+      </p:ext>
+    </p:extLst>
+  </p:cSld>
+  <p:clrMapOvr>
+    <a:masterClrMapping/>
+  </p:clrMapOvr>
+</p:sld>
+</file>
+
+<file path=ppt/slides/slide25.xml><?xml version="1.0" encoding="utf-8"?>
+<p:sld xmlns:a="http://schemas.openxmlformats.org/drawingml/2006/main" xmlns:r="http://schemas.openxmlformats.org/officeDocument/2006/relationships" xmlns:p="http://schemas.openxmlformats.org/presentationml/2006/main">
+  <p:cSld>
+    <p:spTree>
+      <p:nvGrpSpPr>
+        <p:cNvPr id="1" name=""/>
+        <p:cNvGrpSpPr/>
+        <p:nvPr/>
+      </p:nvGrpSpPr>
+      <p:grpSpPr>
+        <a:xfrm>
+          <a:off x="0" y="0"/>
+          <a:ext cx="0" cy="0"/>
+          <a:chOff x="0" y="0"/>
+          <a:chExt cx="0" cy="0"/>
+        </a:xfrm>
+      </p:grpSpPr>
+      <p:sp>
+        <p:nvSpPr>
+          <p:cNvPr id="2" name="Title 1">
+            <a:extLst>
+              <a:ext uri="{FF2B5EF4-FFF2-40B4-BE49-F238E27FC236}">
+                <a16:creationId xmlns:a16="http://schemas.microsoft.com/office/drawing/2014/main" id="{8A7D738D-9F90-FEFA-8B94-DF1EDC97D8F9}"/>
+              </a:ext>
+            </a:extLst>
+          </p:cNvPr>
+          <p:cNvSpPr>
+            <a:spLocks noGrp="1"/>
+          </p:cNvSpPr>
+          <p:nvPr>
+            <p:ph type="title"/>
+          </p:nvPr>
+        </p:nvSpPr>
+        <p:spPr>
+          <a:xfrm>
+            <a:off x="546100" y="2625725"/>
+            <a:ext cx="10515600" cy="1325563"/>
+          </a:xfrm>
+        </p:spPr>
+        <p:txBody>
+          <a:bodyPr/>
+          <a:lstStyle/>
+          <a:p>
+            <a:pPr algn="ctr"/>
+            <a:r>
+              <a:rPr lang="en-US"/>
+              <a:t>Appendix</a:t>
+            </a:r>
+          </a:p>
+        </p:txBody>
+      </p:sp>
+    </p:spTree>
+    <p:extLst>
+      <p:ext uri="{BB962C8B-B14F-4D97-AF65-F5344CB8AC3E}">
+        <p14:creationId xmlns:p14="http://schemas.microsoft.com/office/powerpoint/2010/main" val="1147818314"/>
+      </p:ext>
+    </p:extLst>
+  </p:cSld>
+  <p:clrMapOvr>
+    <a:masterClrMapping/>
+  </p:clrMapOvr>
+</p:sld>
+</file>
+
+<file path=ppt/slides/slide26.xml><?xml version="1.0" encoding="utf-8"?>
+<p:sld xmlns:a="http://schemas.openxmlformats.org/drawingml/2006/main" xmlns:r="http://schemas.openxmlformats.org/officeDocument/2006/relationships" xmlns:p="http://schemas.openxmlformats.org/presentationml/2006/main">
+  <p:cSld>
+    <p:spTree>
+      <p:nvGrpSpPr>
+        <p:cNvPr id="1" name=""/>
+        <p:cNvGrpSpPr/>
+        <p:nvPr/>
+      </p:nvGrpSpPr>
+      <p:grpSpPr>
+        <a:xfrm>
+          <a:off x="0" y="0"/>
+          <a:ext cx="0" cy="0"/>
+          <a:chOff x="0" y="0"/>
+          <a:chExt cx="0" cy="0"/>
+        </a:xfrm>
+      </p:grpSpPr>
+      <p:pic>
+        <p:nvPicPr>
+          <p:cNvPr id="4" name="Picture 3">
+            <a:extLst>
+              <a:ext uri="{FF2B5EF4-FFF2-40B4-BE49-F238E27FC236}">
+                <a16:creationId xmlns:a16="http://schemas.microsoft.com/office/drawing/2014/main" id="{D7A24CCB-97F9-D565-15F0-FE7822310B0E}"/>
+              </a:ext>
+            </a:extLst>
+          </p:cNvPr>
+          <p:cNvPicPr>
+            <a:picLocks noChangeAspect="1"/>
+          </p:cNvPicPr>
+          <p:nvPr/>
+        </p:nvPicPr>
+        <p:blipFill>
+          <a:blip r:embed="rId2"/>
+          <a:stretch>
+            <a:fillRect/>
+          </a:stretch>
+        </p:blipFill>
+        <p:spPr>
+          <a:xfrm>
+            <a:off x="21388" y="178939"/>
+            <a:ext cx="6052760" cy="2767461"/>
+          </a:xfrm>
+          <a:prstGeom prst="rect">
+            <a:avLst/>
+          </a:prstGeom>
+        </p:spPr>
+      </p:pic>
+      <p:pic>
+        <p:nvPicPr>
+          <p:cNvPr id="5" name="Picture 4">
+            <a:extLst>
+              <a:ext uri="{FF2B5EF4-FFF2-40B4-BE49-F238E27FC236}">
+                <a16:creationId xmlns:a16="http://schemas.microsoft.com/office/drawing/2014/main" id="{1D2C4D4E-81E3-ED0F-A50A-EDFFB5259BC2}"/>
+              </a:ext>
+            </a:extLst>
+          </p:cNvPr>
+          <p:cNvPicPr>
+            <a:picLocks noChangeAspect="1"/>
+          </p:cNvPicPr>
+          <p:nvPr/>
+        </p:nvPicPr>
+        <p:blipFill>
+          <a:blip r:embed="rId3"/>
+          <a:stretch>
+            <a:fillRect/>
+          </a:stretch>
+        </p:blipFill>
+        <p:spPr>
+          <a:xfrm>
+            <a:off x="6551215" y="178939"/>
+            <a:ext cx="5640785" cy="2937260"/>
+          </a:xfrm>
+          <a:prstGeom prst="rect">
+            <a:avLst/>
+          </a:prstGeom>
+        </p:spPr>
+      </p:pic>
+      <p:pic>
+        <p:nvPicPr>
+          <p:cNvPr id="6" name="Picture 5">
+            <a:extLst>
+              <a:ext uri="{FF2B5EF4-FFF2-40B4-BE49-F238E27FC236}">
+                <a16:creationId xmlns:a16="http://schemas.microsoft.com/office/drawing/2014/main" id="{36322726-A525-659C-A293-F10052A540BF}"/>
+              </a:ext>
+            </a:extLst>
+          </p:cNvPr>
+          <p:cNvPicPr>
+            <a:picLocks noChangeAspect="1"/>
+          </p:cNvPicPr>
+          <p:nvPr/>
+        </p:nvPicPr>
+        <p:blipFill>
+          <a:blip r:embed="rId4"/>
+          <a:stretch>
+            <a:fillRect/>
+          </a:stretch>
+        </p:blipFill>
+        <p:spPr>
+          <a:xfrm>
+            <a:off x="190499" y="3429000"/>
+            <a:ext cx="5814595" cy="2943995"/>
+          </a:xfrm>
+          <a:prstGeom prst="rect">
+            <a:avLst/>
+          </a:prstGeom>
+        </p:spPr>
+      </p:pic>
+      <p:pic>
+        <p:nvPicPr>
+          <p:cNvPr id="7" name="Picture 6">
+            <a:extLst>
+              <a:ext uri="{FF2B5EF4-FFF2-40B4-BE49-F238E27FC236}">
+                <a16:creationId xmlns:a16="http://schemas.microsoft.com/office/drawing/2014/main" id="{44712351-B3EF-836F-0812-32BEAC671510}"/>
+              </a:ext>
+            </a:extLst>
+          </p:cNvPr>
+          <p:cNvPicPr>
+            <a:picLocks noChangeAspect="1"/>
+          </p:cNvPicPr>
+          <p:nvPr/>
+        </p:nvPicPr>
+        <p:blipFill>
+          <a:blip r:embed="rId5"/>
+          <a:stretch>
+            <a:fillRect/>
+          </a:stretch>
+        </p:blipFill>
+        <p:spPr>
+          <a:xfrm>
+            <a:off x="6529827" y="3429000"/>
+            <a:ext cx="5662173" cy="2943995"/>
+          </a:xfrm>
+          <a:prstGeom prst="rect">
+            <a:avLst/>
+          </a:prstGeom>
+        </p:spPr>
+      </p:pic>
+    </p:spTree>
+    <p:extLst>
+      <p:ext uri="{BB962C8B-B14F-4D97-AF65-F5344CB8AC3E}">
+        <p14:creationId xmlns:p14="http://schemas.microsoft.com/office/powerpoint/2010/main" val="2092047516"/>
       </p:ext>
     </p:extLst>
   </p:cSld>

--- a/Mini-Project.pptx
+++ b/Mini-Project.pptx
@@ -891,7 +891,7 @@
 <dgm:dataModel xmlns:dgm="http://schemas.openxmlformats.org/drawingml/2006/diagram" xmlns:a="http://schemas.openxmlformats.org/drawingml/2006/main">
   <dgm:ptLst>
     <dgm:pt modelId="{41BB30CE-1459-4B17-955A-E7CA933E9ACC}" type="doc">
-      <dgm:prSet loTypeId="urn:microsoft.com/office/officeart/2005/8/layout/default" loCatId="list" qsTypeId="urn:microsoft.com/office/officeart/2005/8/quickstyle/simple1" qsCatId="simple" csTypeId="urn:microsoft.com/office/officeart/2005/8/colors/accent1_2" csCatId="accent1"/>
+      <dgm:prSet loTypeId="urn:microsoft.com/office/officeart/2005/8/layout/vList2" loCatId="list" qsTypeId="urn:microsoft.com/office/officeart/2005/8/quickstyle/simple1" qsCatId="simple" csTypeId="urn:microsoft.com/office/officeart/2005/8/colors/accent1_2" csCatId="accent1"/>
       <dgm:spPr/>
       <dgm:t>
         <a:bodyPr/>
@@ -1430,162 +1430,175 @@
         </a:p>
       </dgm:t>
     </dgm:pt>
-    <dgm:pt modelId="{DB82345D-A0C4-2B48-BA4B-991E6BCDB370}" type="pres">
-      <dgm:prSet presAssocID="{41BB30CE-1459-4B17-955A-E7CA933E9ACC}" presName="diagram" presStyleCnt="0">
+    <dgm:pt modelId="{29745F33-7723-B045-A42F-191CB54918FA}" type="pres">
+      <dgm:prSet presAssocID="{41BB30CE-1459-4B17-955A-E7CA933E9ACC}" presName="linear" presStyleCnt="0">
         <dgm:presLayoutVars>
-          <dgm:dir/>
+          <dgm:animLvl val="lvl"/>
           <dgm:resizeHandles val="exact"/>
         </dgm:presLayoutVars>
       </dgm:prSet>
       <dgm:spPr/>
     </dgm:pt>
-    <dgm:pt modelId="{67884B22-5FE0-1A43-A16B-3BFA2C1918AF}" type="pres">
-      <dgm:prSet presAssocID="{57D4DB22-258D-4182-A133-DA14CDCA6FDA}" presName="node" presStyleLbl="node1" presStyleIdx="0" presStyleCnt="13">
+    <dgm:pt modelId="{46C3C1EA-2BB9-CF4B-9CC8-E658DB560B36}" type="pres">
+      <dgm:prSet presAssocID="{57D4DB22-258D-4182-A133-DA14CDCA6FDA}" presName="parentText" presStyleLbl="node1" presStyleIdx="0" presStyleCnt="13">
         <dgm:presLayoutVars>
+          <dgm:chMax val="0"/>
           <dgm:bulletEnabled val="1"/>
         </dgm:presLayoutVars>
       </dgm:prSet>
       <dgm:spPr/>
     </dgm:pt>
-    <dgm:pt modelId="{22A7B899-6FDD-FB4D-9E8E-6B2B58C138E9}" type="pres">
-      <dgm:prSet presAssocID="{FA9EBA75-EA71-445D-9A07-BCA1F7414037}" presName="sibTrans" presStyleCnt="0"/>
+    <dgm:pt modelId="{C86C54E2-33BD-5444-8311-9B299999F9CB}" type="pres">
+      <dgm:prSet presAssocID="{FA9EBA75-EA71-445D-9A07-BCA1F7414037}" presName="spacer" presStyleCnt="0"/>
       <dgm:spPr/>
     </dgm:pt>
-    <dgm:pt modelId="{8567CC63-8E79-3A40-91F2-90393B3D5551}" type="pres">
-      <dgm:prSet presAssocID="{0336E198-9FA4-4B7E-A789-7275F179CD2D}" presName="node" presStyleLbl="node1" presStyleIdx="1" presStyleCnt="13">
+    <dgm:pt modelId="{49F06D37-6D69-724B-9E17-091687ACA2EC}" type="pres">
+      <dgm:prSet presAssocID="{0336E198-9FA4-4B7E-A789-7275F179CD2D}" presName="parentText" presStyleLbl="node1" presStyleIdx="1" presStyleCnt="13">
         <dgm:presLayoutVars>
+          <dgm:chMax val="0"/>
           <dgm:bulletEnabled val="1"/>
         </dgm:presLayoutVars>
       </dgm:prSet>
       <dgm:spPr/>
     </dgm:pt>
-    <dgm:pt modelId="{E92D8746-355B-FA4F-9D77-09D23FB04845}" type="pres">
-      <dgm:prSet presAssocID="{FB553566-D25E-45A4-9B25-A259C3838B55}" presName="sibTrans" presStyleCnt="0"/>
+    <dgm:pt modelId="{331834C4-8F1B-A745-B903-D4ECF3B0B570}" type="pres">
+      <dgm:prSet presAssocID="{FB553566-D25E-45A4-9B25-A259C3838B55}" presName="spacer" presStyleCnt="0"/>
       <dgm:spPr/>
     </dgm:pt>
-    <dgm:pt modelId="{6B68036B-00E0-3D40-A438-A7844D02EA83}" type="pres">
-      <dgm:prSet presAssocID="{27F1279C-1788-49EC-8723-DF5042A71FC3}" presName="node" presStyleLbl="node1" presStyleIdx="2" presStyleCnt="13">
+    <dgm:pt modelId="{994D11DF-D82A-AA43-9EF2-DA77FF626522}" type="pres">
+      <dgm:prSet presAssocID="{27F1279C-1788-49EC-8723-DF5042A71FC3}" presName="parentText" presStyleLbl="node1" presStyleIdx="2" presStyleCnt="13">
         <dgm:presLayoutVars>
+          <dgm:chMax val="0"/>
           <dgm:bulletEnabled val="1"/>
         </dgm:presLayoutVars>
       </dgm:prSet>
       <dgm:spPr/>
     </dgm:pt>
-    <dgm:pt modelId="{8EF588CC-1CDF-2442-BF2C-529E1CF89867}" type="pres">
-      <dgm:prSet presAssocID="{D28BAAE1-72C7-4D9A-82B2-713935F9CE41}" presName="sibTrans" presStyleCnt="0"/>
+    <dgm:pt modelId="{AEFE5FE1-9BD3-6C4E-9418-73D87FCCEB3C}" type="pres">
+      <dgm:prSet presAssocID="{D28BAAE1-72C7-4D9A-82B2-713935F9CE41}" presName="spacer" presStyleCnt="0"/>
       <dgm:spPr/>
     </dgm:pt>
-    <dgm:pt modelId="{8BC771E2-B528-974E-9BFF-43DEEBC251CA}" type="pres">
-      <dgm:prSet presAssocID="{CD8DBBE2-A201-4025-8C2B-38780E02F3FF}" presName="node" presStyleLbl="node1" presStyleIdx="3" presStyleCnt="13">
+    <dgm:pt modelId="{FF22FC89-4726-0E48-9186-9F6440353931}" type="pres">
+      <dgm:prSet presAssocID="{CD8DBBE2-A201-4025-8C2B-38780E02F3FF}" presName="parentText" presStyleLbl="node1" presStyleIdx="3" presStyleCnt="13">
         <dgm:presLayoutVars>
+          <dgm:chMax val="0"/>
           <dgm:bulletEnabled val="1"/>
         </dgm:presLayoutVars>
       </dgm:prSet>
       <dgm:spPr/>
     </dgm:pt>
-    <dgm:pt modelId="{7885D8CE-3618-214E-B166-4128F963AD93}" type="pres">
-      <dgm:prSet presAssocID="{7559903B-DC35-4DE5-BAE2-FBD8A3D21775}" presName="sibTrans" presStyleCnt="0"/>
+    <dgm:pt modelId="{E15ACCF6-FE7B-4144-8163-5FE3B437D708}" type="pres">
+      <dgm:prSet presAssocID="{7559903B-DC35-4DE5-BAE2-FBD8A3D21775}" presName="spacer" presStyleCnt="0"/>
       <dgm:spPr/>
     </dgm:pt>
-    <dgm:pt modelId="{3874479E-2F84-C54D-933F-D87C83AA1A0C}" type="pres">
-      <dgm:prSet presAssocID="{73AD44AB-06A8-4508-ACCD-9C8DE35E52FE}" presName="node" presStyleLbl="node1" presStyleIdx="4" presStyleCnt="13">
+    <dgm:pt modelId="{FDFF9BD5-BD3E-D040-961E-E6D2B98060A1}" type="pres">
+      <dgm:prSet presAssocID="{73AD44AB-06A8-4508-ACCD-9C8DE35E52FE}" presName="parentText" presStyleLbl="node1" presStyleIdx="4" presStyleCnt="13">
         <dgm:presLayoutVars>
+          <dgm:chMax val="0"/>
           <dgm:bulletEnabled val="1"/>
         </dgm:presLayoutVars>
       </dgm:prSet>
       <dgm:spPr/>
     </dgm:pt>
-    <dgm:pt modelId="{65C8F5B9-811E-A346-8F3B-E2442011A3DA}" type="pres">
-      <dgm:prSet presAssocID="{B1240960-F248-4A5C-97DB-FEBB9B150E2E}" presName="sibTrans" presStyleCnt="0"/>
+    <dgm:pt modelId="{97464976-322E-5B41-814C-B16599E10CF4}" type="pres">
+      <dgm:prSet presAssocID="{B1240960-F248-4A5C-97DB-FEBB9B150E2E}" presName="spacer" presStyleCnt="0"/>
       <dgm:spPr/>
     </dgm:pt>
-    <dgm:pt modelId="{434C3845-1C54-3E42-A45E-522EF38831F1}" type="pres">
-      <dgm:prSet presAssocID="{5ED9FFCC-7395-448A-B031-65EEC2FB4ED6}" presName="node" presStyleLbl="node1" presStyleIdx="5" presStyleCnt="13">
+    <dgm:pt modelId="{340C4317-C845-0D40-8211-E8F86B2E9F71}" type="pres">
+      <dgm:prSet presAssocID="{5ED9FFCC-7395-448A-B031-65EEC2FB4ED6}" presName="parentText" presStyleLbl="node1" presStyleIdx="5" presStyleCnt="13">
         <dgm:presLayoutVars>
+          <dgm:chMax val="0"/>
           <dgm:bulletEnabled val="1"/>
         </dgm:presLayoutVars>
       </dgm:prSet>
       <dgm:spPr/>
     </dgm:pt>
-    <dgm:pt modelId="{16FB592C-F384-644E-A43A-71BFBD12932A}" type="pres">
-      <dgm:prSet presAssocID="{2C6E1D96-3632-4EAA-BBFA-A1B3673DD4BD}" presName="sibTrans" presStyleCnt="0"/>
+    <dgm:pt modelId="{785C5C22-34A1-0E46-9043-9E1A50026001}" type="pres">
+      <dgm:prSet presAssocID="{2C6E1D96-3632-4EAA-BBFA-A1B3673DD4BD}" presName="spacer" presStyleCnt="0"/>
       <dgm:spPr/>
     </dgm:pt>
-    <dgm:pt modelId="{9A81EBFE-1DD1-0A48-8E53-D7E1DFC7CEA6}" type="pres">
-      <dgm:prSet presAssocID="{A8D03CD0-8AA8-4087-9DB9-7C7A17BA2E0B}" presName="node" presStyleLbl="node1" presStyleIdx="6" presStyleCnt="13">
+    <dgm:pt modelId="{5FD97B0C-D859-954E-B3F7-A4FE3B762F8E}" type="pres">
+      <dgm:prSet presAssocID="{A8D03CD0-8AA8-4087-9DB9-7C7A17BA2E0B}" presName="parentText" presStyleLbl="node1" presStyleIdx="6" presStyleCnt="13">
         <dgm:presLayoutVars>
+          <dgm:chMax val="0"/>
           <dgm:bulletEnabled val="1"/>
         </dgm:presLayoutVars>
       </dgm:prSet>
       <dgm:spPr/>
     </dgm:pt>
-    <dgm:pt modelId="{23DF844A-808A-094F-B482-E9D0DACB6CF8}" type="pres">
-      <dgm:prSet presAssocID="{E41075B2-3D27-46C1-AE41-7004EE09E8DE}" presName="sibTrans" presStyleCnt="0"/>
+    <dgm:pt modelId="{28E934C9-F930-B344-8D5C-B30ECCCE037D}" type="pres">
+      <dgm:prSet presAssocID="{E41075B2-3D27-46C1-AE41-7004EE09E8DE}" presName="spacer" presStyleCnt="0"/>
       <dgm:spPr/>
     </dgm:pt>
-    <dgm:pt modelId="{3C89D5A4-DC6B-EA40-898C-2E8D4CE9C31A}" type="pres">
-      <dgm:prSet presAssocID="{9B77429B-7CF1-4CDE-8F07-A2743B6926AF}" presName="node" presStyleLbl="node1" presStyleIdx="7" presStyleCnt="13">
+    <dgm:pt modelId="{D9B795EC-5DA9-8042-9D5A-4A7E66BA53D0}" type="pres">
+      <dgm:prSet presAssocID="{9B77429B-7CF1-4CDE-8F07-A2743B6926AF}" presName="parentText" presStyleLbl="node1" presStyleIdx="7" presStyleCnt="13">
         <dgm:presLayoutVars>
+          <dgm:chMax val="0"/>
           <dgm:bulletEnabled val="1"/>
         </dgm:presLayoutVars>
       </dgm:prSet>
       <dgm:spPr/>
     </dgm:pt>
-    <dgm:pt modelId="{CACCE0C9-F3F8-0744-BBAF-03C524C3AF6D}" type="pres">
-      <dgm:prSet presAssocID="{578A9707-B268-4730-ACE6-7B6EE781BCAD}" presName="sibTrans" presStyleCnt="0"/>
+    <dgm:pt modelId="{6EAF3FEC-D326-1F4A-AA3A-EFF9BF857718}" type="pres">
+      <dgm:prSet presAssocID="{578A9707-B268-4730-ACE6-7B6EE781BCAD}" presName="spacer" presStyleCnt="0"/>
       <dgm:spPr/>
     </dgm:pt>
-    <dgm:pt modelId="{50A8773C-3956-384E-B941-FD5971ACE110}" type="pres">
-      <dgm:prSet presAssocID="{6F9704C4-69EA-4054-8355-F78D993C703F}" presName="node" presStyleLbl="node1" presStyleIdx="8" presStyleCnt="13">
+    <dgm:pt modelId="{2C6881B5-28A9-2F41-BD70-434A0F8D7BA7}" type="pres">
+      <dgm:prSet presAssocID="{6F9704C4-69EA-4054-8355-F78D993C703F}" presName="parentText" presStyleLbl="node1" presStyleIdx="8" presStyleCnt="13">
         <dgm:presLayoutVars>
+          <dgm:chMax val="0"/>
           <dgm:bulletEnabled val="1"/>
         </dgm:presLayoutVars>
       </dgm:prSet>
       <dgm:spPr/>
     </dgm:pt>
-    <dgm:pt modelId="{BDA8C402-97E3-F74D-AB12-4C4D5E709B9C}" type="pres">
-      <dgm:prSet presAssocID="{D60F8723-B4DA-4D3E-8274-29A854023EA8}" presName="sibTrans" presStyleCnt="0"/>
+    <dgm:pt modelId="{1F160858-AD30-2B47-B886-D976411D46D0}" type="pres">
+      <dgm:prSet presAssocID="{D60F8723-B4DA-4D3E-8274-29A854023EA8}" presName="spacer" presStyleCnt="0"/>
       <dgm:spPr/>
     </dgm:pt>
-    <dgm:pt modelId="{6F77F3B8-D3C4-034B-A64B-808911733E62}" type="pres">
-      <dgm:prSet presAssocID="{11C37819-BA2C-45A3-A745-B11C637A9524}" presName="node" presStyleLbl="node1" presStyleIdx="9" presStyleCnt="13">
+    <dgm:pt modelId="{E247E583-3C22-024F-B70E-4EBDBCEBEDEE}" type="pres">
+      <dgm:prSet presAssocID="{11C37819-BA2C-45A3-A745-B11C637A9524}" presName="parentText" presStyleLbl="node1" presStyleIdx="9" presStyleCnt="13">
         <dgm:presLayoutVars>
+          <dgm:chMax val="0"/>
           <dgm:bulletEnabled val="1"/>
         </dgm:presLayoutVars>
       </dgm:prSet>
       <dgm:spPr/>
     </dgm:pt>
-    <dgm:pt modelId="{147F1D96-4DB5-0448-9725-F51801EEBFD3}" type="pres">
-      <dgm:prSet presAssocID="{B66D9DD4-D985-4832-868F-DE02EF32FDC7}" presName="sibTrans" presStyleCnt="0"/>
+    <dgm:pt modelId="{8070D0D9-01B6-AB43-AB60-61E90646958C}" type="pres">
+      <dgm:prSet presAssocID="{B66D9DD4-D985-4832-868F-DE02EF32FDC7}" presName="spacer" presStyleCnt="0"/>
       <dgm:spPr/>
     </dgm:pt>
-    <dgm:pt modelId="{41B9B5C4-E515-C947-9156-2C2893D3DC21}" type="pres">
-      <dgm:prSet presAssocID="{3C151ACA-DB7E-4641-B34D-24FF43393DE1}" presName="node" presStyleLbl="node1" presStyleIdx="10" presStyleCnt="13">
+    <dgm:pt modelId="{F294EFBA-D326-9747-B4C8-DD01ACDB5884}" type="pres">
+      <dgm:prSet presAssocID="{3C151ACA-DB7E-4641-B34D-24FF43393DE1}" presName="parentText" presStyleLbl="node1" presStyleIdx="10" presStyleCnt="13">
         <dgm:presLayoutVars>
+          <dgm:chMax val="0"/>
           <dgm:bulletEnabled val="1"/>
         </dgm:presLayoutVars>
       </dgm:prSet>
       <dgm:spPr/>
     </dgm:pt>
-    <dgm:pt modelId="{EAC7DE7A-CD95-7645-99AF-A46F07EEA1BC}" type="pres">
-      <dgm:prSet presAssocID="{AD3BE2D8-2863-49C6-899A-D490006C8D84}" presName="sibTrans" presStyleCnt="0"/>
+    <dgm:pt modelId="{35CE09A7-A4DF-2F40-ADAE-C29F794544F1}" type="pres">
+      <dgm:prSet presAssocID="{AD3BE2D8-2863-49C6-899A-D490006C8D84}" presName="spacer" presStyleCnt="0"/>
       <dgm:spPr/>
     </dgm:pt>
-    <dgm:pt modelId="{56DC2948-14D3-A745-964A-8641CE52B390}" type="pres">
-      <dgm:prSet presAssocID="{5A3695C2-2D59-4DA5-AB18-183DAB4D0321}" presName="node" presStyleLbl="node1" presStyleIdx="11" presStyleCnt="13">
+    <dgm:pt modelId="{856F7F4C-1430-FD46-82E7-DBF404C04AE0}" type="pres">
+      <dgm:prSet presAssocID="{5A3695C2-2D59-4DA5-AB18-183DAB4D0321}" presName="parentText" presStyleLbl="node1" presStyleIdx="11" presStyleCnt="13">
         <dgm:presLayoutVars>
+          <dgm:chMax val="0"/>
           <dgm:bulletEnabled val="1"/>
         </dgm:presLayoutVars>
       </dgm:prSet>
       <dgm:spPr/>
     </dgm:pt>
-    <dgm:pt modelId="{1D475B6D-9647-074A-8B05-357D9326A70E}" type="pres">
-      <dgm:prSet presAssocID="{F9905888-C7FF-4D3C-AA5C-DC430FE1EC29}" presName="sibTrans" presStyleCnt="0"/>
+    <dgm:pt modelId="{6E77AB02-C376-754C-964E-DE56D643F753}" type="pres">
+      <dgm:prSet presAssocID="{F9905888-C7FF-4D3C-AA5C-DC430FE1EC29}" presName="spacer" presStyleCnt="0"/>
       <dgm:spPr/>
     </dgm:pt>
-    <dgm:pt modelId="{4632A2E0-E050-7C44-AA47-EAFD8A0918C8}" type="pres">
-      <dgm:prSet presAssocID="{8C688DA0-9474-4B0A-A34A-763F480D5B5C}" presName="node" presStyleLbl="node1" presStyleIdx="12" presStyleCnt="13">
+    <dgm:pt modelId="{201E5DD9-ED03-5E48-BBBD-A14712C15100}" type="pres">
+      <dgm:prSet presAssocID="{8C688DA0-9474-4B0A-A34A-763F480D5B5C}" presName="parentText" presStyleLbl="node1" presStyleIdx="12" presStyleCnt="13">
         <dgm:presLayoutVars>
+          <dgm:chMax val="0"/>
           <dgm:bulletEnabled val="1"/>
         </dgm:presLayoutVars>
       </dgm:prSet>
@@ -1593,58 +1606,58 @@
     </dgm:pt>
   </dgm:ptLst>
   <dgm:cxnLst>
-    <dgm:cxn modelId="{0608E704-5E7A-A442-A0FD-13B06279A100}" type="presOf" srcId="{57D4DB22-258D-4182-A133-DA14CDCA6FDA}" destId="{67884B22-5FE0-1A43-A16B-3BFA2C1918AF}" srcOrd="0" destOrd="0" presId="urn:microsoft.com/office/officeart/2005/8/layout/default"/>
     <dgm:cxn modelId="{77F50505-5841-4E01-BB48-0E8857011784}" srcId="{41BB30CE-1459-4B17-955A-E7CA933E9ACC}" destId="{73AD44AB-06A8-4508-ACCD-9C8DE35E52FE}" srcOrd="4" destOrd="0" parTransId="{F7216A4D-CBB1-4C74-981C-6538A99307A4}" sibTransId="{B1240960-F248-4A5C-97DB-FEBB9B150E2E}"/>
     <dgm:cxn modelId="{3144B111-B100-4CD2-AA48-70305FB47025}" srcId="{41BB30CE-1459-4B17-955A-E7CA933E9ACC}" destId="{3C151ACA-DB7E-4641-B34D-24FF43393DE1}" srcOrd="10" destOrd="0" parTransId="{96A7F210-2619-421B-B43A-8C360E3F6C02}" sibTransId="{AD3BE2D8-2863-49C6-899A-D490006C8D84}"/>
-    <dgm:cxn modelId="{FD36581B-27D0-BA4E-81F4-C1636B5967A9}" type="presOf" srcId="{5ED9FFCC-7395-448A-B031-65EEC2FB4ED6}" destId="{434C3845-1C54-3E42-A45E-522EF38831F1}" srcOrd="0" destOrd="0" presId="urn:microsoft.com/office/officeart/2005/8/layout/default"/>
     <dgm:cxn modelId="{7F5E3720-597E-4045-9FF1-56E513D33445}" srcId="{41BB30CE-1459-4B17-955A-E7CA933E9ACC}" destId="{A8D03CD0-8AA8-4087-9DB9-7C7A17BA2E0B}" srcOrd="6" destOrd="0" parTransId="{B5324570-CA48-4279-AC98-DD08C4A83BED}" sibTransId="{E41075B2-3D27-46C1-AE41-7004EE09E8DE}"/>
-    <dgm:cxn modelId="{DB153B24-0586-8B4A-ABC2-A2FDC169FD3B}" type="presOf" srcId="{73AD44AB-06A8-4508-ACCD-9C8DE35E52FE}" destId="{3874479E-2F84-C54D-933F-D87C83AA1A0C}" srcOrd="0" destOrd="0" presId="urn:microsoft.com/office/officeart/2005/8/layout/default"/>
+    <dgm:cxn modelId="{7F237527-CE21-7645-8518-FA91AEB30DF7}" type="presOf" srcId="{6F9704C4-69EA-4054-8355-F78D993C703F}" destId="{2C6881B5-28A9-2F41-BD70-434A0F8D7BA7}" srcOrd="0" destOrd="0" presId="urn:microsoft.com/office/officeart/2005/8/layout/vList2"/>
     <dgm:cxn modelId="{FE4DF430-5D86-4C00-BF33-682CA063BAB1}" srcId="{41BB30CE-1459-4B17-955A-E7CA933E9ACC}" destId="{6F9704C4-69EA-4054-8355-F78D993C703F}" srcOrd="8" destOrd="0" parTransId="{092F6EC3-38E9-4FFB-8E6D-1F3BEE575026}" sibTransId="{D60F8723-B4DA-4D3E-8274-29A854023EA8}"/>
-    <dgm:cxn modelId="{04331C32-2ABC-FC42-9050-411508F78C6D}" type="presOf" srcId="{A8D03CD0-8AA8-4087-9DB9-7C7A17BA2E0B}" destId="{9A81EBFE-1DD1-0A48-8E53-D7E1DFC7CEA6}" srcOrd="0" destOrd="0" presId="urn:microsoft.com/office/officeart/2005/8/layout/default"/>
-    <dgm:cxn modelId="{44D39442-0CDD-A449-A64C-ECBB0CC1AC98}" type="presOf" srcId="{5A3695C2-2D59-4DA5-AB18-183DAB4D0321}" destId="{56DC2948-14D3-A745-964A-8641CE52B390}" srcOrd="0" destOrd="0" presId="urn:microsoft.com/office/officeart/2005/8/layout/default"/>
-    <dgm:cxn modelId="{8382E243-AE7A-F540-B2E3-2E5891DF9D1D}" type="presOf" srcId="{9B77429B-7CF1-4CDE-8F07-A2743B6926AF}" destId="{3C89D5A4-DC6B-EA40-898C-2E8D4CE9C31A}" srcOrd="0" destOrd="0" presId="urn:microsoft.com/office/officeart/2005/8/layout/default"/>
+    <dgm:cxn modelId="{0F6EB444-C1AD-3745-80AD-B48F34C2946F}" type="presOf" srcId="{0336E198-9FA4-4B7E-A789-7275F179CD2D}" destId="{49F06D37-6D69-724B-9E17-091687ACA2EC}" srcOrd="0" destOrd="0" presId="urn:microsoft.com/office/officeart/2005/8/layout/vList2"/>
     <dgm:cxn modelId="{33E0524A-EF16-4DD8-B578-2B3171AFCA5C}" srcId="{41BB30CE-1459-4B17-955A-E7CA933E9ACC}" destId="{8C688DA0-9474-4B0A-A34A-763F480D5B5C}" srcOrd="12" destOrd="0" parTransId="{D13AFD2D-B841-4877-B49E-8169EFC5DA20}" sibTransId="{EED4AF74-6CA0-49FA-9C3A-13ACB291F444}"/>
-    <dgm:cxn modelId="{8D3B964B-3B62-224F-80A0-DD86C6C8563E}" type="presOf" srcId="{41BB30CE-1459-4B17-955A-E7CA933E9ACC}" destId="{DB82345D-A0C4-2B48-BA4B-991E6BCDB370}" srcOrd="0" destOrd="0" presId="urn:microsoft.com/office/officeart/2005/8/layout/default"/>
     <dgm:cxn modelId="{B254CE53-C8E5-4532-99B7-3459E916AF5C}" srcId="{41BB30CE-1459-4B17-955A-E7CA933E9ACC}" destId="{5ED9FFCC-7395-448A-B031-65EEC2FB4ED6}" srcOrd="5" destOrd="0" parTransId="{125391FF-EB53-4890-AEA0-31204C5F2E51}" sibTransId="{2C6E1D96-3632-4EAA-BBFA-A1B3673DD4BD}"/>
     <dgm:cxn modelId="{9BA66B55-47DD-452B-98D4-7CBCFBE6CD56}" srcId="{41BB30CE-1459-4B17-955A-E7CA933E9ACC}" destId="{11C37819-BA2C-45A3-A745-B11C637A9524}" srcOrd="9" destOrd="0" parTransId="{A24E84DB-D224-4D43-BD24-51D17C38FCA5}" sibTransId="{B66D9DD4-D985-4832-868F-DE02EF32FDC7}"/>
-    <dgm:cxn modelId="{172C9157-A3D9-8C4D-AE34-B3570ED482BE}" type="presOf" srcId="{3C151ACA-DB7E-4641-B34D-24FF43393DE1}" destId="{41B9B5C4-E515-C947-9156-2C2893D3DC21}" srcOrd="0" destOrd="0" presId="urn:microsoft.com/office/officeart/2005/8/layout/default"/>
-    <dgm:cxn modelId="{357FAB5A-FCC0-824F-BDC3-BA94046E705D}" type="presOf" srcId="{0336E198-9FA4-4B7E-A789-7275F179CD2D}" destId="{8567CC63-8E79-3A40-91F2-90393B3D5551}" srcOrd="0" destOrd="0" presId="urn:microsoft.com/office/officeart/2005/8/layout/default"/>
-    <dgm:cxn modelId="{676DB45E-9AB6-F740-966A-8916DD5ABB3A}" type="presOf" srcId="{8C688DA0-9474-4B0A-A34A-763F480D5B5C}" destId="{4632A2E0-E050-7C44-AA47-EAFD8A0918C8}" srcOrd="0" destOrd="0" presId="urn:microsoft.com/office/officeart/2005/8/layout/default"/>
-    <dgm:cxn modelId="{8CF0DE64-FEDD-3E4B-8CC8-119298D31F7D}" type="presOf" srcId="{CD8DBBE2-A201-4025-8C2B-38780E02F3FF}" destId="{8BC771E2-B528-974E-9BFF-43DEEBC251CA}" srcOrd="0" destOrd="0" presId="urn:microsoft.com/office/officeart/2005/8/layout/default"/>
+    <dgm:cxn modelId="{E94E3D57-FE42-534D-8A97-8736257B338A}" type="presOf" srcId="{57D4DB22-258D-4182-A133-DA14CDCA6FDA}" destId="{46C3C1EA-2BB9-CF4B-9CC8-E658DB560B36}" srcOrd="0" destOrd="0" presId="urn:microsoft.com/office/officeart/2005/8/layout/vList2"/>
     <dgm:cxn modelId="{46E7BA6A-16B8-491F-BCE6-3D0953EC5A70}" srcId="{41BB30CE-1459-4B17-955A-E7CA933E9ACC}" destId="{5A3695C2-2D59-4DA5-AB18-183DAB4D0321}" srcOrd="11" destOrd="0" parTransId="{6E70FF85-B81C-49E9-83A7-5C1D51193ADB}" sibTransId="{F9905888-C7FF-4D3C-AA5C-DC430FE1EC29}"/>
+    <dgm:cxn modelId="{5AC1B579-C84F-7549-B3BA-3433FB14F184}" type="presOf" srcId="{9B77429B-7CF1-4CDE-8F07-A2743B6926AF}" destId="{D9B795EC-5DA9-8042-9D5A-4A7E66BA53D0}" srcOrd="0" destOrd="0" presId="urn:microsoft.com/office/officeart/2005/8/layout/vList2"/>
+    <dgm:cxn modelId="{9AD5278A-02A5-564A-B5F3-BC442D0D673B}" type="presOf" srcId="{11C37819-BA2C-45A3-A745-B11C637A9524}" destId="{E247E583-3C22-024F-B70E-4EBDBCEBEDEE}" srcOrd="0" destOrd="0" presId="urn:microsoft.com/office/officeart/2005/8/layout/vList2"/>
     <dgm:cxn modelId="{FE804E91-B645-4CA5-AC89-C632F1BB91B4}" srcId="{41BB30CE-1459-4B17-955A-E7CA933E9ACC}" destId="{57D4DB22-258D-4182-A133-DA14CDCA6FDA}" srcOrd="0" destOrd="0" parTransId="{D4E767A5-E233-4700-87A1-F79CD16A5E16}" sibTransId="{FA9EBA75-EA71-445D-9A07-BCA1F7414037}"/>
+    <dgm:cxn modelId="{4C388798-A0AA-BB4E-BCDE-222A1DD62577}" type="presOf" srcId="{27F1279C-1788-49EC-8723-DF5042A71FC3}" destId="{994D11DF-D82A-AA43-9EF2-DA77FF626522}" srcOrd="0" destOrd="0" presId="urn:microsoft.com/office/officeart/2005/8/layout/vList2"/>
+    <dgm:cxn modelId="{2CB60D9D-6065-DC41-9A31-BE6D05533641}" type="presOf" srcId="{41BB30CE-1459-4B17-955A-E7CA933E9ACC}" destId="{29745F33-7723-B045-A42F-191CB54918FA}" srcOrd="0" destOrd="0" presId="urn:microsoft.com/office/officeart/2005/8/layout/vList2"/>
+    <dgm:cxn modelId="{0033C19D-E424-A843-8D12-2CF4705489B1}" type="presOf" srcId="{CD8DBBE2-A201-4025-8C2B-38780E02F3FF}" destId="{FF22FC89-4726-0E48-9186-9F6440353931}" srcOrd="0" destOrd="0" presId="urn:microsoft.com/office/officeart/2005/8/layout/vList2"/>
     <dgm:cxn modelId="{02B5529E-6D73-4CBE-8831-310C75D4B533}" srcId="{41BB30CE-1459-4B17-955A-E7CA933E9ACC}" destId="{0336E198-9FA4-4B7E-A789-7275F179CD2D}" srcOrd="1" destOrd="0" parTransId="{8FE51EFB-1C79-46B4-AB39-1A3BED705043}" sibTransId="{FB553566-D25E-45A4-9B25-A259C3838B55}"/>
     <dgm:cxn modelId="{6D19B19F-A55F-46E4-8962-09D8CECBA94D}" srcId="{41BB30CE-1459-4B17-955A-E7CA933E9ACC}" destId="{CD8DBBE2-A201-4025-8C2B-38780E02F3FF}" srcOrd="3" destOrd="0" parTransId="{15DCBA9F-554C-4FAC-AC92-B3D548AAADD2}" sibTransId="{7559903B-DC35-4DE5-BAE2-FBD8A3D21775}"/>
     <dgm:cxn modelId="{7E09F7A2-8906-47CE-9735-0DCF1E65F31D}" srcId="{41BB30CE-1459-4B17-955A-E7CA933E9ACC}" destId="{27F1279C-1788-49EC-8723-DF5042A71FC3}" srcOrd="2" destOrd="0" parTransId="{41A0603E-42EA-41BC-99F5-3671EE1F9CB3}" sibTransId="{D28BAAE1-72C7-4D9A-82B2-713935F9CE41}"/>
-    <dgm:cxn modelId="{3F2B21C4-28CD-3A46-9B39-1354B91EA79E}" type="presOf" srcId="{11C37819-BA2C-45A3-A745-B11C637A9524}" destId="{6F77F3B8-D3C4-034B-A64B-808911733E62}" srcOrd="0" destOrd="0" presId="urn:microsoft.com/office/officeart/2005/8/layout/default"/>
-    <dgm:cxn modelId="{BE1CD8CA-403A-8346-A862-69961257B9FA}" type="presOf" srcId="{6F9704C4-69EA-4054-8355-F78D993C703F}" destId="{50A8773C-3956-384E-B941-FD5971ACE110}" srcOrd="0" destOrd="0" presId="urn:microsoft.com/office/officeart/2005/8/layout/default"/>
+    <dgm:cxn modelId="{C6E573B6-3A6E-CD43-A3F7-94FAB92DD69D}" type="presOf" srcId="{5ED9FFCC-7395-448A-B031-65EEC2FB4ED6}" destId="{340C4317-C845-0D40-8211-E8F86B2E9F71}" srcOrd="0" destOrd="0" presId="urn:microsoft.com/office/officeart/2005/8/layout/vList2"/>
+    <dgm:cxn modelId="{D71A7BBC-9832-9D41-8BDA-98731CE3A402}" type="presOf" srcId="{73AD44AB-06A8-4508-ACCD-9C8DE35E52FE}" destId="{FDFF9BD5-BD3E-D040-961E-E6D2B98060A1}" srcOrd="0" destOrd="0" presId="urn:microsoft.com/office/officeart/2005/8/layout/vList2"/>
+    <dgm:cxn modelId="{AA9318BF-4FE1-574E-A61C-18521DE69712}" type="presOf" srcId="{5A3695C2-2D59-4DA5-AB18-183DAB4D0321}" destId="{856F7F4C-1430-FD46-82E7-DBF404C04AE0}" srcOrd="0" destOrd="0" presId="urn:microsoft.com/office/officeart/2005/8/layout/vList2"/>
+    <dgm:cxn modelId="{68E20DD6-7B60-BC48-9AD6-161D0C6477F2}" type="presOf" srcId="{A8D03CD0-8AA8-4087-9DB9-7C7A17BA2E0B}" destId="{5FD97B0C-D859-954E-B3F7-A4FE3B762F8E}" srcOrd="0" destOrd="0" presId="urn:microsoft.com/office/officeart/2005/8/layout/vList2"/>
     <dgm:cxn modelId="{877985DC-38F2-42F3-977B-60141AA36E9C}" srcId="{41BB30CE-1459-4B17-955A-E7CA933E9ACC}" destId="{9B77429B-7CF1-4CDE-8F07-A2743B6926AF}" srcOrd="7" destOrd="0" parTransId="{70FF37A6-C48C-41B3-A7C9-ED117119DAEA}" sibTransId="{578A9707-B268-4730-ACE6-7B6EE781BCAD}"/>
-    <dgm:cxn modelId="{9F3F90E7-5A7D-9D4A-AFEE-5C8B8031CAFE}" type="presOf" srcId="{27F1279C-1788-49EC-8723-DF5042A71FC3}" destId="{6B68036B-00E0-3D40-A438-A7844D02EA83}" srcOrd="0" destOrd="0" presId="urn:microsoft.com/office/officeart/2005/8/layout/default"/>
-    <dgm:cxn modelId="{EBC8A127-FD64-2A4D-BC57-9963ABFBC701}" type="presParOf" srcId="{DB82345D-A0C4-2B48-BA4B-991E6BCDB370}" destId="{67884B22-5FE0-1A43-A16B-3BFA2C1918AF}" srcOrd="0" destOrd="0" presId="urn:microsoft.com/office/officeart/2005/8/layout/default"/>
-    <dgm:cxn modelId="{7AF0A8D9-254A-594D-AB76-8D08E83A9655}" type="presParOf" srcId="{DB82345D-A0C4-2B48-BA4B-991E6BCDB370}" destId="{22A7B899-6FDD-FB4D-9E8E-6B2B58C138E9}" srcOrd="1" destOrd="0" presId="urn:microsoft.com/office/officeart/2005/8/layout/default"/>
-    <dgm:cxn modelId="{E5A83954-037C-3742-B34D-F534F5C5278F}" type="presParOf" srcId="{DB82345D-A0C4-2B48-BA4B-991E6BCDB370}" destId="{8567CC63-8E79-3A40-91F2-90393B3D5551}" srcOrd="2" destOrd="0" presId="urn:microsoft.com/office/officeart/2005/8/layout/default"/>
-    <dgm:cxn modelId="{F9960B0D-1A4C-2947-A6F8-F2FA844EFB94}" type="presParOf" srcId="{DB82345D-A0C4-2B48-BA4B-991E6BCDB370}" destId="{E92D8746-355B-FA4F-9D77-09D23FB04845}" srcOrd="3" destOrd="0" presId="urn:microsoft.com/office/officeart/2005/8/layout/default"/>
-    <dgm:cxn modelId="{9361001F-88E7-9B4F-A680-BA83E911045A}" type="presParOf" srcId="{DB82345D-A0C4-2B48-BA4B-991E6BCDB370}" destId="{6B68036B-00E0-3D40-A438-A7844D02EA83}" srcOrd="4" destOrd="0" presId="urn:microsoft.com/office/officeart/2005/8/layout/default"/>
-    <dgm:cxn modelId="{854FD0D5-DB53-2140-80C2-BC39571E917B}" type="presParOf" srcId="{DB82345D-A0C4-2B48-BA4B-991E6BCDB370}" destId="{8EF588CC-1CDF-2442-BF2C-529E1CF89867}" srcOrd="5" destOrd="0" presId="urn:microsoft.com/office/officeart/2005/8/layout/default"/>
-    <dgm:cxn modelId="{0C9D9929-EDC1-EE4F-B2E7-2EAF6B6E4498}" type="presParOf" srcId="{DB82345D-A0C4-2B48-BA4B-991E6BCDB370}" destId="{8BC771E2-B528-974E-9BFF-43DEEBC251CA}" srcOrd="6" destOrd="0" presId="urn:microsoft.com/office/officeart/2005/8/layout/default"/>
-    <dgm:cxn modelId="{FE1190F0-9D33-1141-8EE6-5B87D67C280D}" type="presParOf" srcId="{DB82345D-A0C4-2B48-BA4B-991E6BCDB370}" destId="{7885D8CE-3618-214E-B166-4128F963AD93}" srcOrd="7" destOrd="0" presId="urn:microsoft.com/office/officeart/2005/8/layout/default"/>
-    <dgm:cxn modelId="{E3393F56-2DB2-C940-8F27-089EE154428B}" type="presParOf" srcId="{DB82345D-A0C4-2B48-BA4B-991E6BCDB370}" destId="{3874479E-2F84-C54D-933F-D87C83AA1A0C}" srcOrd="8" destOrd="0" presId="urn:microsoft.com/office/officeart/2005/8/layout/default"/>
-    <dgm:cxn modelId="{4A40C215-83FD-1C4A-B21F-D548E04FE1E6}" type="presParOf" srcId="{DB82345D-A0C4-2B48-BA4B-991E6BCDB370}" destId="{65C8F5B9-811E-A346-8F3B-E2442011A3DA}" srcOrd="9" destOrd="0" presId="urn:microsoft.com/office/officeart/2005/8/layout/default"/>
-    <dgm:cxn modelId="{86444968-FCB3-834A-8A31-8E34EAFABC8A}" type="presParOf" srcId="{DB82345D-A0C4-2B48-BA4B-991E6BCDB370}" destId="{434C3845-1C54-3E42-A45E-522EF38831F1}" srcOrd="10" destOrd="0" presId="urn:microsoft.com/office/officeart/2005/8/layout/default"/>
-    <dgm:cxn modelId="{52D4EFBA-CE33-3B48-906C-1659B7FFEB93}" type="presParOf" srcId="{DB82345D-A0C4-2B48-BA4B-991E6BCDB370}" destId="{16FB592C-F384-644E-A43A-71BFBD12932A}" srcOrd="11" destOrd="0" presId="urn:microsoft.com/office/officeart/2005/8/layout/default"/>
-    <dgm:cxn modelId="{CBD3D89B-E647-D244-B0AD-7CD014A57255}" type="presParOf" srcId="{DB82345D-A0C4-2B48-BA4B-991E6BCDB370}" destId="{9A81EBFE-1DD1-0A48-8E53-D7E1DFC7CEA6}" srcOrd="12" destOrd="0" presId="urn:microsoft.com/office/officeart/2005/8/layout/default"/>
-    <dgm:cxn modelId="{E36C778F-8F7F-1249-BE50-A646FCFD3AA9}" type="presParOf" srcId="{DB82345D-A0C4-2B48-BA4B-991E6BCDB370}" destId="{23DF844A-808A-094F-B482-E9D0DACB6CF8}" srcOrd="13" destOrd="0" presId="urn:microsoft.com/office/officeart/2005/8/layout/default"/>
-    <dgm:cxn modelId="{97216A43-7FF0-604C-B0CC-348CD2232FF0}" type="presParOf" srcId="{DB82345D-A0C4-2B48-BA4B-991E6BCDB370}" destId="{3C89D5A4-DC6B-EA40-898C-2E8D4CE9C31A}" srcOrd="14" destOrd="0" presId="urn:microsoft.com/office/officeart/2005/8/layout/default"/>
-    <dgm:cxn modelId="{028339EF-076B-A045-8914-205C8727BE06}" type="presParOf" srcId="{DB82345D-A0C4-2B48-BA4B-991E6BCDB370}" destId="{CACCE0C9-F3F8-0744-BBAF-03C524C3AF6D}" srcOrd="15" destOrd="0" presId="urn:microsoft.com/office/officeart/2005/8/layout/default"/>
-    <dgm:cxn modelId="{B2DBC662-A603-5445-B840-AAFF8904CAF2}" type="presParOf" srcId="{DB82345D-A0C4-2B48-BA4B-991E6BCDB370}" destId="{50A8773C-3956-384E-B941-FD5971ACE110}" srcOrd="16" destOrd="0" presId="urn:microsoft.com/office/officeart/2005/8/layout/default"/>
-    <dgm:cxn modelId="{FACC2A96-4C71-DD49-8AD3-A23255ACBC21}" type="presParOf" srcId="{DB82345D-A0C4-2B48-BA4B-991E6BCDB370}" destId="{BDA8C402-97E3-F74D-AB12-4C4D5E709B9C}" srcOrd="17" destOrd="0" presId="urn:microsoft.com/office/officeart/2005/8/layout/default"/>
-    <dgm:cxn modelId="{87F40D09-1428-D147-94C8-D032E905266C}" type="presParOf" srcId="{DB82345D-A0C4-2B48-BA4B-991E6BCDB370}" destId="{6F77F3B8-D3C4-034B-A64B-808911733E62}" srcOrd="18" destOrd="0" presId="urn:microsoft.com/office/officeart/2005/8/layout/default"/>
-    <dgm:cxn modelId="{9F3903F6-E580-B54A-9CDB-D3586925E0E5}" type="presParOf" srcId="{DB82345D-A0C4-2B48-BA4B-991E6BCDB370}" destId="{147F1D96-4DB5-0448-9725-F51801EEBFD3}" srcOrd="19" destOrd="0" presId="urn:microsoft.com/office/officeart/2005/8/layout/default"/>
-    <dgm:cxn modelId="{CCD8ADD9-FD81-FF46-817D-2FA3103AC2AC}" type="presParOf" srcId="{DB82345D-A0C4-2B48-BA4B-991E6BCDB370}" destId="{41B9B5C4-E515-C947-9156-2C2893D3DC21}" srcOrd="20" destOrd="0" presId="urn:microsoft.com/office/officeart/2005/8/layout/default"/>
-    <dgm:cxn modelId="{B4A7B21C-8429-B944-9989-FFEBF65AB819}" type="presParOf" srcId="{DB82345D-A0C4-2B48-BA4B-991E6BCDB370}" destId="{EAC7DE7A-CD95-7645-99AF-A46F07EEA1BC}" srcOrd="21" destOrd="0" presId="urn:microsoft.com/office/officeart/2005/8/layout/default"/>
-    <dgm:cxn modelId="{748FE5A2-79E2-3341-BD4F-9D3070128029}" type="presParOf" srcId="{DB82345D-A0C4-2B48-BA4B-991E6BCDB370}" destId="{56DC2948-14D3-A745-964A-8641CE52B390}" srcOrd="22" destOrd="0" presId="urn:microsoft.com/office/officeart/2005/8/layout/default"/>
-    <dgm:cxn modelId="{59601D9C-4FC5-444F-A3C2-B2F927D30F9F}" type="presParOf" srcId="{DB82345D-A0C4-2B48-BA4B-991E6BCDB370}" destId="{1D475B6D-9647-074A-8B05-357D9326A70E}" srcOrd="23" destOrd="0" presId="urn:microsoft.com/office/officeart/2005/8/layout/default"/>
-    <dgm:cxn modelId="{F90F259B-F4EA-5B4B-8DFB-FE9073D21901}" type="presParOf" srcId="{DB82345D-A0C4-2B48-BA4B-991E6BCDB370}" destId="{4632A2E0-E050-7C44-AA47-EAFD8A0918C8}" srcOrd="24" destOrd="0" presId="urn:microsoft.com/office/officeart/2005/8/layout/default"/>
+    <dgm:cxn modelId="{D38578FA-6B92-A940-8689-32615D2A014F}" type="presOf" srcId="{3C151ACA-DB7E-4641-B34D-24FF43393DE1}" destId="{F294EFBA-D326-9747-B4C8-DD01ACDB5884}" srcOrd="0" destOrd="0" presId="urn:microsoft.com/office/officeart/2005/8/layout/vList2"/>
+    <dgm:cxn modelId="{70AD27FB-4C58-E247-8A7F-E1FEC4083D97}" type="presOf" srcId="{8C688DA0-9474-4B0A-A34A-763F480D5B5C}" destId="{201E5DD9-ED03-5E48-BBBD-A14712C15100}" srcOrd="0" destOrd="0" presId="urn:microsoft.com/office/officeart/2005/8/layout/vList2"/>
+    <dgm:cxn modelId="{B39DF1FE-FAA6-7246-BEE7-43244CC1933E}" type="presParOf" srcId="{29745F33-7723-B045-A42F-191CB54918FA}" destId="{46C3C1EA-2BB9-CF4B-9CC8-E658DB560B36}" srcOrd="0" destOrd="0" presId="urn:microsoft.com/office/officeart/2005/8/layout/vList2"/>
+    <dgm:cxn modelId="{20B66EF9-E65B-F747-918A-A9F26ED6C5CA}" type="presParOf" srcId="{29745F33-7723-B045-A42F-191CB54918FA}" destId="{C86C54E2-33BD-5444-8311-9B299999F9CB}" srcOrd="1" destOrd="0" presId="urn:microsoft.com/office/officeart/2005/8/layout/vList2"/>
+    <dgm:cxn modelId="{134F615D-48EF-A24F-BD2F-16765D67CFEC}" type="presParOf" srcId="{29745F33-7723-B045-A42F-191CB54918FA}" destId="{49F06D37-6D69-724B-9E17-091687ACA2EC}" srcOrd="2" destOrd="0" presId="urn:microsoft.com/office/officeart/2005/8/layout/vList2"/>
+    <dgm:cxn modelId="{70B74792-2512-3C4F-AE94-A339D6182CFF}" type="presParOf" srcId="{29745F33-7723-B045-A42F-191CB54918FA}" destId="{331834C4-8F1B-A745-B903-D4ECF3B0B570}" srcOrd="3" destOrd="0" presId="urn:microsoft.com/office/officeart/2005/8/layout/vList2"/>
+    <dgm:cxn modelId="{03E1344D-33A8-0F41-8370-9C2D21ED503D}" type="presParOf" srcId="{29745F33-7723-B045-A42F-191CB54918FA}" destId="{994D11DF-D82A-AA43-9EF2-DA77FF626522}" srcOrd="4" destOrd="0" presId="urn:microsoft.com/office/officeart/2005/8/layout/vList2"/>
+    <dgm:cxn modelId="{92770699-4DD6-4F4A-8014-215538D25F21}" type="presParOf" srcId="{29745F33-7723-B045-A42F-191CB54918FA}" destId="{AEFE5FE1-9BD3-6C4E-9418-73D87FCCEB3C}" srcOrd="5" destOrd="0" presId="urn:microsoft.com/office/officeart/2005/8/layout/vList2"/>
+    <dgm:cxn modelId="{FB2A96FD-F88E-9E4E-AAB9-D4B537955AC0}" type="presParOf" srcId="{29745F33-7723-B045-A42F-191CB54918FA}" destId="{FF22FC89-4726-0E48-9186-9F6440353931}" srcOrd="6" destOrd="0" presId="urn:microsoft.com/office/officeart/2005/8/layout/vList2"/>
+    <dgm:cxn modelId="{F3BE5873-2EBE-9149-957D-4166A574CCBD}" type="presParOf" srcId="{29745F33-7723-B045-A42F-191CB54918FA}" destId="{E15ACCF6-FE7B-4144-8163-5FE3B437D708}" srcOrd="7" destOrd="0" presId="urn:microsoft.com/office/officeart/2005/8/layout/vList2"/>
+    <dgm:cxn modelId="{5BC72F3D-C3CF-ED43-913F-8E02CDB85D9E}" type="presParOf" srcId="{29745F33-7723-B045-A42F-191CB54918FA}" destId="{FDFF9BD5-BD3E-D040-961E-E6D2B98060A1}" srcOrd="8" destOrd="0" presId="urn:microsoft.com/office/officeart/2005/8/layout/vList2"/>
+    <dgm:cxn modelId="{293B3496-B806-5549-8943-45FBE6529256}" type="presParOf" srcId="{29745F33-7723-B045-A42F-191CB54918FA}" destId="{97464976-322E-5B41-814C-B16599E10CF4}" srcOrd="9" destOrd="0" presId="urn:microsoft.com/office/officeart/2005/8/layout/vList2"/>
+    <dgm:cxn modelId="{E012371D-6F27-0E46-BE32-1A27B5729573}" type="presParOf" srcId="{29745F33-7723-B045-A42F-191CB54918FA}" destId="{340C4317-C845-0D40-8211-E8F86B2E9F71}" srcOrd="10" destOrd="0" presId="urn:microsoft.com/office/officeart/2005/8/layout/vList2"/>
+    <dgm:cxn modelId="{5ABB0DA6-FF03-5B45-8F97-B416776680B4}" type="presParOf" srcId="{29745F33-7723-B045-A42F-191CB54918FA}" destId="{785C5C22-34A1-0E46-9043-9E1A50026001}" srcOrd="11" destOrd="0" presId="urn:microsoft.com/office/officeart/2005/8/layout/vList2"/>
+    <dgm:cxn modelId="{E61E3BDA-4B86-5C42-8A14-0D4DA579F907}" type="presParOf" srcId="{29745F33-7723-B045-A42F-191CB54918FA}" destId="{5FD97B0C-D859-954E-B3F7-A4FE3B762F8E}" srcOrd="12" destOrd="0" presId="urn:microsoft.com/office/officeart/2005/8/layout/vList2"/>
+    <dgm:cxn modelId="{623B2C8A-6DBF-894A-8B0D-8F2409E9ED22}" type="presParOf" srcId="{29745F33-7723-B045-A42F-191CB54918FA}" destId="{28E934C9-F930-B344-8D5C-B30ECCCE037D}" srcOrd="13" destOrd="0" presId="urn:microsoft.com/office/officeart/2005/8/layout/vList2"/>
+    <dgm:cxn modelId="{404D1FE3-8232-C041-A989-C6A27B1091CD}" type="presParOf" srcId="{29745F33-7723-B045-A42F-191CB54918FA}" destId="{D9B795EC-5DA9-8042-9D5A-4A7E66BA53D0}" srcOrd="14" destOrd="0" presId="urn:microsoft.com/office/officeart/2005/8/layout/vList2"/>
+    <dgm:cxn modelId="{A3944901-4A5B-8040-83B1-A628EF1014EF}" type="presParOf" srcId="{29745F33-7723-B045-A42F-191CB54918FA}" destId="{6EAF3FEC-D326-1F4A-AA3A-EFF9BF857718}" srcOrd="15" destOrd="0" presId="urn:microsoft.com/office/officeart/2005/8/layout/vList2"/>
+    <dgm:cxn modelId="{AC9BCA6F-7E72-4546-AB69-B1C799D130E5}" type="presParOf" srcId="{29745F33-7723-B045-A42F-191CB54918FA}" destId="{2C6881B5-28A9-2F41-BD70-434A0F8D7BA7}" srcOrd="16" destOrd="0" presId="urn:microsoft.com/office/officeart/2005/8/layout/vList2"/>
+    <dgm:cxn modelId="{624DE79C-ED73-C848-8361-383DFFB4535C}" type="presParOf" srcId="{29745F33-7723-B045-A42F-191CB54918FA}" destId="{1F160858-AD30-2B47-B886-D976411D46D0}" srcOrd="17" destOrd="0" presId="urn:microsoft.com/office/officeart/2005/8/layout/vList2"/>
+    <dgm:cxn modelId="{290CE10A-EB72-3C45-8956-FB01F0A61264}" type="presParOf" srcId="{29745F33-7723-B045-A42F-191CB54918FA}" destId="{E247E583-3C22-024F-B70E-4EBDBCEBEDEE}" srcOrd="18" destOrd="0" presId="urn:microsoft.com/office/officeart/2005/8/layout/vList2"/>
+    <dgm:cxn modelId="{E212D755-5E14-7549-B2F9-B536F424E6EA}" type="presParOf" srcId="{29745F33-7723-B045-A42F-191CB54918FA}" destId="{8070D0D9-01B6-AB43-AB60-61E90646958C}" srcOrd="19" destOrd="0" presId="urn:microsoft.com/office/officeart/2005/8/layout/vList2"/>
+    <dgm:cxn modelId="{9CDB34BA-9B6A-F14E-8166-3CD841DFDBC9}" type="presParOf" srcId="{29745F33-7723-B045-A42F-191CB54918FA}" destId="{F294EFBA-D326-9747-B4C8-DD01ACDB5884}" srcOrd="20" destOrd="0" presId="urn:microsoft.com/office/officeart/2005/8/layout/vList2"/>
+    <dgm:cxn modelId="{84D2D427-E134-FC42-8D87-713933559CFF}" type="presParOf" srcId="{29745F33-7723-B045-A42F-191CB54918FA}" destId="{35CE09A7-A4DF-2F40-ADAE-C29F794544F1}" srcOrd="21" destOrd="0" presId="urn:microsoft.com/office/officeart/2005/8/layout/vList2"/>
+    <dgm:cxn modelId="{669243ED-818C-554F-8E1E-C308F517B97B}" type="presParOf" srcId="{29745F33-7723-B045-A42F-191CB54918FA}" destId="{856F7F4C-1430-FD46-82E7-DBF404C04AE0}" srcOrd="22" destOrd="0" presId="urn:microsoft.com/office/officeart/2005/8/layout/vList2"/>
+    <dgm:cxn modelId="{DCB221C9-B667-904D-B12D-1B219DBCE179}" type="presParOf" srcId="{29745F33-7723-B045-A42F-191CB54918FA}" destId="{6E77AB02-C376-754C-964E-DE56D643F753}" srcOrd="23" destOrd="0" presId="urn:microsoft.com/office/officeart/2005/8/layout/vList2"/>
+    <dgm:cxn modelId="{C12F8C03-33FB-2B47-9DDF-E5385BA63AA1}" type="presParOf" srcId="{29745F33-7723-B045-A42F-191CB54918FA}" destId="{201E5DD9-ED03-5E48-BBBD-A14712C15100}" srcOrd="24" destOrd="0" presId="urn:microsoft.com/office/officeart/2005/8/layout/vList2"/>
   </dgm:cxnLst>
   <dgm:bg/>
   <dgm:whole/>
@@ -1664,17 +1677,17 @@
       <dsp:cNvGrpSpPr/>
     </dsp:nvGrpSpPr>
     <dsp:grpSpPr/>
-    <dsp:sp modelId="{67884B22-5FE0-1A43-A16B-3BFA2C1918AF}">
+    <dsp:sp modelId="{46C3C1EA-2BB9-CF4B-9CC8-E658DB560B36}">
       <dsp:nvSpPr>
         <dsp:cNvPr id="0" name=""/>
         <dsp:cNvSpPr/>
       </dsp:nvSpPr>
       <dsp:spPr>
         <a:xfrm>
-          <a:off x="632637" y="1980"/>
-          <a:ext cx="1465299" cy="879179"/>
+          <a:off x="0" y="13548"/>
+          <a:ext cx="5954232" cy="357526"/>
         </a:xfrm>
-        <a:prstGeom prst="rect">
+        <a:prstGeom prst="roundRect">
           <a:avLst/>
         </a:prstGeom>
         <a:solidFill>
@@ -1714,12 +1727,12 @@
         </a:fontRef>
       </dsp:style>
       <dsp:txBody>
-        <a:bodyPr spcFirstLastPara="0" vert="horz" wrap="square" lIns="30480" tIns="30480" rIns="30480" bIns="30480" numCol="1" spcCol="1270" anchor="ctr" anchorCtr="0">
+        <a:bodyPr spcFirstLastPara="0" vert="horz" wrap="square" lIns="34290" tIns="34290" rIns="34290" bIns="34290" numCol="1" spcCol="1270" anchor="ctr" anchorCtr="0">
           <a:noAutofit/>
         </a:bodyPr>
         <a:lstStyle/>
         <a:p>
-          <a:pPr marL="0" lvl="0" indent="0" algn="ctr" defTabSz="355600">
+          <a:pPr marL="0" lvl="0" indent="0" algn="l" defTabSz="400050">
             <a:lnSpc>
               <a:spcPct val="90000"/>
             </a:lnSpc>
@@ -1732,28 +1745,28 @@
             <a:buNone/>
           </a:pPr>
           <a:r>
-            <a:rPr lang="en-NZ" sz="800" b="1" i="0" kern="1200"/>
+            <a:rPr lang="en-NZ" sz="900" b="1" i="0" kern="1200"/>
             <a:t>There are 25 variables:</a:t>
           </a:r>
-          <a:endParaRPr lang="en-US" sz="800" kern="1200"/>
+          <a:endParaRPr lang="en-US" sz="900" kern="1200"/>
         </a:p>
       </dsp:txBody>
       <dsp:txXfrm>
-        <a:off x="632637" y="1980"/>
-        <a:ext cx="1465299" cy="879179"/>
+        <a:off x="17453" y="31001"/>
+        <a:ext cx="5919326" cy="322620"/>
       </dsp:txXfrm>
     </dsp:sp>
-    <dsp:sp modelId="{8567CC63-8E79-3A40-91F2-90393B3D5551}">
+    <dsp:sp modelId="{49F06D37-6D69-724B-9E17-091687ACA2EC}">
       <dsp:nvSpPr>
         <dsp:cNvPr id="0" name=""/>
         <dsp:cNvSpPr/>
       </dsp:nvSpPr>
       <dsp:spPr>
         <a:xfrm>
-          <a:off x="2244466" y="1980"/>
-          <a:ext cx="1465299" cy="879179"/>
+          <a:off x="0" y="396994"/>
+          <a:ext cx="5954232" cy="357526"/>
         </a:xfrm>
-        <a:prstGeom prst="rect">
+        <a:prstGeom prst="roundRect">
           <a:avLst/>
         </a:prstGeom>
         <a:solidFill>
@@ -1793,12 +1806,12 @@
         </a:fontRef>
       </dsp:style>
       <dsp:txBody>
-        <a:bodyPr spcFirstLastPara="0" vert="horz" wrap="square" lIns="30480" tIns="30480" rIns="30480" bIns="30480" numCol="1" spcCol="1270" anchor="ctr" anchorCtr="0">
+        <a:bodyPr spcFirstLastPara="0" vert="horz" wrap="square" lIns="34290" tIns="34290" rIns="34290" bIns="34290" numCol="1" spcCol="1270" anchor="ctr" anchorCtr="0">
           <a:noAutofit/>
         </a:bodyPr>
         <a:lstStyle/>
         <a:p>
-          <a:pPr marL="0" lvl="0" indent="0" algn="ctr" defTabSz="355600">
+          <a:pPr marL="0" lvl="0" indent="0" algn="l" defTabSz="400050">
             <a:lnSpc>
               <a:spcPct val="90000"/>
             </a:lnSpc>
@@ -1811,32 +1824,32 @@
             <a:buNone/>
           </a:pPr>
           <a:r>
-            <a:rPr lang="en-NZ" sz="800" b="1" i="0" kern="1200"/>
+            <a:rPr lang="en-NZ" sz="900" b="1" i="0" kern="1200"/>
             <a:t>ID</a:t>
           </a:r>
           <a:r>
-            <a:rPr lang="en-NZ" sz="800" b="0" i="0" kern="1200"/>
+            <a:rPr lang="en-NZ" sz="900" b="0" i="0" kern="1200"/>
             <a:t>: ID of each client</a:t>
           </a:r>
-          <a:endParaRPr lang="en-US" sz="800" kern="1200"/>
+          <a:endParaRPr lang="en-US" sz="900" kern="1200"/>
         </a:p>
       </dsp:txBody>
       <dsp:txXfrm>
-        <a:off x="2244466" y="1980"/>
-        <a:ext cx="1465299" cy="879179"/>
+        <a:off x="17453" y="414447"/>
+        <a:ext cx="5919326" cy="322620"/>
       </dsp:txXfrm>
     </dsp:sp>
-    <dsp:sp modelId="{6B68036B-00E0-3D40-A438-A7844D02EA83}">
+    <dsp:sp modelId="{994D11DF-D82A-AA43-9EF2-DA77FF626522}">
       <dsp:nvSpPr>
         <dsp:cNvPr id="0" name=""/>
         <dsp:cNvSpPr/>
       </dsp:nvSpPr>
       <dsp:spPr>
         <a:xfrm>
-          <a:off x="3856296" y="1980"/>
-          <a:ext cx="1465299" cy="879179"/>
+          <a:off x="0" y="780441"/>
+          <a:ext cx="5954232" cy="357526"/>
         </a:xfrm>
-        <a:prstGeom prst="rect">
+        <a:prstGeom prst="roundRect">
           <a:avLst/>
         </a:prstGeom>
         <a:solidFill>
@@ -1876,12 +1889,12 @@
         </a:fontRef>
       </dsp:style>
       <dsp:txBody>
-        <a:bodyPr spcFirstLastPara="0" vert="horz" wrap="square" lIns="30480" tIns="30480" rIns="30480" bIns="30480" numCol="1" spcCol="1270" anchor="ctr" anchorCtr="0">
+        <a:bodyPr spcFirstLastPara="0" vert="horz" wrap="square" lIns="34290" tIns="34290" rIns="34290" bIns="34290" numCol="1" spcCol="1270" anchor="ctr" anchorCtr="0">
           <a:noAutofit/>
         </a:bodyPr>
         <a:lstStyle/>
         <a:p>
-          <a:pPr marL="0" lvl="0" indent="0" algn="ctr" defTabSz="355600">
+          <a:pPr marL="0" lvl="0" indent="0" algn="l" defTabSz="400050">
             <a:lnSpc>
               <a:spcPct val="90000"/>
             </a:lnSpc>
@@ -1894,32 +1907,32 @@
             <a:buNone/>
           </a:pPr>
           <a:r>
-            <a:rPr lang="en-NZ" sz="800" b="1" i="0" kern="1200"/>
+            <a:rPr lang="en-NZ" sz="900" b="1" i="0" kern="1200"/>
             <a:t>LIMIT_BAL</a:t>
           </a:r>
           <a:r>
-            <a:rPr lang="en-NZ" sz="800" b="0" i="0" kern="1200"/>
+            <a:rPr lang="en-NZ" sz="900" b="0" i="0" kern="1200"/>
             <a:t>: Amount of given credit in NT dollars (includes individual and family/supplementary credit</a:t>
           </a:r>
-          <a:endParaRPr lang="en-US" sz="800" kern="1200"/>
+          <a:endParaRPr lang="en-US" sz="900" kern="1200"/>
         </a:p>
       </dsp:txBody>
       <dsp:txXfrm>
-        <a:off x="3856296" y="1980"/>
-        <a:ext cx="1465299" cy="879179"/>
+        <a:off x="17453" y="797894"/>
+        <a:ext cx="5919326" cy="322620"/>
       </dsp:txXfrm>
     </dsp:sp>
-    <dsp:sp modelId="{8BC771E2-B528-974E-9BFF-43DEEBC251CA}">
+    <dsp:sp modelId="{FF22FC89-4726-0E48-9186-9F6440353931}">
       <dsp:nvSpPr>
         <dsp:cNvPr id="0" name=""/>
         <dsp:cNvSpPr/>
       </dsp:nvSpPr>
       <dsp:spPr>
         <a:xfrm>
-          <a:off x="632637" y="1027690"/>
-          <a:ext cx="1465299" cy="879179"/>
+          <a:off x="0" y="1163887"/>
+          <a:ext cx="5954232" cy="357526"/>
         </a:xfrm>
-        <a:prstGeom prst="rect">
+        <a:prstGeom prst="roundRect">
           <a:avLst/>
         </a:prstGeom>
         <a:solidFill>
@@ -1959,12 +1972,12 @@
         </a:fontRef>
       </dsp:style>
       <dsp:txBody>
-        <a:bodyPr spcFirstLastPara="0" vert="horz" wrap="square" lIns="30480" tIns="30480" rIns="30480" bIns="30480" numCol="1" spcCol="1270" anchor="ctr" anchorCtr="0">
+        <a:bodyPr spcFirstLastPara="0" vert="horz" wrap="square" lIns="34290" tIns="34290" rIns="34290" bIns="34290" numCol="1" spcCol="1270" anchor="ctr" anchorCtr="0">
           <a:noAutofit/>
         </a:bodyPr>
         <a:lstStyle/>
         <a:p>
-          <a:pPr marL="0" lvl="0" indent="0" algn="ctr" defTabSz="355600">
+          <a:pPr marL="0" lvl="0" indent="0" algn="l" defTabSz="400050">
             <a:lnSpc>
               <a:spcPct val="90000"/>
             </a:lnSpc>
@@ -1977,32 +1990,32 @@
             <a:buNone/>
           </a:pPr>
           <a:r>
-            <a:rPr lang="en-NZ" sz="800" b="1" i="0" kern="1200"/>
+            <a:rPr lang="en-NZ" sz="900" b="1" i="0" kern="1200"/>
             <a:t>SEX</a:t>
           </a:r>
           <a:r>
-            <a:rPr lang="en-NZ" sz="800" b="0" i="0" kern="1200"/>
+            <a:rPr lang="en-NZ" sz="900" b="0" i="0" kern="1200"/>
             <a:t>: Gender (1=male, 2=female)</a:t>
           </a:r>
-          <a:endParaRPr lang="en-US" sz="800" kern="1200"/>
+          <a:endParaRPr lang="en-US" sz="900" kern="1200"/>
         </a:p>
       </dsp:txBody>
       <dsp:txXfrm>
-        <a:off x="632637" y="1027690"/>
-        <a:ext cx="1465299" cy="879179"/>
+        <a:off x="17453" y="1181340"/>
+        <a:ext cx="5919326" cy="322620"/>
       </dsp:txXfrm>
     </dsp:sp>
-    <dsp:sp modelId="{3874479E-2F84-C54D-933F-D87C83AA1A0C}">
+    <dsp:sp modelId="{FDFF9BD5-BD3E-D040-961E-E6D2B98060A1}">
       <dsp:nvSpPr>
         <dsp:cNvPr id="0" name=""/>
         <dsp:cNvSpPr/>
       </dsp:nvSpPr>
       <dsp:spPr>
         <a:xfrm>
-          <a:off x="2244466" y="1027690"/>
-          <a:ext cx="1465299" cy="879179"/>
+          <a:off x="0" y="1547333"/>
+          <a:ext cx="5954232" cy="357526"/>
         </a:xfrm>
-        <a:prstGeom prst="rect">
+        <a:prstGeom prst="roundRect">
           <a:avLst/>
         </a:prstGeom>
         <a:solidFill>
@@ -2042,12 +2055,12 @@
         </a:fontRef>
       </dsp:style>
       <dsp:txBody>
-        <a:bodyPr spcFirstLastPara="0" vert="horz" wrap="square" lIns="30480" tIns="30480" rIns="30480" bIns="30480" numCol="1" spcCol="1270" anchor="ctr" anchorCtr="0">
+        <a:bodyPr spcFirstLastPara="0" vert="horz" wrap="square" lIns="34290" tIns="34290" rIns="34290" bIns="34290" numCol="1" spcCol="1270" anchor="ctr" anchorCtr="0">
           <a:noAutofit/>
         </a:bodyPr>
         <a:lstStyle/>
         <a:p>
-          <a:pPr marL="0" lvl="0" indent="0" algn="ctr" defTabSz="355600">
+          <a:pPr marL="0" lvl="0" indent="0" algn="l" defTabSz="400050">
             <a:lnSpc>
               <a:spcPct val="90000"/>
             </a:lnSpc>
@@ -2060,32 +2073,32 @@
             <a:buNone/>
           </a:pPr>
           <a:r>
-            <a:rPr lang="en-NZ" sz="800" b="1" i="0" kern="1200"/>
+            <a:rPr lang="en-NZ" sz="900" b="1" i="0" kern="1200"/>
             <a:t>EDUCATION</a:t>
           </a:r>
           <a:r>
-            <a:rPr lang="en-NZ" sz="800" b="0" i="0" kern="1200"/>
+            <a:rPr lang="en-NZ" sz="900" b="0" i="0" kern="1200"/>
             <a:t>: (1=graduate school, 2=university, 3=high school, 4=others, 5=unknown, 6=unknown)</a:t>
           </a:r>
-          <a:endParaRPr lang="en-US" sz="800" kern="1200"/>
+          <a:endParaRPr lang="en-US" sz="900" kern="1200"/>
         </a:p>
       </dsp:txBody>
       <dsp:txXfrm>
-        <a:off x="2244466" y="1027690"/>
-        <a:ext cx="1465299" cy="879179"/>
+        <a:off x="17453" y="1564786"/>
+        <a:ext cx="5919326" cy="322620"/>
       </dsp:txXfrm>
     </dsp:sp>
-    <dsp:sp modelId="{434C3845-1C54-3E42-A45E-522EF38831F1}">
+    <dsp:sp modelId="{340C4317-C845-0D40-8211-E8F86B2E9F71}">
       <dsp:nvSpPr>
         <dsp:cNvPr id="0" name=""/>
         <dsp:cNvSpPr/>
       </dsp:nvSpPr>
       <dsp:spPr>
         <a:xfrm>
-          <a:off x="3856296" y="1027690"/>
-          <a:ext cx="1465299" cy="879179"/>
+          <a:off x="0" y="1930780"/>
+          <a:ext cx="5954232" cy="357526"/>
         </a:xfrm>
-        <a:prstGeom prst="rect">
+        <a:prstGeom prst="roundRect">
           <a:avLst/>
         </a:prstGeom>
         <a:solidFill>
@@ -2125,12 +2138,12 @@
         </a:fontRef>
       </dsp:style>
       <dsp:txBody>
-        <a:bodyPr spcFirstLastPara="0" vert="horz" wrap="square" lIns="30480" tIns="30480" rIns="30480" bIns="30480" numCol="1" spcCol="1270" anchor="ctr" anchorCtr="0">
+        <a:bodyPr spcFirstLastPara="0" vert="horz" wrap="square" lIns="34290" tIns="34290" rIns="34290" bIns="34290" numCol="1" spcCol="1270" anchor="ctr" anchorCtr="0">
           <a:noAutofit/>
         </a:bodyPr>
         <a:lstStyle/>
         <a:p>
-          <a:pPr marL="0" lvl="0" indent="0" algn="ctr" defTabSz="355600">
+          <a:pPr marL="0" lvl="0" indent="0" algn="l" defTabSz="400050">
             <a:lnSpc>
               <a:spcPct val="90000"/>
             </a:lnSpc>
@@ -2143,32 +2156,32 @@
             <a:buNone/>
           </a:pPr>
           <a:r>
-            <a:rPr lang="en-NZ" sz="800" b="1" i="0" kern="1200"/>
+            <a:rPr lang="en-NZ" sz="900" b="1" i="0" kern="1200"/>
             <a:t>MARRIAGE</a:t>
           </a:r>
           <a:r>
-            <a:rPr lang="en-NZ" sz="800" b="0" i="0" kern="1200"/>
+            <a:rPr lang="en-NZ" sz="900" b="0" i="0" kern="1200"/>
             <a:t>: Marital status (1=married, 2=single, 3=others)</a:t>
           </a:r>
-          <a:endParaRPr lang="en-US" sz="800" kern="1200"/>
+          <a:endParaRPr lang="en-US" sz="900" kern="1200"/>
         </a:p>
       </dsp:txBody>
       <dsp:txXfrm>
-        <a:off x="3856296" y="1027690"/>
-        <a:ext cx="1465299" cy="879179"/>
+        <a:off x="17453" y="1948233"/>
+        <a:ext cx="5919326" cy="322620"/>
       </dsp:txXfrm>
     </dsp:sp>
-    <dsp:sp modelId="{9A81EBFE-1DD1-0A48-8E53-D7E1DFC7CEA6}">
+    <dsp:sp modelId="{5FD97B0C-D859-954E-B3F7-A4FE3B762F8E}">
       <dsp:nvSpPr>
         <dsp:cNvPr id="0" name=""/>
         <dsp:cNvSpPr/>
       </dsp:nvSpPr>
       <dsp:spPr>
         <a:xfrm>
-          <a:off x="632637" y="2053400"/>
-          <a:ext cx="1465299" cy="879179"/>
+          <a:off x="0" y="2314226"/>
+          <a:ext cx="5954232" cy="357526"/>
         </a:xfrm>
-        <a:prstGeom prst="rect">
+        <a:prstGeom prst="roundRect">
           <a:avLst/>
         </a:prstGeom>
         <a:solidFill>
@@ -2208,12 +2221,12 @@
         </a:fontRef>
       </dsp:style>
       <dsp:txBody>
-        <a:bodyPr spcFirstLastPara="0" vert="horz" wrap="square" lIns="30480" tIns="30480" rIns="30480" bIns="30480" numCol="1" spcCol="1270" anchor="ctr" anchorCtr="0">
+        <a:bodyPr spcFirstLastPara="0" vert="horz" wrap="square" lIns="34290" tIns="34290" rIns="34290" bIns="34290" numCol="1" spcCol="1270" anchor="ctr" anchorCtr="0">
           <a:noAutofit/>
         </a:bodyPr>
         <a:lstStyle/>
         <a:p>
-          <a:pPr marL="0" lvl="0" indent="0" algn="ctr" defTabSz="355600">
+          <a:pPr marL="0" lvl="0" indent="0" algn="l" defTabSz="400050">
             <a:lnSpc>
               <a:spcPct val="90000"/>
             </a:lnSpc>
@@ -2226,32 +2239,32 @@
             <a:buNone/>
           </a:pPr>
           <a:r>
-            <a:rPr lang="en-NZ" sz="800" b="1" i="0" kern="1200"/>
+            <a:rPr lang="en-NZ" sz="900" b="1" i="0" kern="1200"/>
             <a:t>AGE</a:t>
           </a:r>
           <a:r>
-            <a:rPr lang="en-NZ" sz="800" b="0" i="0" kern="1200"/>
+            <a:rPr lang="en-NZ" sz="900" b="0" i="0" kern="1200"/>
             <a:t>: Age in years</a:t>
           </a:r>
-          <a:endParaRPr lang="en-US" sz="800" kern="1200"/>
+          <a:endParaRPr lang="en-US" sz="900" kern="1200"/>
         </a:p>
       </dsp:txBody>
       <dsp:txXfrm>
-        <a:off x="632637" y="2053400"/>
-        <a:ext cx="1465299" cy="879179"/>
+        <a:off x="17453" y="2331679"/>
+        <a:ext cx="5919326" cy="322620"/>
       </dsp:txXfrm>
     </dsp:sp>
-    <dsp:sp modelId="{3C89D5A4-DC6B-EA40-898C-2E8D4CE9C31A}">
+    <dsp:sp modelId="{D9B795EC-5DA9-8042-9D5A-4A7E66BA53D0}">
       <dsp:nvSpPr>
         <dsp:cNvPr id="0" name=""/>
         <dsp:cNvSpPr/>
       </dsp:nvSpPr>
       <dsp:spPr>
         <a:xfrm>
-          <a:off x="2244466" y="2053400"/>
-          <a:ext cx="1465299" cy="879179"/>
+          <a:off x="0" y="2697673"/>
+          <a:ext cx="5954232" cy="357526"/>
         </a:xfrm>
-        <a:prstGeom prst="rect">
+        <a:prstGeom prst="roundRect">
           <a:avLst/>
         </a:prstGeom>
         <a:solidFill>
@@ -2291,12 +2304,12 @@
         </a:fontRef>
       </dsp:style>
       <dsp:txBody>
-        <a:bodyPr spcFirstLastPara="0" vert="horz" wrap="square" lIns="30480" tIns="30480" rIns="30480" bIns="30480" numCol="1" spcCol="1270" anchor="ctr" anchorCtr="0">
+        <a:bodyPr spcFirstLastPara="0" vert="horz" wrap="square" lIns="34290" tIns="34290" rIns="34290" bIns="34290" numCol="1" spcCol="1270" anchor="ctr" anchorCtr="0">
           <a:noAutofit/>
         </a:bodyPr>
         <a:lstStyle/>
         <a:p>
-          <a:pPr marL="0" lvl="0" indent="0" algn="ctr" defTabSz="355600">
+          <a:pPr marL="0" lvl="0" indent="0" algn="l" defTabSz="400050">
             <a:lnSpc>
               <a:spcPct val="90000"/>
             </a:lnSpc>
@@ -2309,32 +2322,32 @@
             <a:buNone/>
           </a:pPr>
           <a:r>
-            <a:rPr lang="en-NZ" sz="800" b="1" i="0" kern="1200"/>
+            <a:rPr lang="en-NZ" sz="900" b="1" i="0" kern="1200"/>
             <a:t>PAY_0</a:t>
           </a:r>
           <a:r>
-            <a:rPr lang="en-NZ" sz="800" b="0" i="0" kern="1200"/>
+            <a:rPr lang="en-NZ" sz="900" b="0" i="0" kern="1200"/>
             <a:t>: Repayment status in September, 2005 (-1=pay duly, 1=payment delay for one month, 2=payment delay for two months, … 8=payment delay for eight months, 9=payment delay for nine months and above)</a:t>
           </a:r>
-          <a:endParaRPr lang="en-US" sz="800" kern="1200"/>
+          <a:endParaRPr lang="en-US" sz="900" kern="1200"/>
         </a:p>
       </dsp:txBody>
       <dsp:txXfrm>
-        <a:off x="2244466" y="2053400"/>
-        <a:ext cx="1465299" cy="879179"/>
+        <a:off x="17453" y="2715126"/>
+        <a:ext cx="5919326" cy="322620"/>
       </dsp:txXfrm>
     </dsp:sp>
-    <dsp:sp modelId="{50A8773C-3956-384E-B941-FD5971ACE110}">
+    <dsp:sp modelId="{2C6881B5-28A9-2F41-BD70-434A0F8D7BA7}">
       <dsp:nvSpPr>
         <dsp:cNvPr id="0" name=""/>
         <dsp:cNvSpPr/>
       </dsp:nvSpPr>
       <dsp:spPr>
         <a:xfrm>
-          <a:off x="3856296" y="2053400"/>
-          <a:ext cx="1465299" cy="879179"/>
+          <a:off x="0" y="3081119"/>
+          <a:ext cx="5954232" cy="357526"/>
         </a:xfrm>
-        <a:prstGeom prst="rect">
+        <a:prstGeom prst="roundRect">
           <a:avLst/>
         </a:prstGeom>
         <a:solidFill>
@@ -2374,12 +2387,12 @@
         </a:fontRef>
       </dsp:style>
       <dsp:txBody>
-        <a:bodyPr spcFirstLastPara="0" vert="horz" wrap="square" lIns="30480" tIns="30480" rIns="30480" bIns="30480" numCol="1" spcCol="1270" anchor="ctr" anchorCtr="0">
+        <a:bodyPr spcFirstLastPara="0" vert="horz" wrap="square" lIns="34290" tIns="34290" rIns="34290" bIns="34290" numCol="1" spcCol="1270" anchor="ctr" anchorCtr="0">
           <a:noAutofit/>
         </a:bodyPr>
         <a:lstStyle/>
         <a:p>
-          <a:pPr marL="0" lvl="0" indent="0" algn="ctr" defTabSz="355600">
+          <a:pPr marL="0" lvl="0" indent="0" algn="l" defTabSz="400050">
             <a:lnSpc>
               <a:spcPct val="90000"/>
             </a:lnSpc>
@@ -2392,32 +2405,32 @@
             <a:buNone/>
           </a:pPr>
           <a:r>
-            <a:rPr lang="en-NZ" sz="800" b="1" i="0" kern="1200"/>
+            <a:rPr lang="en-NZ" sz="900" b="1" i="0" kern="1200"/>
             <a:t>PAY_2</a:t>
           </a:r>
           <a:r>
-            <a:rPr lang="en-NZ" sz="800" b="0" i="0" kern="1200"/>
+            <a:rPr lang="en-NZ" sz="900" b="0" i="0" kern="1200"/>
             <a:t>: Repayment status in August, 2005 (scale same as above)</a:t>
           </a:r>
-          <a:endParaRPr lang="en-US" sz="800" kern="1200"/>
+          <a:endParaRPr lang="en-US" sz="900" kern="1200"/>
         </a:p>
       </dsp:txBody>
       <dsp:txXfrm>
-        <a:off x="3856296" y="2053400"/>
-        <a:ext cx="1465299" cy="879179"/>
+        <a:off x="17453" y="3098572"/>
+        <a:ext cx="5919326" cy="322620"/>
       </dsp:txXfrm>
     </dsp:sp>
-    <dsp:sp modelId="{6F77F3B8-D3C4-034B-A64B-808911733E62}">
+    <dsp:sp modelId="{E247E583-3C22-024F-B70E-4EBDBCEBEDEE}">
       <dsp:nvSpPr>
         <dsp:cNvPr id="0" name=""/>
         <dsp:cNvSpPr/>
       </dsp:nvSpPr>
       <dsp:spPr>
         <a:xfrm>
-          <a:off x="632637" y="3079109"/>
-          <a:ext cx="1465299" cy="879179"/>
+          <a:off x="0" y="3464566"/>
+          <a:ext cx="5954232" cy="357526"/>
         </a:xfrm>
-        <a:prstGeom prst="rect">
+        <a:prstGeom prst="roundRect">
           <a:avLst/>
         </a:prstGeom>
         <a:solidFill>
@@ -2457,12 +2470,12 @@
         </a:fontRef>
       </dsp:style>
       <dsp:txBody>
-        <a:bodyPr spcFirstLastPara="0" vert="horz" wrap="square" lIns="30480" tIns="30480" rIns="30480" bIns="30480" numCol="1" spcCol="1270" anchor="ctr" anchorCtr="0">
+        <a:bodyPr spcFirstLastPara="0" vert="horz" wrap="square" lIns="34290" tIns="34290" rIns="34290" bIns="34290" numCol="1" spcCol="1270" anchor="ctr" anchorCtr="0">
           <a:noAutofit/>
         </a:bodyPr>
         <a:lstStyle/>
         <a:p>
-          <a:pPr marL="0" lvl="0" indent="0" algn="ctr" defTabSz="355600">
+          <a:pPr marL="0" lvl="0" indent="0" algn="l" defTabSz="400050">
             <a:lnSpc>
               <a:spcPct val="90000"/>
             </a:lnSpc>
@@ -2475,32 +2488,32 @@
             <a:buNone/>
           </a:pPr>
           <a:r>
-            <a:rPr lang="en-NZ" sz="800" b="1" i="0" kern="1200"/>
+            <a:rPr lang="en-NZ" sz="900" b="1" i="0" kern="1200"/>
             <a:t>PAY_3</a:t>
           </a:r>
           <a:r>
-            <a:rPr lang="en-NZ" sz="800" b="0" i="0" kern="1200"/>
+            <a:rPr lang="en-NZ" sz="900" b="0" i="0" kern="1200"/>
             <a:t>: Repayment status in July, 2005 (scale same as above)</a:t>
           </a:r>
-          <a:endParaRPr lang="en-US" sz="800" kern="1200"/>
+          <a:endParaRPr lang="en-US" sz="900" kern="1200"/>
         </a:p>
       </dsp:txBody>
       <dsp:txXfrm>
-        <a:off x="632637" y="3079109"/>
-        <a:ext cx="1465299" cy="879179"/>
+        <a:off x="17453" y="3482019"/>
+        <a:ext cx="5919326" cy="322620"/>
       </dsp:txXfrm>
     </dsp:sp>
-    <dsp:sp modelId="{41B9B5C4-E515-C947-9156-2C2893D3DC21}">
+    <dsp:sp modelId="{F294EFBA-D326-9747-B4C8-DD01ACDB5884}">
       <dsp:nvSpPr>
         <dsp:cNvPr id="0" name=""/>
         <dsp:cNvSpPr/>
       </dsp:nvSpPr>
       <dsp:spPr>
         <a:xfrm>
-          <a:off x="2244466" y="3079109"/>
-          <a:ext cx="1465299" cy="879179"/>
+          <a:off x="0" y="3848012"/>
+          <a:ext cx="5954232" cy="357526"/>
         </a:xfrm>
-        <a:prstGeom prst="rect">
+        <a:prstGeom prst="roundRect">
           <a:avLst/>
         </a:prstGeom>
         <a:solidFill>
@@ -2540,12 +2553,12 @@
         </a:fontRef>
       </dsp:style>
       <dsp:txBody>
-        <a:bodyPr spcFirstLastPara="0" vert="horz" wrap="square" lIns="30480" tIns="30480" rIns="30480" bIns="30480" numCol="1" spcCol="1270" anchor="ctr" anchorCtr="0">
+        <a:bodyPr spcFirstLastPara="0" vert="horz" wrap="square" lIns="34290" tIns="34290" rIns="34290" bIns="34290" numCol="1" spcCol="1270" anchor="ctr" anchorCtr="0">
           <a:noAutofit/>
         </a:bodyPr>
         <a:lstStyle/>
         <a:p>
-          <a:pPr marL="0" lvl="0" indent="0" algn="ctr" defTabSz="355600">
+          <a:pPr marL="0" lvl="0" indent="0" algn="l" defTabSz="400050">
             <a:lnSpc>
               <a:spcPct val="90000"/>
             </a:lnSpc>
@@ -2558,32 +2571,32 @@
             <a:buNone/>
           </a:pPr>
           <a:r>
-            <a:rPr lang="en-NZ" sz="800" b="1" i="0" kern="1200"/>
+            <a:rPr lang="en-NZ" sz="900" b="1" i="0" kern="1200"/>
             <a:t>PAY_4</a:t>
           </a:r>
           <a:r>
-            <a:rPr lang="en-NZ" sz="800" b="0" i="0" kern="1200"/>
+            <a:rPr lang="en-NZ" sz="900" b="0" i="0" kern="1200"/>
             <a:t>: Repayment status in June, 2005 (scale same as above)</a:t>
           </a:r>
-          <a:endParaRPr lang="en-US" sz="800" kern="1200"/>
+          <a:endParaRPr lang="en-US" sz="900" kern="1200"/>
         </a:p>
       </dsp:txBody>
       <dsp:txXfrm>
-        <a:off x="2244466" y="3079109"/>
-        <a:ext cx="1465299" cy="879179"/>
+        <a:off x="17453" y="3865465"/>
+        <a:ext cx="5919326" cy="322620"/>
       </dsp:txXfrm>
     </dsp:sp>
-    <dsp:sp modelId="{56DC2948-14D3-A745-964A-8641CE52B390}">
+    <dsp:sp modelId="{856F7F4C-1430-FD46-82E7-DBF404C04AE0}">
       <dsp:nvSpPr>
         <dsp:cNvPr id="0" name=""/>
         <dsp:cNvSpPr/>
       </dsp:nvSpPr>
       <dsp:spPr>
         <a:xfrm>
-          <a:off x="3856296" y="3079109"/>
-          <a:ext cx="1465299" cy="879179"/>
+          <a:off x="0" y="4231458"/>
+          <a:ext cx="5954232" cy="357526"/>
         </a:xfrm>
-        <a:prstGeom prst="rect">
+        <a:prstGeom prst="roundRect">
           <a:avLst/>
         </a:prstGeom>
         <a:solidFill>
@@ -2623,12 +2636,12 @@
         </a:fontRef>
       </dsp:style>
       <dsp:txBody>
-        <a:bodyPr spcFirstLastPara="0" vert="horz" wrap="square" lIns="30480" tIns="30480" rIns="30480" bIns="30480" numCol="1" spcCol="1270" anchor="ctr" anchorCtr="0">
+        <a:bodyPr spcFirstLastPara="0" vert="horz" wrap="square" lIns="34290" tIns="34290" rIns="34290" bIns="34290" numCol="1" spcCol="1270" anchor="ctr" anchorCtr="0">
           <a:noAutofit/>
         </a:bodyPr>
         <a:lstStyle/>
         <a:p>
-          <a:pPr marL="0" lvl="0" indent="0" algn="ctr" defTabSz="355600">
+          <a:pPr marL="0" lvl="0" indent="0" algn="l" defTabSz="400050">
             <a:lnSpc>
               <a:spcPct val="90000"/>
             </a:lnSpc>
@@ -2641,32 +2654,32 @@
             <a:buNone/>
           </a:pPr>
           <a:r>
-            <a:rPr lang="en-NZ" sz="800" b="1" i="0" kern="1200"/>
+            <a:rPr lang="en-NZ" sz="900" b="1" i="0" kern="1200"/>
             <a:t>PAY_5</a:t>
           </a:r>
           <a:r>
-            <a:rPr lang="en-NZ" sz="800" b="0" i="0" kern="1200"/>
+            <a:rPr lang="en-NZ" sz="900" b="0" i="0" kern="1200"/>
             <a:t>: Repayment status in May, 2005 (scale same as above)</a:t>
           </a:r>
-          <a:endParaRPr lang="en-US" sz="800" kern="1200"/>
+          <a:endParaRPr lang="en-US" sz="900" kern="1200"/>
         </a:p>
       </dsp:txBody>
       <dsp:txXfrm>
-        <a:off x="3856296" y="3079109"/>
-        <a:ext cx="1465299" cy="879179"/>
+        <a:off x="17453" y="4248911"/>
+        <a:ext cx="5919326" cy="322620"/>
       </dsp:txXfrm>
     </dsp:sp>
-    <dsp:sp modelId="{4632A2E0-E050-7C44-AA47-EAFD8A0918C8}">
+    <dsp:sp modelId="{201E5DD9-ED03-5E48-BBBD-A14712C15100}">
       <dsp:nvSpPr>
         <dsp:cNvPr id="0" name=""/>
         <dsp:cNvSpPr/>
       </dsp:nvSpPr>
       <dsp:spPr>
         <a:xfrm>
-          <a:off x="2244466" y="4104819"/>
-          <a:ext cx="1465299" cy="879179"/>
+          <a:off x="0" y="4614905"/>
+          <a:ext cx="5954232" cy="357526"/>
         </a:xfrm>
-        <a:prstGeom prst="rect">
+        <a:prstGeom prst="roundRect">
           <a:avLst/>
         </a:prstGeom>
         <a:solidFill>
@@ -2706,12 +2719,12 @@
         </a:fontRef>
       </dsp:style>
       <dsp:txBody>
-        <a:bodyPr spcFirstLastPara="0" vert="horz" wrap="square" lIns="30480" tIns="30480" rIns="30480" bIns="30480" numCol="1" spcCol="1270" anchor="ctr" anchorCtr="0">
+        <a:bodyPr spcFirstLastPara="0" vert="horz" wrap="square" lIns="34290" tIns="34290" rIns="34290" bIns="34290" numCol="1" spcCol="1270" anchor="ctr" anchorCtr="0">
           <a:noAutofit/>
         </a:bodyPr>
         <a:lstStyle/>
         <a:p>
-          <a:pPr marL="0" lvl="0" indent="0" algn="ctr" defTabSz="355600">
+          <a:pPr marL="0" lvl="0" indent="0" algn="l" defTabSz="400050">
             <a:lnSpc>
               <a:spcPct val="90000"/>
             </a:lnSpc>
@@ -2724,19 +2737,19 @@
             <a:buNone/>
           </a:pPr>
           <a:r>
-            <a:rPr lang="en-NZ" sz="800" b="1" i="0" kern="1200"/>
+            <a:rPr lang="en-NZ" sz="900" b="1" i="0" kern="1200"/>
             <a:t>PAY_6</a:t>
           </a:r>
           <a:r>
-            <a:rPr lang="en-NZ" sz="800" b="0" i="0" kern="1200"/>
+            <a:rPr lang="en-NZ" sz="900" b="0" i="0" kern="1200"/>
             <a:t>: Repayment status in April, 2005 (scale same as above)</a:t>
           </a:r>
-          <a:endParaRPr lang="en-US" sz="800" kern="1200"/>
+          <a:endParaRPr lang="en-US" sz="900" kern="1200"/>
         </a:p>
       </dsp:txBody>
       <dsp:txXfrm>
-        <a:off x="2244466" y="4104819"/>
-        <a:ext cx="1465299" cy="879179"/>
+        <a:off x="17453" y="4632358"/>
+        <a:ext cx="5919326" cy="322620"/>
       </dsp:txXfrm>
     </dsp:sp>
   </dsp:spTree>
@@ -2744,11 +2757,12 @@
 </file>
 
 <file path=ppt/diagrams/layout1.xml><?xml version="1.0" encoding="utf-8"?>
-<dgm:layoutDef xmlns:dgm="http://schemas.openxmlformats.org/drawingml/2006/diagram" xmlns:a="http://schemas.openxmlformats.org/drawingml/2006/main" uniqueId="urn:microsoft.com/office/officeart/2005/8/layout/default">
+<dgm:layoutDef xmlns:dgm="http://schemas.openxmlformats.org/drawingml/2006/diagram" xmlns:a="http://schemas.openxmlformats.org/drawingml/2006/main" uniqueId="urn:microsoft.com/office/officeart/2005/8/layout/vList2">
   <dgm:title val=""/>
   <dgm:desc val=""/>
   <dgm:catLst>
-    <dgm:cat type="list" pri="400"/>
+    <dgm:cat type="list" pri="3000"/>
+    <dgm:cat type="convert" pri="1000"/>
   </dgm:catLst>
   <dgm:sampData>
     <dgm:dataModel>
@@ -2757,25 +2771,21 @@
         <dgm:pt modelId="1">
           <dgm:prSet phldr="1"/>
         </dgm:pt>
+        <dgm:pt modelId="11">
+          <dgm:prSet phldr="1"/>
+        </dgm:pt>
         <dgm:pt modelId="2">
           <dgm:prSet phldr="1"/>
         </dgm:pt>
-        <dgm:pt modelId="3">
-          <dgm:prSet phldr="1"/>
-        </dgm:pt>
-        <dgm:pt modelId="4">
-          <dgm:prSet phldr="1"/>
-        </dgm:pt>
-        <dgm:pt modelId="5">
+        <dgm:pt modelId="21">
           <dgm:prSet phldr="1"/>
         </dgm:pt>
       </dgm:ptLst>
       <dgm:cxnLst>
-        <dgm:cxn modelId="6" srcId="0" destId="1" srcOrd="0" destOrd="0"/>
-        <dgm:cxn modelId="7" srcId="0" destId="2" srcOrd="1" destOrd="0"/>
-        <dgm:cxn modelId="8" srcId="0" destId="3" srcOrd="2" destOrd="0"/>
-        <dgm:cxn modelId="9" srcId="0" destId="4" srcOrd="3" destOrd="0"/>
-        <dgm:cxn modelId="10" srcId="0" destId="5" srcOrd="4" destOrd="0"/>
+        <dgm:cxn modelId="4" srcId="0" destId="1" srcOrd="0" destOrd="0"/>
+        <dgm:cxn modelId="5" srcId="0" destId="2" srcOrd="1" destOrd="0"/>
+        <dgm:cxn modelId="12" srcId="1" destId="11" srcOrd="0" destOrd="0"/>
+        <dgm:cxn modelId="23" srcId="2" destId="21" srcOrd="0" destOrd="0"/>
       </dgm:cxnLst>
       <dgm:bg/>
       <dgm:whole/>
@@ -2804,87 +2814,110 @@
         <dgm:pt modelId="2"/>
         <dgm:pt modelId="3"/>
         <dgm:pt modelId="4"/>
-        <dgm:pt modelId="5"/>
-        <dgm:pt modelId="6"/>
       </dgm:ptLst>
       <dgm:cxnLst>
-        <dgm:cxn modelId="7" srcId="0" destId="1" srcOrd="0" destOrd="0"/>
-        <dgm:cxn modelId="8" srcId="0" destId="2" srcOrd="1" destOrd="0"/>
-        <dgm:cxn modelId="9" srcId="0" destId="3" srcOrd="2" destOrd="0"/>
-        <dgm:cxn modelId="10" srcId="0" destId="4" srcOrd="3" destOrd="0"/>
-        <dgm:cxn modelId="11" srcId="0" destId="5" srcOrd="4" destOrd="0"/>
-        <dgm:cxn modelId="12" srcId="0" destId="6" srcOrd="5" destOrd="0"/>
+        <dgm:cxn modelId="5" srcId="0" destId="1" srcOrd="0" destOrd="0"/>
+        <dgm:cxn modelId="6" srcId="0" destId="2" srcOrd="1" destOrd="0"/>
+        <dgm:cxn modelId="7" srcId="0" destId="3" srcOrd="2" destOrd="0"/>
+        <dgm:cxn modelId="8" srcId="0" destId="4" srcOrd="3" destOrd="0"/>
       </dgm:cxnLst>
       <dgm:bg/>
       <dgm:whole/>
     </dgm:dataModel>
   </dgm:clrData>
-  <dgm:layoutNode name="diagram">
+  <dgm:layoutNode name="linear">
     <dgm:varLst>
-      <dgm:dir/>
+      <dgm:animLvl val="lvl"/>
       <dgm:resizeHandles val="exact"/>
     </dgm:varLst>
-    <dgm:choose name="Name0">
-      <dgm:if name="Name1" func="var" arg="dir" op="equ" val="norm">
-        <dgm:alg type="snake">
-          <dgm:param type="grDir" val="tL"/>
-          <dgm:param type="flowDir" val="row"/>
-          <dgm:param type="contDir" val="sameDir"/>
-          <dgm:param type="off" val="ctr"/>
-        </dgm:alg>
-      </dgm:if>
-      <dgm:else name="Name2">
-        <dgm:alg type="snake">
-          <dgm:param type="grDir" val="tR"/>
-          <dgm:param type="flowDir" val="row"/>
-          <dgm:param type="contDir" val="sameDir"/>
-          <dgm:param type="off" val="ctr"/>
-        </dgm:alg>
-      </dgm:else>
-    </dgm:choose>
+    <dgm:alg type="lin">
+      <dgm:param type="linDir" val="fromT"/>
+      <dgm:param type="vertAlign" val="mid"/>
+    </dgm:alg>
     <dgm:shape xmlns:r="http://schemas.openxmlformats.org/officeDocument/2006/relationships" r:blip="">
       <dgm:adjLst/>
     </dgm:shape>
     <dgm:presOf/>
     <dgm:constrLst>
-      <dgm:constr type="w" for="ch" forName="node" refType="w"/>
-      <dgm:constr type="h" for="ch" forName="node" refType="w" refFor="ch" refForName="node" fact="0.6"/>
-      <dgm:constr type="w" for="ch" forName="sibTrans" refType="w" refFor="ch" refForName="node" fact="0.1"/>
-      <dgm:constr type="sp" refType="w" refFor="ch" refForName="sibTrans"/>
-      <dgm:constr type="primFontSz" for="ch" forName="node" op="equ" val="65"/>
+      <dgm:constr type="w" for="ch" forName="parentText" refType="w"/>
+      <dgm:constr type="h" for="ch" forName="parentText" refType="primFontSz" refFor="ch" refForName="parentText" fact="0.52"/>
+      <dgm:constr type="w" for="ch" forName="childText" refType="w"/>
+      <dgm:constr type="h" for="ch" forName="childText" refType="primFontSz" refFor="ch" refForName="parentText" fact="0.46"/>
+      <dgm:constr type="h" for="ch" forName="parentText" op="equ"/>
+      <dgm:constr type="primFontSz" for="ch" forName="parentText" op="equ" val="65"/>
+      <dgm:constr type="primFontSz" for="ch" forName="childText" refType="primFontSz" refFor="ch" refForName="parentText" op="equ"/>
+      <dgm:constr type="h" for="ch" forName="spacer" refType="primFontSz" refFor="ch" refForName="parentText" fact="0.08"/>
     </dgm:constrLst>
-    <dgm:ruleLst/>
-    <dgm:forEach name="Name3" axis="ch" ptType="node">
-      <dgm:layoutNode name="node">
+    <dgm:ruleLst>
+      <dgm:rule type="primFontSz" for="ch" forName="parentText" val="5" fact="NaN" max="NaN"/>
+    </dgm:ruleLst>
+    <dgm:forEach name="Name0" axis="ch" ptType="node">
+      <dgm:layoutNode name="parentText" styleLbl="node1">
         <dgm:varLst>
+          <dgm:chMax val="0"/>
           <dgm:bulletEnabled val="1"/>
         </dgm:varLst>
-        <dgm:alg type="tx"/>
-        <dgm:shape xmlns:r="http://schemas.openxmlformats.org/officeDocument/2006/relationships" type="rect" r:blip="">
+        <dgm:alg type="tx">
+          <dgm:param type="parTxLTRAlign" val="l"/>
+          <dgm:param type="parTxRTLAlign" val="r"/>
+        </dgm:alg>
+        <dgm:shape xmlns:r="http://schemas.openxmlformats.org/officeDocument/2006/relationships" type="roundRect" r:blip="">
           <dgm:adjLst/>
         </dgm:shape>
-        <dgm:presOf axis="desOrSelf" ptType="node"/>
+        <dgm:presOf axis="self"/>
         <dgm:constrLst>
+          <dgm:constr type="tMarg" refType="primFontSz" fact="0.3"/>
+          <dgm:constr type="bMarg" refType="primFontSz" fact="0.3"/>
           <dgm:constr type="lMarg" refType="primFontSz" fact="0.3"/>
           <dgm:constr type="rMarg" refType="primFontSz" fact="0.3"/>
-          <dgm:constr type="tMarg" refType="primFontSz" fact="0.3"/>
-          <dgm:constr type="bMarg" refType="primFontSz" fact="0.3"/>
         </dgm:constrLst>
         <dgm:ruleLst>
-          <dgm:rule type="primFontSz" val="5" fact="NaN" max="NaN"/>
+          <dgm:rule type="h" val="INF" fact="NaN" max="NaN"/>
         </dgm:ruleLst>
       </dgm:layoutNode>
-      <dgm:forEach name="Name4" axis="followSib" ptType="sibTrans" cnt="1">
-        <dgm:layoutNode name="sibTrans">
-          <dgm:alg type="sp"/>
-          <dgm:shape xmlns:r="http://schemas.openxmlformats.org/officeDocument/2006/relationships" r:blip="">
-            <dgm:adjLst/>
-          </dgm:shape>
-          <dgm:presOf/>
-          <dgm:constrLst/>
-          <dgm:ruleLst/>
-        </dgm:layoutNode>
-      </dgm:forEach>
+      <dgm:choose name="Name1">
+        <dgm:if name="Name2" axis="ch" ptType="node" func="cnt" op="gte" val="1">
+          <dgm:layoutNode name="childText" styleLbl="revTx">
+            <dgm:varLst>
+              <dgm:bulletEnabled val="1"/>
+            </dgm:varLst>
+            <dgm:alg type="tx">
+              <dgm:param type="stBulletLvl" val="1"/>
+              <dgm:param type="lnSpAfChP" val="20"/>
+            </dgm:alg>
+            <dgm:shape xmlns:r="http://schemas.openxmlformats.org/officeDocument/2006/relationships" type="rect" r:blip="">
+              <dgm:adjLst/>
+            </dgm:shape>
+            <dgm:presOf axis="des" ptType="node"/>
+            <dgm:constrLst>
+              <dgm:constr type="tMarg" refType="primFontSz" fact="0.1"/>
+              <dgm:constr type="bMarg" refType="primFontSz" fact="0.1"/>
+              <dgm:constr type="lMarg" refType="w" fact="0.09"/>
+            </dgm:constrLst>
+            <dgm:ruleLst>
+              <dgm:rule type="h" val="INF" fact="NaN" max="NaN"/>
+            </dgm:ruleLst>
+          </dgm:layoutNode>
+        </dgm:if>
+        <dgm:else name="Name3">
+          <dgm:choose name="Name4">
+            <dgm:if name="Name5" axis="par ch" ptType="doc node" func="cnt" op="gte" val="2">
+              <dgm:forEach name="Name6" axis="followSib" ptType="sibTrans" cnt="1">
+                <dgm:layoutNode name="spacer">
+                  <dgm:alg type="sp"/>
+                  <dgm:shape xmlns:r="http://schemas.openxmlformats.org/officeDocument/2006/relationships" r:blip="">
+                    <dgm:adjLst/>
+                  </dgm:shape>
+                  <dgm:presOf/>
+                  <dgm:constrLst/>
+                  <dgm:ruleLst/>
+                </dgm:layoutNode>
+              </dgm:forEach>
+            </dgm:if>
+            <dgm:else name="Name7"/>
+          </dgm:choose>
+        </dgm:else>
+      </dgm:choose>
     </dgm:forEach>
   </dgm:layoutNode>
 </dgm:layoutDef>
@@ -4006,7 +4039,7 @@
           <a:p>
             <a:fld id="{BC0EFADE-73B6-2446-AB9D-1234C578992C}" type="datetimeFigureOut">
               <a:rPr lang="en-US" smtClean="0"/>
-              <a:t>8/12/24</a:t>
+              <a:t>8/22/24</a:t>
             </a:fld>
             <a:endParaRPr lang="en-US"/>
           </a:p>
@@ -10113,7 +10146,7 @@
           <a:p>
             <a:fld id="{48A87A34-81AB-432B-8DAE-1953F412C126}" type="datetimeFigureOut">
               <a:rPr lang="en-US" smtClean="0"/>
-              <a:t>8/12/24</a:t>
+              <a:t>8/22/24</a:t>
             </a:fld>
             <a:endParaRPr lang="en-US" dirty="0"/>
           </a:p>
@@ -10283,7 +10316,7 @@
           <a:p>
             <a:fld id="{48A87A34-81AB-432B-8DAE-1953F412C126}" type="datetimeFigureOut">
               <a:rPr lang="en-US" smtClean="0"/>
-              <a:t>8/12/24</a:t>
+              <a:t>8/22/24</a:t>
             </a:fld>
             <a:endParaRPr lang="en-US" dirty="0"/>
           </a:p>
@@ -10463,7 +10496,7 @@
           <a:p>
             <a:fld id="{48A87A34-81AB-432B-8DAE-1953F412C126}" type="datetimeFigureOut">
               <a:rPr lang="en-US" smtClean="0"/>
-              <a:t>8/12/24</a:t>
+              <a:t>8/22/24</a:t>
             </a:fld>
             <a:endParaRPr lang="en-US" dirty="0"/>
           </a:p>
@@ -10633,7 +10666,7 @@
           <a:p>
             <a:fld id="{48A87A34-81AB-432B-8DAE-1953F412C126}" type="datetimeFigureOut">
               <a:rPr lang="en-US" smtClean="0"/>
-              <a:t>8/12/24</a:t>
+              <a:t>8/22/24</a:t>
             </a:fld>
             <a:endParaRPr lang="en-US" dirty="0"/>
           </a:p>
@@ -10879,7 +10912,7 @@
           <a:p>
             <a:fld id="{48A87A34-81AB-432B-8DAE-1953F412C126}" type="datetimeFigureOut">
               <a:rPr lang="en-US" smtClean="0"/>
-              <a:t>8/12/24</a:t>
+              <a:t>8/22/24</a:t>
             </a:fld>
             <a:endParaRPr lang="en-US" dirty="0"/>
           </a:p>
@@ -11111,7 +11144,7 @@
           <a:p>
             <a:fld id="{48A87A34-81AB-432B-8DAE-1953F412C126}" type="datetimeFigureOut">
               <a:rPr lang="en-US" smtClean="0"/>
-              <a:t>8/12/24</a:t>
+              <a:t>8/22/24</a:t>
             </a:fld>
             <a:endParaRPr lang="en-US" dirty="0"/>
           </a:p>
@@ -11478,7 +11511,7 @@
           <a:p>
             <a:fld id="{48A87A34-81AB-432B-8DAE-1953F412C126}" type="datetimeFigureOut">
               <a:rPr lang="en-US" smtClean="0"/>
-              <a:t>8/12/24</a:t>
+              <a:t>8/22/24</a:t>
             </a:fld>
             <a:endParaRPr lang="en-US" dirty="0"/>
           </a:p>
@@ -11596,7 +11629,7 @@
           <a:p>
             <a:fld id="{48A87A34-81AB-432B-8DAE-1953F412C126}" type="datetimeFigureOut">
               <a:rPr lang="en-US" smtClean="0"/>
-              <a:t>8/12/24</a:t>
+              <a:t>8/22/24</a:t>
             </a:fld>
             <a:endParaRPr lang="en-US" dirty="0"/>
           </a:p>
@@ -11691,7 +11724,7 @@
           <a:p>
             <a:fld id="{48A87A34-81AB-432B-8DAE-1953F412C126}" type="datetimeFigureOut">
               <a:rPr lang="en-US" smtClean="0"/>
-              <a:t>8/12/24</a:t>
+              <a:t>8/22/24</a:t>
             </a:fld>
             <a:endParaRPr lang="en-US" dirty="0"/>
           </a:p>
@@ -11968,7 +12001,7 @@
           <a:p>
             <a:fld id="{48A87A34-81AB-432B-8DAE-1953F412C126}" type="datetimeFigureOut">
               <a:rPr lang="en-US" smtClean="0"/>
-              <a:t>8/12/24</a:t>
+              <a:t>8/22/24</a:t>
             </a:fld>
             <a:endParaRPr lang="en-US" dirty="0"/>
           </a:p>
@@ -12226,7 +12259,7 @@
             <a:fld id="{48A87A34-81AB-432B-8DAE-1953F412C126}" type="datetimeFigureOut">
               <a:rPr lang="en-US" smtClean="0"/>
               <a:pPr/>
-              <a:t>8/12/24</a:t>
+              <a:t>8/22/24</a:t>
             </a:fld>
             <a:endParaRPr lang="en-US" dirty="0"/>
           </a:p>
@@ -12440,7 +12473,7 @@
             <a:fld id="{48A87A34-81AB-432B-8DAE-1953F412C126}" type="datetimeFigureOut">
               <a:rPr lang="en-US" smtClean="0"/>
               <a:pPr/>
-              <a:t>8/12/24</a:t>
+              <a:t>8/22/24</a:t>
             </a:fld>
             <a:endParaRPr lang="en-US" dirty="0"/>
           </a:p>
@@ -22650,7 +22683,7 @@
           <a:p>
             <a:pPr algn="l" fontAlgn="base"/>
             <a:br>
-              <a:rPr lang="en-NZ" sz="1400" b="0" i="0" dirty="0">
+              <a:rPr lang="en-NZ" sz="1400" b="0" i="0">
                 <a:solidFill>
                   <a:srgbClr val="3C4043"/>
                 </a:solidFill>
@@ -22658,6 +22691,351 @@
                 <a:latin typeface="Inter"/>
               </a:rPr>
             </a:br>
+            <a:endParaRPr lang="en-NZ" sz="1600" b="0" i="0">
+              <a:solidFill>
+                <a:srgbClr val="3C4043"/>
+              </a:solidFill>
+              <a:effectLst/>
+              <a:latin typeface="inherit"/>
+            </a:endParaRPr>
+          </a:p>
+          <a:p>
+            <a:pPr algn="l" fontAlgn="base">
+              <a:buFont typeface="Arial" panose="020B0604020202020204" pitchFamily="34" charset="0"/>
+              <a:buChar char="•"/>
+            </a:pPr>
+            <a:r>
+              <a:rPr lang="en-NZ" sz="1600" b="1" i="0">
+                <a:solidFill>
+                  <a:srgbClr val="3C4043"/>
+                </a:solidFill>
+                <a:effectLst/>
+                <a:latin typeface="inherit"/>
+              </a:rPr>
+              <a:t>BILL_AMT1</a:t>
+            </a:r>
+            <a:r>
+              <a:rPr lang="en-NZ" sz="1600" b="0" i="0">
+                <a:solidFill>
+                  <a:srgbClr val="3C4043"/>
+                </a:solidFill>
+                <a:effectLst/>
+                <a:latin typeface="inherit"/>
+              </a:rPr>
+              <a:t>: Amount of bill statement in September, 2005 (NT dollar)</a:t>
+            </a:r>
+          </a:p>
+          <a:p>
+            <a:pPr algn="l" fontAlgn="base">
+              <a:buFont typeface="Arial" panose="020B0604020202020204" pitchFamily="34" charset="0"/>
+              <a:buChar char="•"/>
+            </a:pPr>
+            <a:r>
+              <a:rPr lang="en-NZ" sz="1600" b="1" i="0">
+                <a:solidFill>
+                  <a:srgbClr val="3C4043"/>
+                </a:solidFill>
+                <a:effectLst/>
+                <a:latin typeface="inherit"/>
+              </a:rPr>
+              <a:t>BILL_AMT2</a:t>
+            </a:r>
+            <a:r>
+              <a:rPr lang="en-NZ" sz="1600" b="0" i="0">
+                <a:solidFill>
+                  <a:srgbClr val="3C4043"/>
+                </a:solidFill>
+                <a:effectLst/>
+                <a:latin typeface="inherit"/>
+              </a:rPr>
+              <a:t>: Amount of bill statement in August, 2005 (NT dollar)</a:t>
+            </a:r>
+          </a:p>
+          <a:p>
+            <a:pPr algn="l" fontAlgn="base">
+              <a:buFont typeface="Arial" panose="020B0604020202020204" pitchFamily="34" charset="0"/>
+              <a:buChar char="•"/>
+            </a:pPr>
+            <a:r>
+              <a:rPr lang="en-NZ" sz="1600" b="1" i="0">
+                <a:solidFill>
+                  <a:srgbClr val="3C4043"/>
+                </a:solidFill>
+                <a:effectLst/>
+                <a:latin typeface="inherit"/>
+              </a:rPr>
+              <a:t>BILL_AMT3</a:t>
+            </a:r>
+            <a:r>
+              <a:rPr lang="en-NZ" sz="1600" b="0" i="0">
+                <a:solidFill>
+                  <a:srgbClr val="3C4043"/>
+                </a:solidFill>
+                <a:effectLst/>
+                <a:latin typeface="inherit"/>
+              </a:rPr>
+              <a:t>: Amount of bill statement in July, 2005 (NT dollar)</a:t>
+            </a:r>
+          </a:p>
+          <a:p>
+            <a:pPr algn="l" fontAlgn="base">
+              <a:buFont typeface="Arial" panose="020B0604020202020204" pitchFamily="34" charset="0"/>
+              <a:buChar char="•"/>
+            </a:pPr>
+            <a:r>
+              <a:rPr lang="en-NZ" sz="1600" b="1" i="0">
+                <a:solidFill>
+                  <a:srgbClr val="3C4043"/>
+                </a:solidFill>
+                <a:effectLst/>
+                <a:latin typeface="inherit"/>
+              </a:rPr>
+              <a:t>BILL_AMT4</a:t>
+            </a:r>
+            <a:r>
+              <a:rPr lang="en-NZ" sz="1600" b="0" i="0">
+                <a:solidFill>
+                  <a:srgbClr val="3C4043"/>
+                </a:solidFill>
+                <a:effectLst/>
+                <a:latin typeface="inherit"/>
+              </a:rPr>
+              <a:t>: Amount of bill statement in June, 2005 (NT dollar)</a:t>
+            </a:r>
+          </a:p>
+          <a:p>
+            <a:pPr algn="l" fontAlgn="base">
+              <a:buFont typeface="Arial" panose="020B0604020202020204" pitchFamily="34" charset="0"/>
+              <a:buChar char="•"/>
+            </a:pPr>
+            <a:r>
+              <a:rPr lang="en-NZ" sz="1600" b="1" i="0">
+                <a:solidFill>
+                  <a:srgbClr val="3C4043"/>
+                </a:solidFill>
+                <a:effectLst/>
+                <a:latin typeface="inherit"/>
+              </a:rPr>
+              <a:t>BILL_AMT5</a:t>
+            </a:r>
+            <a:r>
+              <a:rPr lang="en-NZ" sz="1600" b="0" i="0">
+                <a:solidFill>
+                  <a:srgbClr val="3C4043"/>
+                </a:solidFill>
+                <a:effectLst/>
+                <a:latin typeface="inherit"/>
+              </a:rPr>
+              <a:t>: Amount of bill statement in May, 2005 (NT dollar)</a:t>
+            </a:r>
+          </a:p>
+          <a:p>
+            <a:pPr algn="l" fontAlgn="base">
+              <a:buFont typeface="Arial" panose="020B0604020202020204" pitchFamily="34" charset="0"/>
+              <a:buChar char="•"/>
+            </a:pPr>
+            <a:r>
+              <a:rPr lang="en-NZ" sz="1600" b="1" i="0">
+                <a:solidFill>
+                  <a:srgbClr val="3C4043"/>
+                </a:solidFill>
+                <a:effectLst/>
+                <a:latin typeface="inherit"/>
+              </a:rPr>
+              <a:t>BILL_AMT6</a:t>
+            </a:r>
+            <a:r>
+              <a:rPr lang="en-NZ" sz="1600" b="0" i="0">
+                <a:solidFill>
+                  <a:srgbClr val="3C4043"/>
+                </a:solidFill>
+                <a:effectLst/>
+                <a:latin typeface="inherit"/>
+              </a:rPr>
+              <a:t>: Amount of bill statement in April, 2005 (NT dollar)</a:t>
+            </a:r>
+          </a:p>
+          <a:p>
+            <a:pPr algn="l" fontAlgn="base">
+              <a:buFont typeface="Arial" panose="020B0604020202020204" pitchFamily="34" charset="0"/>
+              <a:buChar char="•"/>
+            </a:pPr>
+            <a:r>
+              <a:rPr lang="en-NZ" sz="1600" b="1" i="0">
+                <a:solidFill>
+                  <a:srgbClr val="3C4043"/>
+                </a:solidFill>
+                <a:effectLst/>
+                <a:latin typeface="inherit"/>
+              </a:rPr>
+              <a:t>PAY_AMT1</a:t>
+            </a:r>
+            <a:r>
+              <a:rPr lang="en-NZ" sz="1600" b="0" i="0">
+                <a:solidFill>
+                  <a:srgbClr val="3C4043"/>
+                </a:solidFill>
+                <a:effectLst/>
+                <a:latin typeface="inherit"/>
+              </a:rPr>
+              <a:t>: Amount of previous payment in September, 2005 (NT dollar)</a:t>
+            </a:r>
+          </a:p>
+          <a:p>
+            <a:pPr algn="l" fontAlgn="base">
+              <a:buFont typeface="Arial" panose="020B0604020202020204" pitchFamily="34" charset="0"/>
+              <a:buChar char="•"/>
+            </a:pPr>
+            <a:r>
+              <a:rPr lang="en-NZ" sz="1600" b="1" i="0">
+                <a:solidFill>
+                  <a:srgbClr val="3C4043"/>
+                </a:solidFill>
+                <a:effectLst/>
+                <a:latin typeface="inherit"/>
+              </a:rPr>
+              <a:t>PAY_AMT2</a:t>
+            </a:r>
+            <a:r>
+              <a:rPr lang="en-NZ" sz="1600" b="0" i="0">
+                <a:solidFill>
+                  <a:srgbClr val="3C4043"/>
+                </a:solidFill>
+                <a:effectLst/>
+                <a:latin typeface="inherit"/>
+              </a:rPr>
+              <a:t>: Amount of previous payment in August, 2005 (NT dollar)</a:t>
+            </a:r>
+          </a:p>
+          <a:p>
+            <a:pPr algn="l" fontAlgn="base">
+              <a:buFont typeface="Arial" panose="020B0604020202020204" pitchFamily="34" charset="0"/>
+              <a:buChar char="•"/>
+            </a:pPr>
+            <a:r>
+              <a:rPr lang="en-NZ" sz="1600" b="1" i="0">
+                <a:solidFill>
+                  <a:srgbClr val="3C4043"/>
+                </a:solidFill>
+                <a:effectLst/>
+                <a:latin typeface="inherit"/>
+              </a:rPr>
+              <a:t>PAY_AMT3</a:t>
+            </a:r>
+            <a:r>
+              <a:rPr lang="en-NZ" sz="1600" b="0" i="0">
+                <a:solidFill>
+                  <a:srgbClr val="3C4043"/>
+                </a:solidFill>
+                <a:effectLst/>
+                <a:latin typeface="inherit"/>
+              </a:rPr>
+              <a:t>: Amount of previous payment in July, 2005 (NT dollar)</a:t>
+            </a:r>
+          </a:p>
+          <a:p>
+            <a:pPr algn="l" fontAlgn="base">
+              <a:buFont typeface="Arial" panose="020B0604020202020204" pitchFamily="34" charset="0"/>
+              <a:buChar char="•"/>
+            </a:pPr>
+            <a:r>
+              <a:rPr lang="en-NZ" sz="1600" b="1" i="0">
+                <a:solidFill>
+                  <a:srgbClr val="3C4043"/>
+                </a:solidFill>
+                <a:effectLst/>
+                <a:latin typeface="inherit"/>
+              </a:rPr>
+              <a:t>PAY_AMT4</a:t>
+            </a:r>
+            <a:r>
+              <a:rPr lang="en-NZ" sz="1600" b="0" i="0">
+                <a:solidFill>
+                  <a:srgbClr val="3C4043"/>
+                </a:solidFill>
+                <a:effectLst/>
+                <a:latin typeface="inherit"/>
+              </a:rPr>
+              <a:t>: Amount of previous payment in June, 2005 (NT dollar)</a:t>
+            </a:r>
+          </a:p>
+          <a:p>
+            <a:pPr algn="l" fontAlgn="base">
+              <a:buFont typeface="Arial" panose="020B0604020202020204" pitchFamily="34" charset="0"/>
+              <a:buChar char="•"/>
+            </a:pPr>
+            <a:r>
+              <a:rPr lang="en-NZ" sz="1600" b="1" i="0">
+                <a:solidFill>
+                  <a:srgbClr val="3C4043"/>
+                </a:solidFill>
+                <a:effectLst/>
+                <a:latin typeface="inherit"/>
+              </a:rPr>
+              <a:t>PAY_AMT5</a:t>
+            </a:r>
+            <a:r>
+              <a:rPr lang="en-NZ" sz="1600" b="0" i="0">
+                <a:solidFill>
+                  <a:srgbClr val="3C4043"/>
+                </a:solidFill>
+                <a:effectLst/>
+                <a:latin typeface="inherit"/>
+              </a:rPr>
+              <a:t>: Amount of previous payment in May, 2005 (NT dollar)</a:t>
+            </a:r>
+          </a:p>
+          <a:p>
+            <a:pPr algn="l" fontAlgn="base">
+              <a:buFont typeface="Arial" panose="020B0604020202020204" pitchFamily="34" charset="0"/>
+              <a:buChar char="•"/>
+            </a:pPr>
+            <a:r>
+              <a:rPr lang="en-NZ" sz="1600" b="1" i="0">
+                <a:solidFill>
+                  <a:srgbClr val="3C4043"/>
+                </a:solidFill>
+                <a:effectLst/>
+                <a:latin typeface="inherit"/>
+              </a:rPr>
+              <a:t>PAY_AMT6</a:t>
+            </a:r>
+            <a:r>
+              <a:rPr lang="en-NZ" sz="1600" b="0" i="0">
+                <a:solidFill>
+                  <a:srgbClr val="3C4043"/>
+                </a:solidFill>
+                <a:effectLst/>
+                <a:latin typeface="inherit"/>
+              </a:rPr>
+              <a:t>: Amount of previous payment in April, 2005 (NT dollar)</a:t>
+            </a:r>
+          </a:p>
+          <a:p>
+            <a:pPr algn="l" fontAlgn="base">
+              <a:buFont typeface="Arial" panose="020B0604020202020204" pitchFamily="34" charset="0"/>
+              <a:buChar char="•"/>
+            </a:pPr>
+            <a:r>
+              <a:rPr lang="en-NZ" sz="1600" b="1" i="0">
+                <a:solidFill>
+                  <a:srgbClr val="3C4043"/>
+                </a:solidFill>
+                <a:effectLst/>
+                <a:latin typeface="inherit"/>
+              </a:rPr>
+              <a:t>default.payment.next.month</a:t>
+            </a:r>
+            <a:r>
+              <a:rPr lang="en-NZ" sz="1600" b="0" i="0">
+                <a:solidFill>
+                  <a:srgbClr val="3C4043"/>
+                </a:solidFill>
+                <a:effectLst/>
+                <a:latin typeface="inherit"/>
+              </a:rPr>
+              <a:t>: Default payment (1=yes, 0=no)</a:t>
+            </a:r>
             <a:endParaRPr lang="en-NZ" sz="1600" b="0" i="0" dirty="0">
               <a:solidFill>
                 <a:srgbClr val="3C4043"/>
@@ -22665,344 +23043,6 @@
               <a:effectLst/>
               <a:latin typeface="inherit"/>
             </a:endParaRPr>
-          </a:p>
-          <a:p>
-            <a:pPr algn="l" fontAlgn="base">
-              <a:buFont typeface="Arial" panose="020B0604020202020204" pitchFamily="34" charset="0"/>
-              <a:buChar char="•"/>
-            </a:pPr>
-            <a:r>
-              <a:rPr lang="en-NZ" sz="1600" b="1" i="0" dirty="0">
-                <a:solidFill>
-                  <a:srgbClr val="3C4043"/>
-                </a:solidFill>
-                <a:effectLst/>
-                <a:latin typeface="inherit"/>
-              </a:rPr>
-              <a:t>BILL_AMT1</a:t>
-            </a:r>
-            <a:r>
-              <a:rPr lang="en-NZ" sz="1600" b="0" i="0" dirty="0">
-                <a:solidFill>
-                  <a:srgbClr val="3C4043"/>
-                </a:solidFill>
-                <a:effectLst/>
-                <a:latin typeface="inherit"/>
-              </a:rPr>
-              <a:t>: Amount of bill statement in September, 2005 (NT dollar)</a:t>
-            </a:r>
-          </a:p>
-          <a:p>
-            <a:pPr algn="l" fontAlgn="base">
-              <a:buFont typeface="Arial" panose="020B0604020202020204" pitchFamily="34" charset="0"/>
-              <a:buChar char="•"/>
-            </a:pPr>
-            <a:r>
-              <a:rPr lang="en-NZ" sz="1600" b="1" i="0" dirty="0">
-                <a:solidFill>
-                  <a:srgbClr val="3C4043"/>
-                </a:solidFill>
-                <a:effectLst/>
-                <a:latin typeface="inherit"/>
-              </a:rPr>
-              <a:t>BILL_AMT2</a:t>
-            </a:r>
-            <a:r>
-              <a:rPr lang="en-NZ" sz="1600" b="0" i="0" dirty="0">
-                <a:solidFill>
-                  <a:srgbClr val="3C4043"/>
-                </a:solidFill>
-                <a:effectLst/>
-                <a:latin typeface="inherit"/>
-              </a:rPr>
-              <a:t>: Amount of bill statement in August, 2005 (NT dollar)</a:t>
-            </a:r>
-          </a:p>
-          <a:p>
-            <a:pPr algn="l" fontAlgn="base">
-              <a:buFont typeface="Arial" panose="020B0604020202020204" pitchFamily="34" charset="0"/>
-              <a:buChar char="•"/>
-            </a:pPr>
-            <a:r>
-              <a:rPr lang="en-NZ" sz="1600" b="1" i="0" dirty="0">
-                <a:solidFill>
-                  <a:srgbClr val="3C4043"/>
-                </a:solidFill>
-                <a:effectLst/>
-                <a:latin typeface="inherit"/>
-              </a:rPr>
-              <a:t>BILL_AMT3</a:t>
-            </a:r>
-            <a:r>
-              <a:rPr lang="en-NZ" sz="1600" b="0" i="0" dirty="0">
-                <a:solidFill>
-                  <a:srgbClr val="3C4043"/>
-                </a:solidFill>
-                <a:effectLst/>
-                <a:latin typeface="inherit"/>
-              </a:rPr>
-              <a:t>: Amount of bill statement in July, 2005 (NT dollar)</a:t>
-            </a:r>
-          </a:p>
-          <a:p>
-            <a:pPr algn="l" fontAlgn="base">
-              <a:buFont typeface="Arial" panose="020B0604020202020204" pitchFamily="34" charset="0"/>
-              <a:buChar char="•"/>
-            </a:pPr>
-            <a:r>
-              <a:rPr lang="en-NZ" sz="1600" b="1" i="0" dirty="0">
-                <a:solidFill>
-                  <a:srgbClr val="3C4043"/>
-                </a:solidFill>
-                <a:effectLst/>
-                <a:latin typeface="inherit"/>
-              </a:rPr>
-              <a:t>BILL_AMT4</a:t>
-            </a:r>
-            <a:r>
-              <a:rPr lang="en-NZ" sz="1600" b="0" i="0" dirty="0">
-                <a:solidFill>
-                  <a:srgbClr val="3C4043"/>
-                </a:solidFill>
-                <a:effectLst/>
-                <a:latin typeface="inherit"/>
-              </a:rPr>
-              <a:t>: Amount of bill statement in June, 2005 (NT dollar)</a:t>
-            </a:r>
-          </a:p>
-          <a:p>
-            <a:pPr algn="l" fontAlgn="base">
-              <a:buFont typeface="Arial" panose="020B0604020202020204" pitchFamily="34" charset="0"/>
-              <a:buChar char="•"/>
-            </a:pPr>
-            <a:r>
-              <a:rPr lang="en-NZ" sz="1600" b="1" i="0" dirty="0">
-                <a:solidFill>
-                  <a:srgbClr val="3C4043"/>
-                </a:solidFill>
-                <a:effectLst/>
-                <a:latin typeface="inherit"/>
-              </a:rPr>
-              <a:t>BILL_AMT5</a:t>
-            </a:r>
-            <a:r>
-              <a:rPr lang="en-NZ" sz="1600" b="0" i="0" dirty="0">
-                <a:solidFill>
-                  <a:srgbClr val="3C4043"/>
-                </a:solidFill>
-                <a:effectLst/>
-                <a:latin typeface="inherit"/>
-              </a:rPr>
-              <a:t>: Amount of bill statement in May, 2005 (NT dollar)</a:t>
-            </a:r>
-          </a:p>
-          <a:p>
-            <a:pPr algn="l" fontAlgn="base">
-              <a:buFont typeface="Arial" panose="020B0604020202020204" pitchFamily="34" charset="0"/>
-              <a:buChar char="•"/>
-            </a:pPr>
-            <a:r>
-              <a:rPr lang="en-NZ" sz="1600" b="1" i="0" dirty="0">
-                <a:solidFill>
-                  <a:srgbClr val="3C4043"/>
-                </a:solidFill>
-                <a:effectLst/>
-                <a:latin typeface="inherit"/>
-              </a:rPr>
-              <a:t>BILL_AMT6</a:t>
-            </a:r>
-            <a:r>
-              <a:rPr lang="en-NZ" sz="1600" b="0" i="0" dirty="0">
-                <a:solidFill>
-                  <a:srgbClr val="3C4043"/>
-                </a:solidFill>
-                <a:effectLst/>
-                <a:latin typeface="inherit"/>
-              </a:rPr>
-              <a:t>: Amount of bill statement in April, 2005 (NT dollar)</a:t>
-            </a:r>
-          </a:p>
-          <a:p>
-            <a:pPr algn="l" fontAlgn="base">
-              <a:buFont typeface="Arial" panose="020B0604020202020204" pitchFamily="34" charset="0"/>
-              <a:buChar char="•"/>
-            </a:pPr>
-            <a:r>
-              <a:rPr lang="en-NZ" sz="1600" b="1" i="0" dirty="0">
-                <a:solidFill>
-                  <a:srgbClr val="3C4043"/>
-                </a:solidFill>
-                <a:effectLst/>
-                <a:latin typeface="inherit"/>
-              </a:rPr>
-              <a:t>PAY_AMT1</a:t>
-            </a:r>
-            <a:r>
-              <a:rPr lang="en-NZ" sz="1600" b="0" i="0" dirty="0">
-                <a:solidFill>
-                  <a:srgbClr val="3C4043"/>
-                </a:solidFill>
-                <a:effectLst/>
-                <a:latin typeface="inherit"/>
-              </a:rPr>
-              <a:t>: Amount of previous payment in September, 2005 (NT dollar)</a:t>
-            </a:r>
-          </a:p>
-          <a:p>
-            <a:pPr algn="l" fontAlgn="base">
-              <a:buFont typeface="Arial" panose="020B0604020202020204" pitchFamily="34" charset="0"/>
-              <a:buChar char="•"/>
-            </a:pPr>
-            <a:r>
-              <a:rPr lang="en-NZ" sz="1600" b="1" i="0" dirty="0">
-                <a:solidFill>
-                  <a:srgbClr val="3C4043"/>
-                </a:solidFill>
-                <a:effectLst/>
-                <a:latin typeface="inherit"/>
-              </a:rPr>
-              <a:t>PAY_AMT2</a:t>
-            </a:r>
-            <a:r>
-              <a:rPr lang="en-NZ" sz="1600" b="0" i="0" dirty="0">
-                <a:solidFill>
-                  <a:srgbClr val="3C4043"/>
-                </a:solidFill>
-                <a:effectLst/>
-                <a:latin typeface="inherit"/>
-              </a:rPr>
-              <a:t>: Amount of previous payment in August, 2005 (NT dollar)</a:t>
-            </a:r>
-          </a:p>
-          <a:p>
-            <a:pPr algn="l" fontAlgn="base">
-              <a:buFont typeface="Arial" panose="020B0604020202020204" pitchFamily="34" charset="0"/>
-              <a:buChar char="•"/>
-            </a:pPr>
-            <a:r>
-              <a:rPr lang="en-NZ" sz="1600" b="1" i="0" dirty="0">
-                <a:solidFill>
-                  <a:srgbClr val="3C4043"/>
-                </a:solidFill>
-                <a:effectLst/>
-                <a:latin typeface="inherit"/>
-              </a:rPr>
-              <a:t>PAY_AMT3</a:t>
-            </a:r>
-            <a:r>
-              <a:rPr lang="en-NZ" sz="1600" b="0" i="0" dirty="0">
-                <a:solidFill>
-                  <a:srgbClr val="3C4043"/>
-                </a:solidFill>
-                <a:effectLst/>
-                <a:latin typeface="inherit"/>
-              </a:rPr>
-              <a:t>: Amount of previous payment in July, 2005 (NT dollar)</a:t>
-            </a:r>
-          </a:p>
-          <a:p>
-            <a:pPr algn="l" fontAlgn="base">
-              <a:buFont typeface="Arial" panose="020B0604020202020204" pitchFamily="34" charset="0"/>
-              <a:buChar char="•"/>
-            </a:pPr>
-            <a:r>
-              <a:rPr lang="en-NZ" sz="1600" b="1" i="0" dirty="0">
-                <a:solidFill>
-                  <a:srgbClr val="3C4043"/>
-                </a:solidFill>
-                <a:effectLst/>
-                <a:latin typeface="inherit"/>
-              </a:rPr>
-              <a:t>PAY_AMT4</a:t>
-            </a:r>
-            <a:r>
-              <a:rPr lang="en-NZ" sz="1600" b="0" i="0" dirty="0">
-                <a:solidFill>
-                  <a:srgbClr val="3C4043"/>
-                </a:solidFill>
-                <a:effectLst/>
-                <a:latin typeface="inherit"/>
-              </a:rPr>
-              <a:t>: Amount of previous payment in June, 2005 (NT dollar)</a:t>
-            </a:r>
-          </a:p>
-          <a:p>
-            <a:pPr algn="l" fontAlgn="base">
-              <a:buFont typeface="Arial" panose="020B0604020202020204" pitchFamily="34" charset="0"/>
-              <a:buChar char="•"/>
-            </a:pPr>
-            <a:r>
-              <a:rPr lang="en-NZ" sz="1600" b="1" i="0" dirty="0">
-                <a:solidFill>
-                  <a:srgbClr val="3C4043"/>
-                </a:solidFill>
-                <a:effectLst/>
-                <a:latin typeface="inherit"/>
-              </a:rPr>
-              <a:t>PAY_AMT5</a:t>
-            </a:r>
-            <a:r>
-              <a:rPr lang="en-NZ" sz="1600" b="0" i="0" dirty="0">
-                <a:solidFill>
-                  <a:srgbClr val="3C4043"/>
-                </a:solidFill>
-                <a:effectLst/>
-                <a:latin typeface="inherit"/>
-              </a:rPr>
-              <a:t>: Amount of previous payment in May, 2005 (NT dollar)</a:t>
-            </a:r>
-          </a:p>
-          <a:p>
-            <a:pPr algn="l" fontAlgn="base">
-              <a:buFont typeface="Arial" panose="020B0604020202020204" pitchFamily="34" charset="0"/>
-              <a:buChar char="•"/>
-            </a:pPr>
-            <a:r>
-              <a:rPr lang="en-NZ" sz="1600" b="1" i="0" dirty="0">
-                <a:solidFill>
-                  <a:srgbClr val="3C4043"/>
-                </a:solidFill>
-                <a:effectLst/>
-                <a:latin typeface="inherit"/>
-              </a:rPr>
-              <a:t>PAY_AMT6</a:t>
-            </a:r>
-            <a:r>
-              <a:rPr lang="en-NZ" sz="1600" b="0" i="0" dirty="0">
-                <a:solidFill>
-                  <a:srgbClr val="3C4043"/>
-                </a:solidFill>
-                <a:effectLst/>
-                <a:latin typeface="inherit"/>
-              </a:rPr>
-              <a:t>: Amount of previous payment in April, 2005 (NT dollar)</a:t>
-            </a:r>
-          </a:p>
-          <a:p>
-            <a:pPr algn="l" fontAlgn="base">
-              <a:buFont typeface="Arial" panose="020B0604020202020204" pitchFamily="34" charset="0"/>
-              <a:buChar char="•"/>
-            </a:pPr>
-            <a:r>
-              <a:rPr lang="en-NZ" sz="1600" b="1" i="0" dirty="0" err="1">
-                <a:solidFill>
-                  <a:srgbClr val="3C4043"/>
-                </a:solidFill>
-                <a:effectLst/>
-                <a:latin typeface="inherit"/>
-              </a:rPr>
-              <a:t>default.payment.next.month</a:t>
-            </a:r>
-            <a:r>
-              <a:rPr lang="en-NZ" sz="1600" b="0" i="0" dirty="0">
-                <a:solidFill>
-                  <a:srgbClr val="3C4043"/>
-                </a:solidFill>
-                <a:effectLst/>
-                <a:latin typeface="inherit"/>
-              </a:rPr>
-              <a:t>: Default payment (1=yes, 0=no)</a:t>
-            </a:r>
           </a:p>
         </p:txBody>
       </p:sp>
@@ -23016,7 +23056,13 @@
             </a:extLst>
           </p:cNvPr>
           <p:cNvGraphicFramePr/>
-          <p:nvPr/>
+          <p:nvPr>
+            <p:extLst>
+              <p:ext uri="{D42A27DB-BD31-4B8C-83A1-F6EECF244321}">
+                <p14:modId xmlns:p14="http://schemas.microsoft.com/office/powerpoint/2010/main" val="4285895223"/>
+              </p:ext>
+            </p:extLst>
+          </p:nvPr>
         </p:nvGraphicFramePr>
         <p:xfrm>
           <a:off x="35442" y="1305340"/>
@@ -26859,7 +26905,7 @@
               <a:rPr lang="en-US" sz="1550" dirty="0">
                 <a:effectLst/>
               </a:rPr>
-              <a:t>: 0.859/0.821 (Slight overfitting)</a:t>
+              <a:t>: 0.859/0.821 </a:t>
             </a:r>
           </a:p>
           <a:p>
@@ -26986,8 +27032,15 @@
               <a:rPr lang="en-US" sz="1550" dirty="0">
                 <a:effectLst/>
               </a:rPr>
-              <a:t>: 0.827/0.820 (Minimal overfitting)</a:t>
-            </a:r>
+              <a:t>: </a:t>
+            </a:r>
+            <a:r>
+              <a:rPr lang="en-US" sz="1550">
+                <a:effectLst/>
+              </a:rPr>
+              <a:t>0.827/0.820 </a:t>
+            </a:r>
+            <a:endParaRPr lang="en-US" sz="1550"/>
           </a:p>
           <a:p>
             <a:pPr marL="342900" lvl="0" indent="-228600" defTabSz="914400">
@@ -27005,10 +27058,16 @@
               </a:tabLst>
             </a:pPr>
             <a:r>
+              <a:rPr lang="en-US" sz="1550" b="1">
+                <a:effectLst/>
+              </a:rPr>
+              <a:t>Precision</a:t>
+            </a:r>
+            <a:r>
               <a:rPr lang="en-US" sz="1550" b="1" dirty="0">
                 <a:effectLst/>
               </a:rPr>
-              <a:t>Precision/Recall/F1</a:t>
+              <a:t>/Recall/F1</a:t>
             </a:r>
             <a:r>
               <a:rPr lang="en-US" sz="1550" dirty="0">
@@ -29191,7 +29250,7 @@
         </p:nvSpPr>
         <p:spPr>
           <a:xfrm>
-            <a:off x="2469916" y="2228087"/>
+            <a:off x="2510105" y="2044563"/>
             <a:ext cx="7080349" cy="2929837"/>
           </a:xfrm>
           <a:prstGeom prst="rect">
@@ -29210,7 +29269,7 @@
               </a:spcAft>
             </a:pPr>
             <a:r>
-              <a:rPr lang="en-NZ" sz="1340" kern="1200">
+              <a:rPr lang="en-NZ" sz="1340" kern="1200" dirty="0">
                 <a:solidFill>
                   <a:schemeClr val="tx1"/>
                 </a:solidFill>
@@ -29227,7 +29286,7 @@
                 <a:spcPts val="600"/>
               </a:spcAft>
             </a:pPr>
-            <a:endParaRPr lang="en-NZ" sz="1072" kern="1200">
+            <a:endParaRPr lang="en-NZ" sz="1072" kern="1200" dirty="0">
               <a:solidFill>
                 <a:schemeClr val="tx1"/>
               </a:solidFill>
@@ -29242,7 +29301,7 @@
                 <a:spcPts val="600"/>
               </a:spcAft>
             </a:pPr>
-            <a:endParaRPr lang="en-NZ" sz="1072" kern="1200">
+            <a:endParaRPr lang="en-NZ" sz="1072" kern="1200" dirty="0">
               <a:solidFill>
                 <a:schemeClr val="tx1"/>
               </a:solidFill>
@@ -29257,7 +29316,7 @@
                 <a:spcPts val="600"/>
               </a:spcAft>
             </a:pPr>
-            <a:endParaRPr lang="en-US"/>
+            <a:endParaRPr lang="en-US" dirty="0"/>
           </a:p>
         </p:txBody>
       </p:sp>
@@ -31570,8 +31629,8 @@
         </p:nvSpPr>
         <p:spPr>
           <a:xfrm>
-            <a:off x="5795114" y="1054880"/>
-            <a:ext cx="3526686" cy="1061829"/>
+            <a:off x="4663948" y="1054880"/>
+            <a:ext cx="6017304" cy="1154162"/>
           </a:xfrm>
           <a:prstGeom prst="rect">
             <a:avLst/>
@@ -31592,7 +31651,7 @@
               <a:buChar char="•"/>
             </a:pPr>
             <a:r>
-              <a:rPr lang="en-NZ" sz="1160" kern="1200" dirty="0">
+              <a:rPr lang="en-NZ" sz="1600" kern="1200" dirty="0">
                 <a:solidFill>
                   <a:schemeClr val="tx1"/>
                 </a:solidFill>
@@ -31606,7 +31665,7 @@
               <a:t>Those Using Revolving Credit (paid only minimum) and those delayed for 2 months have the highest </a:t>
             </a:r>
             <a:r>
-              <a:rPr lang="en-NZ" sz="1160" b="1" kern="1200" dirty="0">
+              <a:rPr lang="en-NZ" sz="1600" b="1" kern="1200" dirty="0">
                 <a:solidFill>
                   <a:schemeClr val="tx1"/>
                 </a:solidFill>
@@ -31620,7 +31679,7 @@
               <a:t>Default Count</a:t>
             </a:r>
             <a:r>
-              <a:rPr lang="en-NZ" sz="1160" kern="1200" dirty="0">
+              <a:rPr lang="en-NZ" sz="1600" kern="1200" dirty="0">
                 <a:solidFill>
                   <a:schemeClr val="tx1"/>
                 </a:solidFill>
@@ -31643,7 +31702,7 @@
               <a:buChar char="•"/>
             </a:pPr>
             <a:r>
-              <a:rPr lang="en-NZ" sz="1160" kern="1200" dirty="0">
+              <a:rPr lang="en-NZ" sz="1600" kern="1200" dirty="0">
                 <a:solidFill>
                   <a:schemeClr val="tx1"/>
                 </a:solidFill>
@@ -31657,7 +31716,7 @@
               <a:t>When payment is delayed more than 2 months, the </a:t>
             </a:r>
             <a:r>
-              <a:rPr lang="en-NZ" sz="1160" b="1" kern="1200" dirty="0">
+              <a:rPr lang="en-NZ" sz="1600" b="1" kern="1200" dirty="0">
                 <a:solidFill>
                   <a:schemeClr val="tx1"/>
                 </a:solidFill>
@@ -31671,7 +31730,7 @@
               <a:t>chances of default</a:t>
             </a:r>
             <a:r>
-              <a:rPr lang="en-NZ" sz="1160" kern="1200" dirty="0">
+              <a:rPr lang="en-NZ" sz="1600" kern="1200" dirty="0">
                 <a:solidFill>
                   <a:schemeClr val="tx1"/>
                 </a:solidFill>
@@ -31684,7 +31743,7 @@
               </a:rPr>
               <a:t> goes higher than 50%.</a:t>
             </a:r>
-            <a:endParaRPr lang="en-NZ" sz="2000" b="0" i="0" dirty="0">
+            <a:endParaRPr lang="en-NZ" sz="1600" b="0" i="0" dirty="0">
               <a:effectLst/>
               <a:highlight>
                 <a:srgbClr val="FFFFFF"/>
@@ -31716,8 +31775,8 @@
         </p:blipFill>
         <p:spPr>
           <a:xfrm>
-            <a:off x="4942712" y="2730480"/>
-            <a:ext cx="6078347" cy="2543940"/>
+            <a:off x="3446667" y="2730479"/>
+            <a:ext cx="8520045" cy="3565851"/>
           </a:xfrm>
           <a:prstGeom prst="rect">
             <a:avLst/>
@@ -32100,7 +32159,7 @@
         </p:nvSpPr>
         <p:spPr>
           <a:xfrm>
-            <a:off x="838200" y="2478026"/>
+            <a:off x="583318" y="1989532"/>
             <a:ext cx="2828010" cy="3780798"/>
           </a:xfrm>
           <a:prstGeom prst="rect">
@@ -32120,7 +32179,7 @@
               </a:spcAft>
             </a:pPr>
             <a:r>
-              <a:rPr lang="en-NZ" sz="1840" kern="1200">
+              <a:rPr lang="en-NZ" sz="1840" kern="1200" dirty="0">
                 <a:solidFill>
                   <a:schemeClr val="tx1"/>
                 </a:solidFill>
@@ -32130,7 +32189,7 @@
               </a:rPr>
               <a:t>From this plot we can infer that married people between age bracket of 30 and 50 and unmarried clients of age 20-30 tend to default payment with unmarried clients higher probability to default payment. Hence we can include MARRIAGE feature of clients to find probability of defaulting the payment next month</a:t>
             </a:r>
-            <a:endParaRPr lang="en-NZ" sz="2000" b="0">
+            <a:endParaRPr lang="en-NZ" sz="2000" b="0" dirty="0">
               <a:effectLst/>
               <a:latin typeface="Aptos" panose="020B0004020202020204" pitchFamily="34" charset="0"/>
             </a:endParaRPr>
@@ -32159,8 +32218,8 @@
         </p:blipFill>
         <p:spPr>
           <a:xfrm>
-            <a:off x="3982994" y="2540403"/>
-            <a:ext cx="7361662" cy="3656044"/>
+            <a:off x="3895228" y="2248855"/>
+            <a:ext cx="7752856" cy="3850324"/>
           </a:xfrm>
           <a:prstGeom prst="rect">
             <a:avLst/>
@@ -32443,74 +32502,6 @@
       </p:sp>
       <p:sp>
         <p:nvSpPr>
-          <p:cNvPr id="3" name="Content Placeholder 2">
-            <a:extLst>
-              <a:ext uri="{FF2B5EF4-FFF2-40B4-BE49-F238E27FC236}">
-                <a16:creationId xmlns:a16="http://schemas.microsoft.com/office/drawing/2014/main" id="{16FAAEC9-74C3-E180-54BF-052BFB398D44}"/>
-              </a:ext>
-            </a:extLst>
-          </p:cNvPr>
-          <p:cNvSpPr>
-            <a:spLocks/>
-          </p:cNvSpPr>
-          <p:nvPr/>
-        </p:nvSpPr>
-        <p:spPr>
-          <a:xfrm>
-            <a:off x="2247624" y="2000737"/>
-            <a:ext cx="7599192" cy="3144533"/>
-          </a:xfrm>
-          <a:prstGeom prst="rect">
-            <a:avLst/>
-          </a:prstGeom>
-        </p:spPr>
-        <p:txBody>
-          <a:bodyPr>
-            <a:normAutofit/>
-          </a:bodyPr>
-          <a:lstStyle/>
-          <a:p>
-            <a:pPr defTabSz="329184">
-              <a:spcAft>
-                <a:spcPts val="600"/>
-              </a:spcAft>
-            </a:pPr>
-            <a:endParaRPr lang="en-NZ" sz="1152" kern="1200">
-              <a:solidFill>
-                <a:schemeClr val="tx1"/>
-              </a:solidFill>
-              <a:latin typeface="Aptos" panose="020B0004020202020204" pitchFamily="34" charset="0"/>
-              <a:ea typeface="+mn-ea"/>
-              <a:cs typeface="+mn-cs"/>
-            </a:endParaRPr>
-          </a:p>
-          <a:p>
-            <a:pPr defTabSz="329184">
-              <a:spcAft>
-                <a:spcPts val="600"/>
-              </a:spcAft>
-            </a:pPr>
-            <a:endParaRPr lang="en-NZ" sz="1152" kern="1200">
-              <a:solidFill>
-                <a:schemeClr val="tx1"/>
-              </a:solidFill>
-              <a:latin typeface="Aptos" panose="020B0004020202020204" pitchFamily="34" charset="0"/>
-              <a:ea typeface="+mn-ea"/>
-              <a:cs typeface="+mn-cs"/>
-            </a:endParaRPr>
-          </a:p>
-          <a:p>
-            <a:pPr>
-              <a:spcAft>
-                <a:spcPts val="600"/>
-              </a:spcAft>
-            </a:pPr>
-            <a:endParaRPr lang="en-US"/>
-          </a:p>
-        </p:txBody>
-      </p:sp>
-      <p:sp>
-        <p:nvSpPr>
           <p:cNvPr id="6" name="TextBox 5">
             <a:extLst>
               <a:ext uri="{FF2B5EF4-FFF2-40B4-BE49-F238E27FC236}">
@@ -32523,8 +32514,8 @@
         </p:nvSpPr>
         <p:spPr>
           <a:xfrm>
-            <a:off x="2146223" y="2569323"/>
-            <a:ext cx="2212677" cy="2290900"/>
+            <a:off x="1039884" y="2728171"/>
+            <a:ext cx="3770655" cy="1569660"/>
           </a:xfrm>
           <a:prstGeom prst="rect">
             <a:avLst/>
@@ -32543,7 +32534,7 @@
               </a:spcAft>
             </a:pPr>
             <a:r>
-              <a:rPr lang="en-NZ" sz="1440" kern="1200">
+              <a:rPr lang="en-NZ" sz="1600" kern="1200" dirty="0">
                 <a:solidFill>
                   <a:schemeClr val="tx1"/>
                 </a:solidFill>
@@ -32553,7 +32544,7 @@
               </a:rPr>
               <a:t>It can be seen that females of age group 20-30 have very high tendency to default payment compared to males in all age brackets. Hence we can keep the SEX column of clients to predict probability of defaulting payment.</a:t>
             </a:r>
-            <a:endParaRPr lang="en-NZ" sz="2000" b="0">
+            <a:endParaRPr lang="en-NZ" sz="1600" b="0" dirty="0">
               <a:effectLst/>
               <a:latin typeface="Aptos" panose="020B0004020202020204" pitchFamily="34" charset="0"/>
             </a:endParaRPr>

--- a/Mini-Project.pptx
+++ b/Mini-Project.pptx
@@ -17761,8 +17761,8 @@
         </p:blipFill>
         <p:spPr>
           <a:xfrm>
-            <a:off x="6096000" y="154069"/>
-            <a:ext cx="2648027" cy="2688566"/>
+            <a:off x="5861305" y="189735"/>
+            <a:ext cx="2736406" cy="2778298"/>
           </a:xfrm>
           <a:prstGeom prst="rect">
             <a:avLst/>
@@ -17796,8 +17796,8 @@
         </p:blipFill>
         <p:spPr>
           <a:xfrm>
-            <a:off x="6096000" y="3092534"/>
-            <a:ext cx="5387842" cy="3515566"/>
+            <a:off x="6004111" y="3135353"/>
+            <a:ext cx="5646116" cy="3684090"/>
           </a:xfrm>
           <a:prstGeom prst="rect">
             <a:avLst/>
@@ -17831,7 +17831,7 @@
         </p:blipFill>
         <p:spPr>
           <a:xfrm>
-            <a:off x="8827169" y="332637"/>
+            <a:off x="8811303" y="413169"/>
             <a:ext cx="3135372" cy="2331430"/>
           </a:xfrm>
           <a:prstGeom prst="rect">
@@ -30231,7 +30231,7 @@
         <p:spPr>
           <a:xfrm>
             <a:off x="2198689" y="4612693"/>
-            <a:ext cx="7794621" cy="1598899"/>
+            <a:ext cx="7794621" cy="2085186"/>
           </a:xfrm>
           <a:prstGeom prst="rect">
             <a:avLst/>
@@ -30252,7 +30252,7 @@
               <a:buChar char="•"/>
             </a:pPr>
             <a:r>
-              <a:rPr lang="en-NZ" sz="1340" kern="1200">
+              <a:rPr lang="en-NZ" sz="1600" kern="1200" dirty="0">
                 <a:solidFill>
                   <a:schemeClr val="tx1"/>
                 </a:solidFill>
@@ -30272,7 +30272,7 @@
               <a:buChar char="•"/>
             </a:pPr>
             <a:r>
-              <a:rPr lang="en-NZ" sz="1340" kern="1200">
+              <a:rPr lang="en-NZ" sz="1600" kern="1200" dirty="0">
                 <a:solidFill>
                   <a:schemeClr val="tx1"/>
                 </a:solidFill>
@@ -30292,7 +30292,7 @@
               <a:buChar char="•"/>
             </a:pPr>
             <a:r>
-              <a:rPr lang="en-NZ" sz="1340" kern="1200">
+              <a:rPr lang="en-NZ" sz="1600" kern="1200" dirty="0">
                 <a:solidFill>
                   <a:schemeClr val="tx1"/>
                 </a:solidFill>
@@ -30312,7 +30312,7 @@
               <a:buChar char="•"/>
             </a:pPr>
             <a:r>
-              <a:rPr lang="en-NZ" sz="1340" kern="1200">
+              <a:rPr lang="en-NZ" sz="1600" kern="1200" dirty="0">
                 <a:solidFill>
                   <a:schemeClr val="tx1"/>
                 </a:solidFill>
@@ -30322,7 +30322,7 @@
               </a:rPr>
               <a:t>We will observe the effect of variables on target variable below</a:t>
             </a:r>
-            <a:endParaRPr lang="en-NZ" sz="2000">
+            <a:endParaRPr lang="en-NZ" sz="1600" dirty="0">
               <a:latin typeface="Aptos" panose="020B0004020202020204" pitchFamily="34" charset="0"/>
             </a:endParaRPr>
           </a:p>
@@ -30350,8 +30350,8 @@
         </p:blipFill>
         <p:spPr>
           <a:xfrm>
-            <a:off x="2244017" y="2352877"/>
-            <a:ext cx="7477214" cy="2135026"/>
+            <a:off x="1762539" y="2035173"/>
+            <a:ext cx="8787434" cy="2509143"/>
           </a:xfrm>
           <a:prstGeom prst="rect">
             <a:avLst/>
@@ -31186,8 +31186,8 @@
         </p:nvSpPr>
         <p:spPr>
           <a:xfrm>
-            <a:off x="838200" y="3179869"/>
-            <a:ext cx="4448004" cy="1987823"/>
+            <a:off x="397565" y="3179869"/>
+            <a:ext cx="4888639" cy="1717393"/>
           </a:xfrm>
           <a:prstGeom prst="rect">
             <a:avLst/>
@@ -31629,8 +31629,8 @@
         </p:nvSpPr>
         <p:spPr>
           <a:xfrm>
-            <a:off x="4663948" y="1054880"/>
-            <a:ext cx="6017304" cy="1154162"/>
+            <a:off x="4042513" y="869816"/>
+            <a:ext cx="6545973" cy="1154162"/>
           </a:xfrm>
           <a:prstGeom prst="rect">
             <a:avLst/>
